--- a/Programming 4/09.1 Terrain Collision/09.1 Terrain Collision.pptx
+++ b/Programming 4/09.1 Terrain Collision/09.1 Terrain Collision.pptx
@@ -4,8 +4,21 @@
   <p:sldMasterIdLst>
     <p:sldMasterId id="2147483648" r:id="rId1"/>
   </p:sldMasterIdLst>
+  <p:notesMasterIdLst>
+    <p:notesMasterId r:id="rId13"/>
+  </p:notesMasterIdLst>
   <p:sldIdLst>
-    <p:sldId id="256" r:id="rId2"/>
+    <p:sldId id="257" r:id="rId2"/>
+    <p:sldId id="258" r:id="rId3"/>
+    <p:sldId id="259" r:id="rId4"/>
+    <p:sldId id="260" r:id="rId5"/>
+    <p:sldId id="261" r:id="rId6"/>
+    <p:sldId id="262" r:id="rId7"/>
+    <p:sldId id="263" r:id="rId8"/>
+    <p:sldId id="264" r:id="rId9"/>
+    <p:sldId id="265" r:id="rId10"/>
+    <p:sldId id="266" r:id="rId11"/>
+    <p:sldId id="267" r:id="rId12"/>
   </p:sldIdLst>
   <p:sldSz cx="9144000" cy="6858000" type="screen4x3"/>
   <p:notesSz cx="6858000" cy="9144000"/>
@@ -106,10 +119,2458 @@
   </p:defaultTextStyle>
   <p:extLst>
     <p:ext uri="{EFAFB233-063F-42B5-8137-9DF3F51BA10A}">
-      <p15:sldGuideLst xmlns:p15="http://schemas.microsoft.com/office/powerpoint/2012/main"/>
+      <p15:sldGuideLst xmlns:p15="http://schemas.microsoft.com/office/powerpoint/2012/main">
+        <p15:guide id="1" orient="horz" pos="2160">
+          <p15:clr>
+            <a:srgbClr val="A4A3A4"/>
+          </p15:clr>
+        </p15:guide>
+        <p15:guide id="2" pos="2880">
+          <p15:clr>
+            <a:srgbClr val="A4A3A4"/>
+          </p15:clr>
+        </p15:guide>
+      </p15:sldGuideLst>
     </p:ext>
   </p:extLst>
 </p:presentation>
+</file>
+
+<file path=ppt/notesMasters/notesMaster1.xml><?xml version="1.0" encoding="utf-8"?>
+<p:notesMaster xmlns:a="http://schemas.openxmlformats.org/drawingml/2006/main" xmlns:r="http://schemas.openxmlformats.org/officeDocument/2006/relationships" xmlns:p="http://schemas.openxmlformats.org/presentationml/2006/main">
+  <p:cSld>
+    <p:bg>
+      <p:bgRef idx="1001">
+        <a:schemeClr val="bg1"/>
+      </p:bgRef>
+    </p:bg>
+    <p:spTree>
+      <p:nvGrpSpPr>
+        <p:cNvPr id="1" name=""/>
+        <p:cNvGrpSpPr/>
+        <p:nvPr/>
+      </p:nvGrpSpPr>
+      <p:grpSpPr>
+        <a:xfrm>
+          <a:off x="0" y="0"/>
+          <a:ext cx="0" cy="0"/>
+          <a:chOff x="0" y="0"/>
+          <a:chExt cx="0" cy="0"/>
+        </a:xfrm>
+      </p:grpSpPr>
+      <p:sp>
+        <p:nvSpPr>
+          <p:cNvPr id="2" name="Header Placeholder 1"/>
+          <p:cNvSpPr>
+            <a:spLocks noGrp="1"/>
+          </p:cNvSpPr>
+          <p:nvPr>
+            <p:ph type="hdr" sz="quarter"/>
+          </p:nvPr>
+        </p:nvSpPr>
+        <p:spPr>
+          <a:xfrm>
+            <a:off x="0" y="0"/>
+            <a:ext cx="2971800" cy="458788"/>
+          </a:xfrm>
+          <a:prstGeom prst="rect">
+            <a:avLst/>
+          </a:prstGeom>
+        </p:spPr>
+        <p:txBody>
+          <a:bodyPr vert="horz" lIns="91440" tIns="45720" rIns="91440" bIns="45720" rtlCol="0"/>
+          <a:lstStyle>
+            <a:lvl1pPr algn="l">
+              <a:defRPr sz="1200"/>
+            </a:lvl1pPr>
+          </a:lstStyle>
+          <a:p>
+            <a:endParaRPr lang="en-NZ"/>
+          </a:p>
+        </p:txBody>
+      </p:sp>
+      <p:sp>
+        <p:nvSpPr>
+          <p:cNvPr id="3" name="Date Placeholder 2"/>
+          <p:cNvSpPr>
+            <a:spLocks noGrp="1"/>
+          </p:cNvSpPr>
+          <p:nvPr>
+            <p:ph type="dt" idx="1"/>
+          </p:nvPr>
+        </p:nvSpPr>
+        <p:spPr>
+          <a:xfrm>
+            <a:off x="3884613" y="0"/>
+            <a:ext cx="2971800" cy="458788"/>
+          </a:xfrm>
+          <a:prstGeom prst="rect">
+            <a:avLst/>
+          </a:prstGeom>
+        </p:spPr>
+        <p:txBody>
+          <a:bodyPr vert="horz" lIns="91440" tIns="45720" rIns="91440" bIns="45720" rtlCol="0"/>
+          <a:lstStyle>
+            <a:lvl1pPr algn="r">
+              <a:defRPr sz="1200"/>
+            </a:lvl1pPr>
+          </a:lstStyle>
+          <a:p>
+            <a:fld id="{2CE3422C-D433-4C84-A131-573DCFD5BE4D}" type="datetimeFigureOut">
+              <a:rPr lang="en-NZ" smtClean="0"/>
+              <a:t>19/09/2019</a:t>
+            </a:fld>
+            <a:endParaRPr lang="en-NZ"/>
+          </a:p>
+        </p:txBody>
+      </p:sp>
+      <p:sp>
+        <p:nvSpPr>
+          <p:cNvPr id="4" name="Slide Image Placeholder 3"/>
+          <p:cNvSpPr>
+            <a:spLocks noGrp="1" noRot="1" noChangeAspect="1"/>
+          </p:cNvSpPr>
+          <p:nvPr>
+            <p:ph type="sldImg" idx="2"/>
+          </p:nvPr>
+        </p:nvSpPr>
+        <p:spPr>
+          <a:xfrm>
+            <a:off x="1371600" y="1143000"/>
+            <a:ext cx="4114800" cy="3086100"/>
+          </a:xfrm>
+          <a:prstGeom prst="rect">
+            <a:avLst/>
+          </a:prstGeom>
+          <a:noFill/>
+          <a:ln w="12700">
+            <a:solidFill>
+              <a:prstClr val="black"/>
+            </a:solidFill>
+          </a:ln>
+        </p:spPr>
+        <p:txBody>
+          <a:bodyPr vert="horz" lIns="91440" tIns="45720" rIns="91440" bIns="45720" rtlCol="0" anchor="ctr"/>
+          <a:lstStyle/>
+          <a:p>
+            <a:endParaRPr lang="en-NZ"/>
+          </a:p>
+        </p:txBody>
+      </p:sp>
+      <p:sp>
+        <p:nvSpPr>
+          <p:cNvPr id="5" name="Notes Placeholder 4"/>
+          <p:cNvSpPr>
+            <a:spLocks noGrp="1"/>
+          </p:cNvSpPr>
+          <p:nvPr>
+            <p:ph type="body" sz="quarter" idx="3"/>
+          </p:nvPr>
+        </p:nvSpPr>
+        <p:spPr>
+          <a:xfrm>
+            <a:off x="685800" y="4400550"/>
+            <a:ext cx="5486400" cy="3600450"/>
+          </a:xfrm>
+          <a:prstGeom prst="rect">
+            <a:avLst/>
+          </a:prstGeom>
+        </p:spPr>
+        <p:txBody>
+          <a:bodyPr vert="horz" lIns="91440" tIns="45720" rIns="91440" bIns="45720" rtlCol="0"/>
+          <a:lstStyle/>
+          <a:p>
+            <a:pPr lvl="0"/>
+            <a:r>
+              <a:rPr lang="en-US" smtClean="0"/>
+              <a:t>Edit Master text styles</a:t>
+            </a:r>
+          </a:p>
+          <a:p>
+            <a:pPr lvl="1"/>
+            <a:r>
+              <a:rPr lang="en-US" smtClean="0"/>
+              <a:t>Second level</a:t>
+            </a:r>
+          </a:p>
+          <a:p>
+            <a:pPr lvl="2"/>
+            <a:r>
+              <a:rPr lang="en-US" smtClean="0"/>
+              <a:t>Third level</a:t>
+            </a:r>
+          </a:p>
+          <a:p>
+            <a:pPr lvl="3"/>
+            <a:r>
+              <a:rPr lang="en-US" smtClean="0"/>
+              <a:t>Fourth level</a:t>
+            </a:r>
+          </a:p>
+          <a:p>
+            <a:pPr lvl="4"/>
+            <a:r>
+              <a:rPr lang="en-US" smtClean="0"/>
+              <a:t>Fifth level</a:t>
+            </a:r>
+            <a:endParaRPr lang="en-NZ"/>
+          </a:p>
+        </p:txBody>
+      </p:sp>
+      <p:sp>
+        <p:nvSpPr>
+          <p:cNvPr id="6" name="Footer Placeholder 5"/>
+          <p:cNvSpPr>
+            <a:spLocks noGrp="1"/>
+          </p:cNvSpPr>
+          <p:nvPr>
+            <p:ph type="ftr" sz="quarter" idx="4"/>
+          </p:nvPr>
+        </p:nvSpPr>
+        <p:spPr>
+          <a:xfrm>
+            <a:off x="0" y="8685213"/>
+            <a:ext cx="2971800" cy="458787"/>
+          </a:xfrm>
+          <a:prstGeom prst="rect">
+            <a:avLst/>
+          </a:prstGeom>
+        </p:spPr>
+        <p:txBody>
+          <a:bodyPr vert="horz" lIns="91440" tIns="45720" rIns="91440" bIns="45720" rtlCol="0" anchor="b"/>
+          <a:lstStyle>
+            <a:lvl1pPr algn="l">
+              <a:defRPr sz="1200"/>
+            </a:lvl1pPr>
+          </a:lstStyle>
+          <a:p>
+            <a:endParaRPr lang="en-NZ"/>
+          </a:p>
+        </p:txBody>
+      </p:sp>
+      <p:sp>
+        <p:nvSpPr>
+          <p:cNvPr id="7" name="Slide Number Placeholder 6"/>
+          <p:cNvSpPr>
+            <a:spLocks noGrp="1"/>
+          </p:cNvSpPr>
+          <p:nvPr>
+            <p:ph type="sldNum" sz="quarter" idx="5"/>
+          </p:nvPr>
+        </p:nvSpPr>
+        <p:spPr>
+          <a:xfrm>
+            <a:off x="3884613" y="8685213"/>
+            <a:ext cx="2971800" cy="458787"/>
+          </a:xfrm>
+          <a:prstGeom prst="rect">
+            <a:avLst/>
+          </a:prstGeom>
+        </p:spPr>
+        <p:txBody>
+          <a:bodyPr vert="horz" lIns="91440" tIns="45720" rIns="91440" bIns="45720" rtlCol="0" anchor="b"/>
+          <a:lstStyle>
+            <a:lvl1pPr algn="r">
+              <a:defRPr sz="1200"/>
+            </a:lvl1pPr>
+          </a:lstStyle>
+          <a:p>
+            <a:fld id="{59BCBFF1-AD3F-4174-8060-D615B656B022}" type="slidenum">
+              <a:rPr lang="en-NZ" smtClean="0"/>
+              <a:t>‹#›</a:t>
+            </a:fld>
+            <a:endParaRPr lang="en-NZ"/>
+          </a:p>
+        </p:txBody>
+      </p:sp>
+    </p:spTree>
+    <p:extLst>
+      <p:ext uri="{BB962C8B-B14F-4D97-AF65-F5344CB8AC3E}">
+        <p14:creationId xmlns:p14="http://schemas.microsoft.com/office/powerpoint/2010/main" val="341707453"/>
+      </p:ext>
+    </p:extLst>
+  </p:cSld>
+  <p:clrMap bg1="lt1" tx1="dk1" bg2="lt2" tx2="dk2" accent1="accent1" accent2="accent2" accent3="accent3" accent4="accent4" accent5="accent5" accent6="accent6" hlink="hlink" folHlink="folHlink"/>
+  <p:notesStyle>
+    <a:lvl1pPr marL="0" algn="l" defTabSz="914400" rtl="0" eaLnBrk="1" latinLnBrk="0" hangingPunct="1">
+      <a:defRPr sz="1200" kern="1200">
+        <a:solidFill>
+          <a:schemeClr val="tx1"/>
+        </a:solidFill>
+        <a:latin typeface="+mn-lt"/>
+        <a:ea typeface="+mn-ea"/>
+        <a:cs typeface="+mn-cs"/>
+      </a:defRPr>
+    </a:lvl1pPr>
+    <a:lvl2pPr marL="457200" algn="l" defTabSz="914400" rtl="0" eaLnBrk="1" latinLnBrk="0" hangingPunct="1">
+      <a:defRPr sz="1200" kern="1200">
+        <a:solidFill>
+          <a:schemeClr val="tx1"/>
+        </a:solidFill>
+        <a:latin typeface="+mn-lt"/>
+        <a:ea typeface="+mn-ea"/>
+        <a:cs typeface="+mn-cs"/>
+      </a:defRPr>
+    </a:lvl2pPr>
+    <a:lvl3pPr marL="914400" algn="l" defTabSz="914400" rtl="0" eaLnBrk="1" latinLnBrk="0" hangingPunct="1">
+      <a:defRPr sz="1200" kern="1200">
+        <a:solidFill>
+          <a:schemeClr val="tx1"/>
+        </a:solidFill>
+        <a:latin typeface="+mn-lt"/>
+        <a:ea typeface="+mn-ea"/>
+        <a:cs typeface="+mn-cs"/>
+      </a:defRPr>
+    </a:lvl3pPr>
+    <a:lvl4pPr marL="1371600" algn="l" defTabSz="914400" rtl="0" eaLnBrk="1" latinLnBrk="0" hangingPunct="1">
+      <a:defRPr sz="1200" kern="1200">
+        <a:solidFill>
+          <a:schemeClr val="tx1"/>
+        </a:solidFill>
+        <a:latin typeface="+mn-lt"/>
+        <a:ea typeface="+mn-ea"/>
+        <a:cs typeface="+mn-cs"/>
+      </a:defRPr>
+    </a:lvl4pPr>
+    <a:lvl5pPr marL="1828800" algn="l" defTabSz="914400" rtl="0" eaLnBrk="1" latinLnBrk="0" hangingPunct="1">
+      <a:defRPr sz="1200" kern="1200">
+        <a:solidFill>
+          <a:schemeClr val="tx1"/>
+        </a:solidFill>
+        <a:latin typeface="+mn-lt"/>
+        <a:ea typeface="+mn-ea"/>
+        <a:cs typeface="+mn-cs"/>
+      </a:defRPr>
+    </a:lvl5pPr>
+    <a:lvl6pPr marL="2286000" algn="l" defTabSz="914400" rtl="0" eaLnBrk="1" latinLnBrk="0" hangingPunct="1">
+      <a:defRPr sz="1200" kern="1200">
+        <a:solidFill>
+          <a:schemeClr val="tx1"/>
+        </a:solidFill>
+        <a:latin typeface="+mn-lt"/>
+        <a:ea typeface="+mn-ea"/>
+        <a:cs typeface="+mn-cs"/>
+      </a:defRPr>
+    </a:lvl6pPr>
+    <a:lvl7pPr marL="2743200" algn="l" defTabSz="914400" rtl="0" eaLnBrk="1" latinLnBrk="0" hangingPunct="1">
+      <a:defRPr sz="1200" kern="1200">
+        <a:solidFill>
+          <a:schemeClr val="tx1"/>
+        </a:solidFill>
+        <a:latin typeface="+mn-lt"/>
+        <a:ea typeface="+mn-ea"/>
+        <a:cs typeface="+mn-cs"/>
+      </a:defRPr>
+    </a:lvl7pPr>
+    <a:lvl8pPr marL="3200400" algn="l" defTabSz="914400" rtl="0" eaLnBrk="1" latinLnBrk="0" hangingPunct="1">
+      <a:defRPr sz="1200" kern="1200">
+        <a:solidFill>
+          <a:schemeClr val="tx1"/>
+        </a:solidFill>
+        <a:latin typeface="+mn-lt"/>
+        <a:ea typeface="+mn-ea"/>
+        <a:cs typeface="+mn-cs"/>
+      </a:defRPr>
+    </a:lvl8pPr>
+    <a:lvl9pPr marL="3657600" algn="l" defTabSz="914400" rtl="0" eaLnBrk="1" latinLnBrk="0" hangingPunct="1">
+      <a:defRPr sz="1200" kern="1200">
+        <a:solidFill>
+          <a:schemeClr val="tx1"/>
+        </a:solidFill>
+        <a:latin typeface="+mn-lt"/>
+        <a:ea typeface="+mn-ea"/>
+        <a:cs typeface="+mn-cs"/>
+      </a:defRPr>
+    </a:lvl9pPr>
+  </p:notesStyle>
+</p:notesMaster>
+</file>
+
+<file path=ppt/notesSlides/notesSlide1.xml><?xml version="1.0" encoding="utf-8"?>
+<p:notes xmlns:a="http://schemas.openxmlformats.org/drawingml/2006/main" xmlns:r="http://schemas.openxmlformats.org/officeDocument/2006/relationships" xmlns:p="http://schemas.openxmlformats.org/presentationml/2006/main">
+  <p:cSld>
+    <p:spTree>
+      <p:nvGrpSpPr>
+        <p:cNvPr id="1" name=""/>
+        <p:cNvGrpSpPr/>
+        <p:nvPr/>
+      </p:nvGrpSpPr>
+      <p:grpSpPr>
+        <a:xfrm>
+          <a:off x="0" y="0"/>
+          <a:ext cx="0" cy="0"/>
+          <a:chOff x="0" y="0"/>
+          <a:chExt cx="0" cy="0"/>
+        </a:xfrm>
+      </p:grpSpPr>
+      <p:sp>
+        <p:nvSpPr>
+          <p:cNvPr id="2" name="Slide Image Placeholder 1"/>
+          <p:cNvSpPr>
+            <a:spLocks noGrp="1" noRot="1" noChangeAspect="1"/>
+          </p:cNvSpPr>
+          <p:nvPr>
+            <p:ph type="sldImg"/>
+          </p:nvPr>
+        </p:nvSpPr>
+        <p:spPr/>
+      </p:sp>
+      <p:sp>
+        <p:nvSpPr>
+          <p:cNvPr id="3" name="Notes Placeholder 2"/>
+          <p:cNvSpPr>
+            <a:spLocks noGrp="1"/>
+          </p:cNvSpPr>
+          <p:nvPr>
+            <p:ph type="body" idx="1"/>
+          </p:nvPr>
+        </p:nvSpPr>
+        <p:spPr/>
+        <p:txBody>
+          <a:bodyPr/>
+          <a:lstStyle/>
+          <a:p>
+            <a:pPr marL="171450" indent="-171450">
+              <a:buFont typeface="Arial" charset="0"/>
+              <a:buChar char="•"/>
+            </a:pPr>
+            <a:r>
+              <a:rPr lang="en-NZ" sz="1200" kern="1200" dirty="0" smtClean="0">
+                <a:solidFill>
+                  <a:schemeClr val="tx1"/>
+                </a:solidFill>
+                <a:effectLst/>
+                <a:latin typeface="+mn-lt"/>
+                <a:ea typeface="+mn-ea"/>
+                <a:cs typeface="+mn-cs"/>
+              </a:rPr>
+              <a:t>We looked at the first one last time</a:t>
+            </a:r>
+          </a:p>
+          <a:p>
+            <a:pPr marL="171450" indent="-171450">
+              <a:buFont typeface="Arial" charset="0"/>
+              <a:buChar char="•"/>
+            </a:pPr>
+            <a:endParaRPr lang="en-NZ" sz="1200" kern="1200" dirty="0" smtClean="0">
+              <a:solidFill>
+                <a:schemeClr val="tx1"/>
+              </a:solidFill>
+              <a:effectLst/>
+              <a:latin typeface="+mn-lt"/>
+              <a:ea typeface="+mn-ea"/>
+              <a:cs typeface="+mn-cs"/>
+            </a:endParaRPr>
+          </a:p>
+          <a:p>
+            <a:pPr marL="171450" indent="-171450">
+              <a:buFont typeface="Arial" charset="0"/>
+              <a:buChar char="•"/>
+            </a:pPr>
+            <a:r>
+              <a:rPr lang="en-NZ" sz="1200" kern="1200" dirty="0" smtClean="0">
+                <a:solidFill>
+                  <a:schemeClr val="tx1"/>
+                </a:solidFill>
+                <a:effectLst/>
+                <a:latin typeface="+mn-lt"/>
+                <a:ea typeface="+mn-ea"/>
+                <a:cs typeface="+mn-cs"/>
+              </a:rPr>
+              <a:t>Now we’ll do the second one. This is the logic that gives the world some relevance as different kinds of tiles begin to have different properties</a:t>
+            </a:r>
+          </a:p>
+          <a:p>
+            <a:pPr marL="171450" indent="-171450">
+              <a:buFont typeface="Arial" charset="0"/>
+              <a:buChar char="•"/>
+            </a:pPr>
+            <a:endParaRPr lang="en-NZ" sz="1200" kern="1200" dirty="0" smtClean="0">
+              <a:solidFill>
+                <a:schemeClr val="tx1"/>
+              </a:solidFill>
+              <a:effectLst/>
+              <a:latin typeface="+mn-lt"/>
+              <a:ea typeface="+mn-ea"/>
+              <a:cs typeface="+mn-cs"/>
+            </a:endParaRPr>
+          </a:p>
+        </p:txBody>
+      </p:sp>
+      <p:sp>
+        <p:nvSpPr>
+          <p:cNvPr id="4" name="Slide Number Placeholder 3"/>
+          <p:cNvSpPr>
+            <a:spLocks noGrp="1"/>
+          </p:cNvSpPr>
+          <p:nvPr>
+            <p:ph type="sldNum" sz="quarter" idx="10"/>
+          </p:nvPr>
+        </p:nvSpPr>
+        <p:spPr/>
+        <p:txBody>
+          <a:bodyPr/>
+          <a:lstStyle/>
+          <a:p>
+            <a:fld id="{BBC1DE02-C006-4F38-873D-E62701AB1734}" type="slidenum">
+              <a:rPr lang="en-NZ" smtClean="0"/>
+              <a:t>2</a:t>
+            </a:fld>
+            <a:endParaRPr lang="en-NZ"/>
+          </a:p>
+        </p:txBody>
+      </p:sp>
+    </p:spTree>
+    <p:extLst>
+      <p:ext uri="{BB962C8B-B14F-4D97-AF65-F5344CB8AC3E}">
+        <p14:creationId xmlns:p14="http://schemas.microsoft.com/office/powerpoint/2010/main" val="4043841805"/>
+      </p:ext>
+    </p:extLst>
+  </p:cSld>
+  <p:clrMapOvr>
+    <a:masterClrMapping/>
+  </p:clrMapOvr>
+</p:notes>
+</file>
+
+<file path=ppt/notesSlides/notesSlide10.xml><?xml version="1.0" encoding="utf-8"?>
+<p:notes xmlns:a="http://schemas.openxmlformats.org/drawingml/2006/main" xmlns:r="http://schemas.openxmlformats.org/officeDocument/2006/relationships" xmlns:p="http://schemas.openxmlformats.org/presentationml/2006/main">
+  <p:cSld>
+    <p:spTree>
+      <p:nvGrpSpPr>
+        <p:cNvPr id="1" name=""/>
+        <p:cNvGrpSpPr/>
+        <p:nvPr/>
+      </p:nvGrpSpPr>
+      <p:grpSpPr>
+        <a:xfrm>
+          <a:off x="0" y="0"/>
+          <a:ext cx="0" cy="0"/>
+          <a:chOff x="0" y="0"/>
+          <a:chExt cx="0" cy="0"/>
+        </a:xfrm>
+      </p:grpSpPr>
+      <p:sp>
+        <p:nvSpPr>
+          <p:cNvPr id="2" name="Slide Image Placeholder 1"/>
+          <p:cNvSpPr>
+            <a:spLocks noGrp="1" noRot="1" noChangeAspect="1"/>
+          </p:cNvSpPr>
+          <p:nvPr>
+            <p:ph type="sldImg"/>
+          </p:nvPr>
+        </p:nvSpPr>
+        <p:spPr/>
+      </p:sp>
+      <p:sp>
+        <p:nvSpPr>
+          <p:cNvPr id="3" name="Notes Placeholder 2"/>
+          <p:cNvSpPr>
+            <a:spLocks noGrp="1"/>
+          </p:cNvSpPr>
+          <p:nvPr>
+            <p:ph type="body" idx="1"/>
+          </p:nvPr>
+        </p:nvSpPr>
+        <p:spPr/>
+        <p:txBody>
+          <a:bodyPr/>
+          <a:lstStyle/>
+          <a:p>
+            <a:pPr marL="171450" indent="-171450">
+              <a:buFont typeface="Arial" panose="020B0604020202020204" pitchFamily="34" charset="0"/>
+              <a:buChar char="•"/>
+            </a:pPr>
+            <a:endParaRPr lang="en-NZ" sz="1200" kern="1200" dirty="0" smtClean="0">
+              <a:solidFill>
+                <a:schemeClr val="tx1"/>
+              </a:solidFill>
+              <a:effectLst/>
+              <a:latin typeface="+mn-lt"/>
+              <a:ea typeface="+mn-ea"/>
+              <a:cs typeface="+mn-cs"/>
+            </a:endParaRPr>
+          </a:p>
+        </p:txBody>
+      </p:sp>
+      <p:sp>
+        <p:nvSpPr>
+          <p:cNvPr id="4" name="Slide Number Placeholder 3"/>
+          <p:cNvSpPr>
+            <a:spLocks noGrp="1"/>
+          </p:cNvSpPr>
+          <p:nvPr>
+            <p:ph type="sldNum" sz="quarter" idx="10"/>
+          </p:nvPr>
+        </p:nvSpPr>
+        <p:spPr/>
+        <p:txBody>
+          <a:bodyPr/>
+          <a:lstStyle/>
+          <a:p>
+            <a:fld id="{BBC1DE02-C006-4F38-873D-E62701AB1734}" type="slidenum">
+              <a:rPr lang="en-NZ" smtClean="0"/>
+              <a:t>11</a:t>
+            </a:fld>
+            <a:endParaRPr lang="en-NZ"/>
+          </a:p>
+        </p:txBody>
+      </p:sp>
+    </p:spTree>
+    <p:extLst>
+      <p:ext uri="{BB962C8B-B14F-4D97-AF65-F5344CB8AC3E}">
+        <p14:creationId xmlns:p14="http://schemas.microsoft.com/office/powerpoint/2010/main" val="623697703"/>
+      </p:ext>
+    </p:extLst>
+  </p:cSld>
+  <p:clrMapOvr>
+    <a:masterClrMapping/>
+  </p:clrMapOvr>
+</p:notes>
+</file>
+
+<file path=ppt/notesSlides/notesSlide2.xml><?xml version="1.0" encoding="utf-8"?>
+<p:notes xmlns:a="http://schemas.openxmlformats.org/drawingml/2006/main" xmlns:r="http://schemas.openxmlformats.org/officeDocument/2006/relationships" xmlns:p="http://schemas.openxmlformats.org/presentationml/2006/main">
+  <p:cSld>
+    <p:spTree>
+      <p:nvGrpSpPr>
+        <p:cNvPr id="1" name=""/>
+        <p:cNvGrpSpPr/>
+        <p:nvPr/>
+      </p:nvGrpSpPr>
+      <p:grpSpPr>
+        <a:xfrm>
+          <a:off x="0" y="0"/>
+          <a:ext cx="0" cy="0"/>
+          <a:chOff x="0" y="0"/>
+          <a:chExt cx="0" cy="0"/>
+        </a:xfrm>
+      </p:grpSpPr>
+      <p:sp>
+        <p:nvSpPr>
+          <p:cNvPr id="2" name="Slide Image Placeholder 1"/>
+          <p:cNvSpPr>
+            <a:spLocks noGrp="1" noRot="1" noChangeAspect="1"/>
+          </p:cNvSpPr>
+          <p:nvPr>
+            <p:ph type="sldImg"/>
+          </p:nvPr>
+        </p:nvSpPr>
+        <p:spPr/>
+      </p:sp>
+      <p:sp>
+        <p:nvSpPr>
+          <p:cNvPr id="3" name="Notes Placeholder 2"/>
+          <p:cNvSpPr>
+            <a:spLocks noGrp="1"/>
+          </p:cNvSpPr>
+          <p:nvPr>
+            <p:ph type="body" idx="1"/>
+          </p:nvPr>
+        </p:nvSpPr>
+        <p:spPr/>
+        <p:txBody>
+          <a:bodyPr/>
+          <a:lstStyle/>
+          <a:p>
+            <a:pPr marL="171450" indent="-171450">
+              <a:buFont typeface="Arial" charset="0"/>
+              <a:buChar char="•"/>
+            </a:pPr>
+            <a:r>
+              <a:rPr lang="en-NZ" sz="1200" kern="1200" dirty="0" smtClean="0">
+                <a:solidFill>
+                  <a:schemeClr val="tx1"/>
+                </a:solidFill>
+                <a:effectLst/>
+                <a:latin typeface="+mn-lt"/>
+                <a:ea typeface="+mn-ea"/>
+                <a:cs typeface="+mn-cs"/>
+              </a:rPr>
+              <a:t>See the chicken? She is the player character</a:t>
+            </a:r>
+          </a:p>
+          <a:p>
+            <a:pPr marL="171450" indent="-171450">
+              <a:buFont typeface="Arial" charset="0"/>
+              <a:buChar char="•"/>
+            </a:pPr>
+            <a:endParaRPr lang="en-NZ" sz="1200" kern="1200" dirty="0" smtClean="0">
+              <a:solidFill>
+                <a:schemeClr val="tx1"/>
+              </a:solidFill>
+              <a:effectLst/>
+              <a:latin typeface="+mn-lt"/>
+              <a:ea typeface="+mn-ea"/>
+              <a:cs typeface="+mn-cs"/>
+            </a:endParaRPr>
+          </a:p>
+          <a:p>
+            <a:pPr marL="171450" indent="-171450">
+              <a:buFont typeface="Arial" charset="0"/>
+              <a:buChar char="•"/>
+            </a:pPr>
+            <a:r>
+              <a:rPr lang="en-NZ" sz="1200" kern="1200" dirty="0" smtClean="0">
+                <a:solidFill>
+                  <a:schemeClr val="tx1"/>
+                </a:solidFill>
+                <a:effectLst/>
+                <a:latin typeface="+mn-lt"/>
+                <a:ea typeface="+mn-ea"/>
+                <a:cs typeface="+mn-cs"/>
+              </a:rPr>
+              <a:t>In this game she is in a maze – the grass tiles are the ground and the flower pots and other objects are barriers. That is, she can’t walk through them</a:t>
+            </a:r>
+          </a:p>
+          <a:p>
+            <a:pPr marL="171450" indent="-171450">
+              <a:buFont typeface="Arial" charset="0"/>
+              <a:buChar char="•"/>
+            </a:pPr>
+            <a:endParaRPr lang="en-NZ" sz="1200" kern="1200" dirty="0" smtClean="0">
+              <a:solidFill>
+                <a:schemeClr val="tx1"/>
+              </a:solidFill>
+              <a:effectLst/>
+              <a:latin typeface="+mn-lt"/>
+              <a:ea typeface="+mn-ea"/>
+              <a:cs typeface="+mn-cs"/>
+            </a:endParaRPr>
+          </a:p>
+          <a:p>
+            <a:pPr marL="171450" indent="-171450">
+              <a:buFont typeface="Arial" charset="0"/>
+              <a:buChar char="•"/>
+            </a:pPr>
+            <a:r>
+              <a:rPr lang="en-NZ" sz="1200" kern="1200" dirty="0" smtClean="0">
+                <a:solidFill>
+                  <a:schemeClr val="tx1"/>
+                </a:solidFill>
+                <a:effectLst/>
+                <a:latin typeface="+mn-lt"/>
+                <a:ea typeface="+mn-ea"/>
+                <a:cs typeface="+mn-cs"/>
+              </a:rPr>
+              <a:t>If you walk the chicken up to a barrier, she stops, even if you keep pressing the arrow key</a:t>
+            </a:r>
+          </a:p>
+          <a:p>
+            <a:pPr marL="171450" indent="-171450">
+              <a:buFont typeface="Arial" charset="0"/>
+              <a:buChar char="•"/>
+            </a:pPr>
+            <a:endParaRPr lang="en-NZ" sz="1200" kern="1200" dirty="0" smtClean="0">
+              <a:solidFill>
+                <a:schemeClr val="tx1"/>
+              </a:solidFill>
+              <a:effectLst/>
+              <a:latin typeface="+mn-lt"/>
+              <a:ea typeface="+mn-ea"/>
+              <a:cs typeface="+mn-cs"/>
+            </a:endParaRPr>
+          </a:p>
+          <a:p>
+            <a:pPr marL="171450" indent="-171450">
+              <a:buFont typeface="Arial" charset="0"/>
+              <a:buChar char="•"/>
+            </a:pPr>
+            <a:r>
+              <a:rPr lang="en-NZ" sz="1200" kern="1200" dirty="0" smtClean="0">
+                <a:solidFill>
+                  <a:schemeClr val="tx1"/>
+                </a:solidFill>
+                <a:effectLst/>
+                <a:latin typeface="+mn-lt"/>
+                <a:ea typeface="+mn-ea"/>
+                <a:cs typeface="+mn-cs"/>
+              </a:rPr>
+              <a:t>To implement this, we use (or add and use) the Tile class’s “isWalkable” property</a:t>
+            </a:r>
+          </a:p>
+          <a:p>
+            <a:pPr marL="171450" indent="-171450">
+              <a:buFont typeface="Arial" charset="0"/>
+              <a:buChar char="•"/>
+            </a:pPr>
+            <a:endParaRPr lang="en-NZ" sz="1200" kern="1200" dirty="0" smtClean="0">
+              <a:solidFill>
+                <a:schemeClr val="tx1"/>
+              </a:solidFill>
+              <a:effectLst/>
+              <a:latin typeface="+mn-lt"/>
+              <a:ea typeface="+mn-ea"/>
+              <a:cs typeface="+mn-cs"/>
+            </a:endParaRPr>
+          </a:p>
+          <a:p>
+            <a:pPr marL="171450" indent="-171450">
+              <a:buFont typeface="Arial" charset="0"/>
+              <a:buChar char="•"/>
+            </a:pPr>
+            <a:r>
+              <a:rPr lang="en-NZ" sz="1200" kern="1200" dirty="0" smtClean="0">
+                <a:solidFill>
+                  <a:schemeClr val="tx1"/>
+                </a:solidFill>
+                <a:effectLst/>
+                <a:latin typeface="+mn-lt"/>
+                <a:ea typeface="+mn-ea"/>
+                <a:cs typeface="+mn-cs"/>
+              </a:rPr>
+              <a:t>Grass tiles have isWalkable = true; all others have isWalkable = false</a:t>
+            </a:r>
+          </a:p>
+          <a:p>
+            <a:pPr marL="171450" indent="-171450">
+              <a:buFont typeface="Arial" charset="0"/>
+              <a:buChar char="•"/>
+            </a:pPr>
+            <a:endParaRPr lang="en-NZ" sz="1200" kern="1200" dirty="0" smtClean="0">
+              <a:solidFill>
+                <a:schemeClr val="tx1"/>
+              </a:solidFill>
+              <a:effectLst/>
+              <a:latin typeface="+mn-lt"/>
+              <a:ea typeface="+mn-ea"/>
+              <a:cs typeface="+mn-cs"/>
+            </a:endParaRPr>
+          </a:p>
+          <a:p>
+            <a:pPr marL="171450" indent="-171450">
+              <a:buFont typeface="Arial" charset="0"/>
+              <a:buChar char="•"/>
+            </a:pPr>
+            <a:endParaRPr lang="en-NZ" sz="1200" kern="1200" dirty="0" smtClean="0">
+              <a:solidFill>
+                <a:schemeClr val="tx1"/>
+              </a:solidFill>
+              <a:effectLst/>
+              <a:latin typeface="+mn-lt"/>
+              <a:ea typeface="+mn-ea"/>
+              <a:cs typeface="+mn-cs"/>
+            </a:endParaRPr>
+          </a:p>
+        </p:txBody>
+      </p:sp>
+      <p:sp>
+        <p:nvSpPr>
+          <p:cNvPr id="4" name="Slide Number Placeholder 3"/>
+          <p:cNvSpPr>
+            <a:spLocks noGrp="1"/>
+          </p:cNvSpPr>
+          <p:nvPr>
+            <p:ph type="sldNum" sz="quarter" idx="10"/>
+          </p:nvPr>
+        </p:nvSpPr>
+        <p:spPr/>
+        <p:txBody>
+          <a:bodyPr/>
+          <a:lstStyle/>
+          <a:p>
+            <a:fld id="{BBC1DE02-C006-4F38-873D-E62701AB1734}" type="slidenum">
+              <a:rPr lang="en-NZ" smtClean="0"/>
+              <a:t>3</a:t>
+            </a:fld>
+            <a:endParaRPr lang="en-NZ"/>
+          </a:p>
+        </p:txBody>
+      </p:sp>
+    </p:spTree>
+    <p:extLst>
+      <p:ext uri="{BB962C8B-B14F-4D97-AF65-F5344CB8AC3E}">
+        <p14:creationId xmlns:p14="http://schemas.microsoft.com/office/powerpoint/2010/main" val="3740375735"/>
+      </p:ext>
+    </p:extLst>
+  </p:cSld>
+  <p:clrMapOvr>
+    <a:masterClrMapping/>
+  </p:clrMapOvr>
+</p:notes>
+</file>
+
+<file path=ppt/notesSlides/notesSlide3.xml><?xml version="1.0" encoding="utf-8"?>
+<p:notes xmlns:a="http://schemas.openxmlformats.org/drawingml/2006/main" xmlns:r="http://schemas.openxmlformats.org/officeDocument/2006/relationships" xmlns:p="http://schemas.openxmlformats.org/presentationml/2006/main">
+  <p:cSld>
+    <p:spTree>
+      <p:nvGrpSpPr>
+        <p:cNvPr id="1" name=""/>
+        <p:cNvGrpSpPr/>
+        <p:nvPr/>
+      </p:nvGrpSpPr>
+      <p:grpSpPr>
+        <a:xfrm>
+          <a:off x="0" y="0"/>
+          <a:ext cx="0" cy="0"/>
+          <a:chOff x="0" y="0"/>
+          <a:chExt cx="0" cy="0"/>
+        </a:xfrm>
+      </p:grpSpPr>
+      <p:sp>
+        <p:nvSpPr>
+          <p:cNvPr id="2" name="Slide Image Placeholder 1"/>
+          <p:cNvSpPr>
+            <a:spLocks noGrp="1" noRot="1" noChangeAspect="1"/>
+          </p:cNvSpPr>
+          <p:nvPr>
+            <p:ph type="sldImg"/>
+          </p:nvPr>
+        </p:nvSpPr>
+        <p:spPr/>
+      </p:sp>
+      <p:sp>
+        <p:nvSpPr>
+          <p:cNvPr id="3" name="Notes Placeholder 2"/>
+          <p:cNvSpPr>
+            <a:spLocks noGrp="1"/>
+          </p:cNvSpPr>
+          <p:nvPr>
+            <p:ph type="body" idx="1"/>
+          </p:nvPr>
+        </p:nvSpPr>
+        <p:spPr/>
+        <p:txBody>
+          <a:bodyPr/>
+          <a:lstStyle/>
+          <a:p>
+            <a:pPr marL="171450" indent="-171450">
+              <a:buFont typeface="Arial" charset="0"/>
+              <a:buChar char="•"/>
+            </a:pPr>
+            <a:r>
+              <a:rPr lang="en-NZ" sz="1200" kern="1200" dirty="0" smtClean="0">
+                <a:solidFill>
+                  <a:schemeClr val="tx1"/>
+                </a:solidFill>
+                <a:effectLst/>
+                <a:latin typeface="+mn-lt"/>
+                <a:ea typeface="+mn-ea"/>
+                <a:cs typeface="+mn-cs"/>
+              </a:rPr>
+              <a:t>So we use a priori collision detection</a:t>
+            </a:r>
+          </a:p>
+          <a:p>
+            <a:pPr marL="171450" indent="-171450">
+              <a:buFont typeface="Arial" charset="0"/>
+              <a:buChar char="•"/>
+            </a:pPr>
+            <a:endParaRPr lang="en-NZ" sz="1200" kern="1200" dirty="0" smtClean="0">
+              <a:solidFill>
+                <a:schemeClr val="tx1"/>
+              </a:solidFill>
+              <a:effectLst/>
+              <a:latin typeface="+mn-lt"/>
+              <a:ea typeface="+mn-ea"/>
+              <a:cs typeface="+mn-cs"/>
+            </a:endParaRPr>
+          </a:p>
+          <a:p>
+            <a:pPr marL="171450" indent="-171450">
+              <a:buFont typeface="Arial" charset="0"/>
+              <a:buChar char="•"/>
+            </a:pPr>
+            <a:r>
+              <a:rPr lang="en-NZ" sz="1200" kern="1200" dirty="0" smtClean="0">
+                <a:solidFill>
+                  <a:schemeClr val="tx1"/>
+                </a:solidFill>
+                <a:effectLst/>
+                <a:latin typeface="+mn-lt"/>
+                <a:ea typeface="+mn-ea"/>
+                <a:cs typeface="+mn-cs"/>
+              </a:rPr>
+              <a:t>There are two complexities here</a:t>
+            </a:r>
+          </a:p>
+        </p:txBody>
+      </p:sp>
+      <p:sp>
+        <p:nvSpPr>
+          <p:cNvPr id="4" name="Slide Number Placeholder 3"/>
+          <p:cNvSpPr>
+            <a:spLocks noGrp="1"/>
+          </p:cNvSpPr>
+          <p:nvPr>
+            <p:ph type="sldNum" sz="quarter" idx="10"/>
+          </p:nvPr>
+        </p:nvSpPr>
+        <p:spPr/>
+        <p:txBody>
+          <a:bodyPr/>
+          <a:lstStyle/>
+          <a:p>
+            <a:fld id="{BBC1DE02-C006-4F38-873D-E62701AB1734}" type="slidenum">
+              <a:rPr lang="en-NZ" smtClean="0"/>
+              <a:t>4</a:t>
+            </a:fld>
+            <a:endParaRPr lang="en-NZ"/>
+          </a:p>
+        </p:txBody>
+      </p:sp>
+    </p:spTree>
+    <p:extLst>
+      <p:ext uri="{BB962C8B-B14F-4D97-AF65-F5344CB8AC3E}">
+        <p14:creationId xmlns:p14="http://schemas.microsoft.com/office/powerpoint/2010/main" val="1470214395"/>
+      </p:ext>
+    </p:extLst>
+  </p:cSld>
+  <p:clrMapOvr>
+    <a:masterClrMapping/>
+  </p:clrMapOvr>
+</p:notes>
+</file>
+
+<file path=ppt/notesSlides/notesSlide4.xml><?xml version="1.0" encoding="utf-8"?>
+<p:notes xmlns:a="http://schemas.openxmlformats.org/drawingml/2006/main" xmlns:r="http://schemas.openxmlformats.org/officeDocument/2006/relationships" xmlns:p="http://schemas.openxmlformats.org/presentationml/2006/main">
+  <p:cSld>
+    <p:spTree>
+      <p:nvGrpSpPr>
+        <p:cNvPr id="1" name=""/>
+        <p:cNvGrpSpPr/>
+        <p:nvPr/>
+      </p:nvGrpSpPr>
+      <p:grpSpPr>
+        <a:xfrm>
+          <a:off x="0" y="0"/>
+          <a:ext cx="0" cy="0"/>
+          <a:chOff x="0" y="0"/>
+          <a:chExt cx="0" cy="0"/>
+        </a:xfrm>
+      </p:grpSpPr>
+      <p:sp>
+        <p:nvSpPr>
+          <p:cNvPr id="2" name="Slide Image Placeholder 1"/>
+          <p:cNvSpPr>
+            <a:spLocks noGrp="1" noRot="1" noChangeAspect="1"/>
+          </p:cNvSpPr>
+          <p:nvPr>
+            <p:ph type="sldImg"/>
+          </p:nvPr>
+        </p:nvSpPr>
+        <p:spPr/>
+      </p:sp>
+      <p:sp>
+        <p:nvSpPr>
+          <p:cNvPr id="3" name="Notes Placeholder 2"/>
+          <p:cNvSpPr>
+            <a:spLocks noGrp="1"/>
+          </p:cNvSpPr>
+          <p:nvPr>
+            <p:ph type="body" idx="1"/>
+          </p:nvPr>
+        </p:nvSpPr>
+        <p:spPr/>
+        <p:txBody>
+          <a:bodyPr/>
+          <a:lstStyle/>
+          <a:p>
+            <a:pPr marL="0" indent="0">
+              <a:buFont typeface="Arial" charset="0"/>
+              <a:buNone/>
+            </a:pPr>
+            <a:endParaRPr lang="en-NZ" sz="1200" kern="1200" dirty="0" smtClean="0">
+              <a:solidFill>
+                <a:schemeClr val="tx1"/>
+              </a:solidFill>
+              <a:effectLst/>
+              <a:latin typeface="+mn-lt"/>
+              <a:ea typeface="+mn-ea"/>
+              <a:cs typeface="+mn-cs"/>
+            </a:endParaRPr>
+          </a:p>
+        </p:txBody>
+      </p:sp>
+      <p:sp>
+        <p:nvSpPr>
+          <p:cNvPr id="4" name="Slide Number Placeholder 3"/>
+          <p:cNvSpPr>
+            <a:spLocks noGrp="1"/>
+          </p:cNvSpPr>
+          <p:nvPr>
+            <p:ph type="sldNum" sz="quarter" idx="10"/>
+          </p:nvPr>
+        </p:nvSpPr>
+        <p:spPr/>
+        <p:txBody>
+          <a:bodyPr/>
+          <a:lstStyle/>
+          <a:p>
+            <a:fld id="{BBC1DE02-C006-4F38-873D-E62701AB1734}" type="slidenum">
+              <a:rPr lang="en-NZ" smtClean="0"/>
+              <a:t>5</a:t>
+            </a:fld>
+            <a:endParaRPr lang="en-NZ"/>
+          </a:p>
+        </p:txBody>
+      </p:sp>
+    </p:spTree>
+    <p:extLst>
+      <p:ext uri="{BB962C8B-B14F-4D97-AF65-F5344CB8AC3E}">
+        <p14:creationId xmlns:p14="http://schemas.microsoft.com/office/powerpoint/2010/main" val="66201872"/>
+      </p:ext>
+    </p:extLst>
+  </p:cSld>
+  <p:clrMapOvr>
+    <a:masterClrMapping/>
+  </p:clrMapOvr>
+</p:notes>
+</file>
+
+<file path=ppt/notesSlides/notesSlide5.xml><?xml version="1.0" encoding="utf-8"?>
+<p:notes xmlns:a="http://schemas.openxmlformats.org/drawingml/2006/main" xmlns:r="http://schemas.openxmlformats.org/officeDocument/2006/relationships" xmlns:p="http://schemas.openxmlformats.org/presentationml/2006/main">
+  <p:cSld>
+    <p:spTree>
+      <p:nvGrpSpPr>
+        <p:cNvPr id="1" name=""/>
+        <p:cNvGrpSpPr/>
+        <p:nvPr/>
+      </p:nvGrpSpPr>
+      <p:grpSpPr>
+        <a:xfrm>
+          <a:off x="0" y="0"/>
+          <a:ext cx="0" cy="0"/>
+          <a:chOff x="0" y="0"/>
+          <a:chExt cx="0" cy="0"/>
+        </a:xfrm>
+      </p:grpSpPr>
+      <p:sp>
+        <p:nvSpPr>
+          <p:cNvPr id="2" name="Slide Image Placeholder 1"/>
+          <p:cNvSpPr>
+            <a:spLocks noGrp="1" noRot="1" noChangeAspect="1"/>
+          </p:cNvSpPr>
+          <p:nvPr>
+            <p:ph type="sldImg"/>
+          </p:nvPr>
+        </p:nvSpPr>
+        <p:spPr/>
+      </p:sp>
+      <p:sp>
+        <p:nvSpPr>
+          <p:cNvPr id="3" name="Notes Placeholder 2"/>
+          <p:cNvSpPr>
+            <a:spLocks noGrp="1"/>
+          </p:cNvSpPr>
+          <p:nvPr>
+            <p:ph type="body" idx="1"/>
+          </p:nvPr>
+        </p:nvSpPr>
+        <p:spPr/>
+        <p:txBody>
+          <a:bodyPr/>
+          <a:lstStyle/>
+          <a:p>
+            <a:pPr marL="171450" indent="-171450">
+              <a:buFont typeface="Arial" panose="020B0604020202020204" pitchFamily="34" charset="0"/>
+              <a:buChar char="•"/>
+            </a:pPr>
+            <a:r>
+              <a:rPr lang="en-NZ" sz="1200" kern="1200" dirty="0" smtClean="0">
+                <a:solidFill>
+                  <a:schemeClr val="tx1"/>
+                </a:solidFill>
+                <a:effectLst/>
+                <a:latin typeface="+mn-lt"/>
+                <a:ea typeface="+mn-ea"/>
+                <a:cs typeface="+mn-cs"/>
+              </a:rPr>
+              <a:t>As always, we can start with this, but it’s not very accurate</a:t>
+            </a:r>
+          </a:p>
+          <a:p>
+            <a:pPr marL="171450" indent="-171450">
+              <a:buFont typeface="Arial" panose="020B0604020202020204" pitchFamily="34" charset="0"/>
+              <a:buChar char="•"/>
+            </a:pPr>
+            <a:endParaRPr lang="en-NZ" sz="1200" kern="1200" dirty="0" smtClean="0">
+              <a:solidFill>
+                <a:schemeClr val="tx1"/>
+              </a:solidFill>
+              <a:effectLst/>
+              <a:latin typeface="+mn-lt"/>
+              <a:ea typeface="+mn-ea"/>
+              <a:cs typeface="+mn-cs"/>
+            </a:endParaRPr>
+          </a:p>
+          <a:p>
+            <a:pPr marL="171450" indent="-171450">
+              <a:buFont typeface="Arial" panose="020B0604020202020204" pitchFamily="34" charset="0"/>
+              <a:buChar char="•"/>
+            </a:pPr>
+            <a:r>
+              <a:rPr lang="en-NZ" sz="1200" kern="1200" dirty="0" smtClean="0">
+                <a:solidFill>
+                  <a:schemeClr val="tx1"/>
+                </a:solidFill>
+                <a:effectLst/>
+                <a:latin typeface="+mn-lt"/>
+                <a:ea typeface="+mn-ea"/>
+                <a:cs typeface="+mn-cs"/>
+              </a:rPr>
+              <a:t>Look at the illustration…</a:t>
+            </a:r>
+          </a:p>
+          <a:p>
+            <a:pPr marL="171450" indent="-171450">
+              <a:buFont typeface="Arial" panose="020B0604020202020204" pitchFamily="34" charset="0"/>
+              <a:buChar char="•"/>
+            </a:pPr>
+            <a:endParaRPr lang="en-NZ" sz="1200" kern="1200" dirty="0" smtClean="0">
+              <a:solidFill>
+                <a:schemeClr val="tx1"/>
+              </a:solidFill>
+              <a:effectLst/>
+              <a:latin typeface="+mn-lt"/>
+              <a:ea typeface="+mn-ea"/>
+              <a:cs typeface="+mn-cs"/>
+            </a:endParaRPr>
+          </a:p>
+          <a:p>
+            <a:pPr marL="171450" indent="-171450">
+              <a:buFont typeface="Arial" panose="020B0604020202020204" pitchFamily="34" charset="0"/>
+              <a:buChar char="•"/>
+            </a:pPr>
+            <a:r>
+              <a:rPr lang="en-NZ" sz="1200" kern="1200" dirty="0" smtClean="0">
+                <a:solidFill>
+                  <a:schemeClr val="tx1"/>
+                </a:solidFill>
+                <a:effectLst/>
+                <a:latin typeface="+mn-lt"/>
+                <a:ea typeface="+mn-ea"/>
+                <a:cs typeface="+mn-cs"/>
+              </a:rPr>
+              <a:t>The obvious collision point is at the chicken’s feet (or in slightly if you’re proportionally reducing the bounding rectangle)</a:t>
+            </a:r>
+          </a:p>
+          <a:p>
+            <a:pPr marL="171450" indent="-171450">
+              <a:buFont typeface="Arial" panose="020B0604020202020204" pitchFamily="34" charset="0"/>
+              <a:buChar char="•"/>
+            </a:pPr>
+            <a:endParaRPr lang="en-NZ" sz="1200" kern="1200" dirty="0" smtClean="0">
+              <a:solidFill>
+                <a:schemeClr val="tx1"/>
+              </a:solidFill>
+              <a:effectLst/>
+              <a:latin typeface="+mn-lt"/>
+              <a:ea typeface="+mn-ea"/>
+              <a:cs typeface="+mn-cs"/>
+            </a:endParaRPr>
+          </a:p>
+          <a:p>
+            <a:pPr marL="171450" indent="-171450">
+              <a:buFont typeface="Arial" panose="020B0604020202020204" pitchFamily="34" charset="0"/>
+              <a:buChar char="•"/>
+            </a:pPr>
+            <a:r>
+              <a:rPr lang="en-NZ" sz="1200" kern="1200" dirty="0" smtClean="0">
+                <a:solidFill>
+                  <a:schemeClr val="tx1"/>
+                </a:solidFill>
+                <a:effectLst/>
+                <a:latin typeface="+mn-lt"/>
+                <a:ea typeface="+mn-ea"/>
+                <a:cs typeface="+mn-cs"/>
+              </a:rPr>
+              <a:t>You want the chicken to stop when its lower right corner hits the flower tile</a:t>
+            </a:r>
+          </a:p>
+          <a:p>
+            <a:pPr marL="171450" indent="-171450">
+              <a:buFont typeface="Arial" panose="020B0604020202020204" pitchFamily="34" charset="0"/>
+              <a:buChar char="•"/>
+            </a:pPr>
+            <a:endParaRPr lang="en-NZ" sz="1200" kern="1200" dirty="0" smtClean="0">
+              <a:solidFill>
+                <a:schemeClr val="tx1"/>
+              </a:solidFill>
+              <a:effectLst/>
+              <a:latin typeface="+mn-lt"/>
+              <a:ea typeface="+mn-ea"/>
+              <a:cs typeface="+mn-cs"/>
+            </a:endParaRPr>
+          </a:p>
+          <a:p>
+            <a:pPr marL="171450" indent="-171450">
+              <a:buFont typeface="Arial" panose="020B0604020202020204" pitchFamily="34" charset="0"/>
+              <a:buChar char="•"/>
+            </a:pPr>
+            <a:r>
+              <a:rPr lang="en-NZ" sz="1200" kern="1200" dirty="0" smtClean="0">
+                <a:solidFill>
+                  <a:schemeClr val="tx1"/>
+                </a:solidFill>
+                <a:effectLst/>
+                <a:latin typeface="+mn-lt"/>
+                <a:ea typeface="+mn-ea"/>
+                <a:cs typeface="+mn-cs"/>
+              </a:rPr>
+              <a:t>But xPos yPos is the upper left corner. If you compute xPos/</a:t>
+            </a:r>
+            <a:r>
+              <a:rPr lang="en-NZ" sz="1200" kern="1200" dirty="0" err="1" smtClean="0">
+                <a:solidFill>
+                  <a:schemeClr val="tx1"/>
+                </a:solidFill>
+                <a:effectLst/>
+                <a:latin typeface="+mn-lt"/>
+                <a:ea typeface="+mn-ea"/>
+                <a:cs typeface="+mn-cs"/>
+              </a:rPr>
+              <a:t>Tile_SIDE</a:t>
+            </a:r>
+            <a:r>
+              <a:rPr lang="en-NZ" sz="1200" kern="1200" dirty="0" smtClean="0">
+                <a:solidFill>
+                  <a:schemeClr val="tx1"/>
+                </a:solidFill>
+                <a:effectLst/>
+                <a:latin typeface="+mn-lt"/>
+                <a:ea typeface="+mn-ea"/>
+                <a:cs typeface="+mn-cs"/>
+              </a:rPr>
+              <a:t>, you get the tile that the upper left corner is in, not the tile the lower right corner is in</a:t>
+            </a:r>
+          </a:p>
+          <a:p>
+            <a:pPr marL="171450" indent="-171450">
+              <a:buFont typeface="Arial" panose="020B0604020202020204" pitchFamily="34" charset="0"/>
+              <a:buChar char="•"/>
+            </a:pPr>
+            <a:endParaRPr lang="en-NZ" sz="1200" kern="1200" dirty="0" smtClean="0">
+              <a:solidFill>
+                <a:schemeClr val="tx1"/>
+              </a:solidFill>
+              <a:effectLst/>
+              <a:latin typeface="+mn-lt"/>
+              <a:ea typeface="+mn-ea"/>
+              <a:cs typeface="+mn-cs"/>
+            </a:endParaRPr>
+          </a:p>
+          <a:p>
+            <a:pPr marL="171450" indent="-171450">
+              <a:buFont typeface="Arial" panose="020B0604020202020204" pitchFamily="34" charset="0"/>
+              <a:buChar char="•"/>
+            </a:pPr>
+            <a:r>
+              <a:rPr lang="en-NZ" sz="1200" kern="1200" dirty="0" smtClean="0">
+                <a:solidFill>
+                  <a:schemeClr val="tx1"/>
+                </a:solidFill>
+                <a:effectLst/>
+                <a:latin typeface="+mn-lt"/>
+                <a:ea typeface="+mn-ea"/>
+                <a:cs typeface="+mn-cs"/>
+              </a:rPr>
+              <a:t>So what should you do?  =&gt; compute the pixel coordinate of the collision point by adding </a:t>
+            </a:r>
+            <a:r>
+              <a:rPr lang="en-NZ" sz="1200" kern="1200" dirty="0" err="1" smtClean="0">
+                <a:solidFill>
+                  <a:schemeClr val="tx1"/>
+                </a:solidFill>
+                <a:effectLst/>
+                <a:latin typeface="+mn-lt"/>
+                <a:ea typeface="+mn-ea"/>
+                <a:cs typeface="+mn-cs"/>
+              </a:rPr>
+              <a:t>framewidth</a:t>
+            </a:r>
+            <a:r>
+              <a:rPr lang="en-NZ" sz="1200" kern="1200" dirty="0" smtClean="0">
+                <a:solidFill>
+                  <a:schemeClr val="tx1"/>
+                </a:solidFill>
+                <a:effectLst/>
+                <a:latin typeface="+mn-lt"/>
+                <a:ea typeface="+mn-ea"/>
+                <a:cs typeface="+mn-cs"/>
+              </a:rPr>
+              <a:t> and frameHeight to xPos and yPos as required</a:t>
+            </a:r>
+          </a:p>
+          <a:p>
+            <a:pPr marL="171450" indent="-171450">
+              <a:buFont typeface="Arial" panose="020B0604020202020204" pitchFamily="34" charset="0"/>
+              <a:buChar char="•"/>
+            </a:pPr>
+            <a:endParaRPr lang="en-NZ" sz="1200" kern="1200" dirty="0" smtClean="0">
+              <a:solidFill>
+                <a:schemeClr val="tx1"/>
+              </a:solidFill>
+              <a:effectLst/>
+              <a:latin typeface="+mn-lt"/>
+              <a:ea typeface="+mn-ea"/>
+              <a:cs typeface="+mn-cs"/>
+            </a:endParaRPr>
+          </a:p>
+          <a:p>
+            <a:pPr marL="171450" indent="-171450">
+              <a:buFont typeface="Arial" panose="020B0604020202020204" pitchFamily="34" charset="0"/>
+              <a:buChar char="•"/>
+            </a:pPr>
+            <a:r>
+              <a:rPr lang="en-NZ" sz="1200" kern="1200" dirty="0" smtClean="0">
+                <a:solidFill>
+                  <a:schemeClr val="tx1"/>
+                </a:solidFill>
+                <a:effectLst/>
+                <a:latin typeface="+mn-lt"/>
+                <a:ea typeface="+mn-ea"/>
+                <a:cs typeface="+mn-cs"/>
+              </a:rPr>
+              <a:t>Use that point to compute the tile the player is about to move onto</a:t>
+            </a:r>
+          </a:p>
+          <a:p>
+            <a:pPr marL="171450" indent="-171450">
+              <a:buFont typeface="Arial" panose="020B0604020202020204" pitchFamily="34" charset="0"/>
+              <a:buChar char="•"/>
+            </a:pPr>
+            <a:endParaRPr lang="en-NZ" sz="1200" kern="1200" dirty="0" smtClean="0">
+              <a:solidFill>
+                <a:schemeClr val="tx1"/>
+              </a:solidFill>
+              <a:effectLst/>
+              <a:latin typeface="+mn-lt"/>
+              <a:ea typeface="+mn-ea"/>
+              <a:cs typeface="+mn-cs"/>
+            </a:endParaRPr>
+          </a:p>
+          <a:p>
+            <a:pPr marL="171450" indent="-171450">
+              <a:buFont typeface="Arial" panose="020B0604020202020204" pitchFamily="34" charset="0"/>
+              <a:buChar char="•"/>
+            </a:pPr>
+            <a:r>
+              <a:rPr lang="en-NZ" sz="1200" kern="1200" dirty="0" smtClean="0">
+                <a:solidFill>
+                  <a:schemeClr val="tx1"/>
+                </a:solidFill>
+                <a:effectLst/>
+                <a:latin typeface="+mn-lt"/>
+                <a:ea typeface="+mn-ea"/>
+                <a:cs typeface="+mn-cs"/>
+              </a:rPr>
+              <a:t>Note thought that the correct point to look at depends on what direction the sprite is moving...</a:t>
+            </a:r>
+          </a:p>
+          <a:p>
+            <a:pPr marL="0" indent="0">
+              <a:buFont typeface="Arial" charset="0"/>
+              <a:buNone/>
+            </a:pPr>
+            <a:endParaRPr lang="en-NZ" sz="1200" kern="1200" dirty="0" smtClean="0">
+              <a:solidFill>
+                <a:schemeClr val="tx1"/>
+              </a:solidFill>
+              <a:effectLst/>
+              <a:latin typeface="+mn-lt"/>
+              <a:ea typeface="+mn-ea"/>
+              <a:cs typeface="+mn-cs"/>
+            </a:endParaRPr>
+          </a:p>
+        </p:txBody>
+      </p:sp>
+      <p:sp>
+        <p:nvSpPr>
+          <p:cNvPr id="4" name="Slide Number Placeholder 3"/>
+          <p:cNvSpPr>
+            <a:spLocks noGrp="1"/>
+          </p:cNvSpPr>
+          <p:nvPr>
+            <p:ph type="sldNum" sz="quarter" idx="10"/>
+          </p:nvPr>
+        </p:nvSpPr>
+        <p:spPr/>
+        <p:txBody>
+          <a:bodyPr/>
+          <a:lstStyle/>
+          <a:p>
+            <a:fld id="{BBC1DE02-C006-4F38-873D-E62701AB1734}" type="slidenum">
+              <a:rPr lang="en-NZ" smtClean="0"/>
+              <a:t>6</a:t>
+            </a:fld>
+            <a:endParaRPr lang="en-NZ"/>
+          </a:p>
+        </p:txBody>
+      </p:sp>
+    </p:spTree>
+    <p:extLst>
+      <p:ext uri="{BB962C8B-B14F-4D97-AF65-F5344CB8AC3E}">
+        <p14:creationId xmlns:p14="http://schemas.microsoft.com/office/powerpoint/2010/main" val="969384709"/>
+      </p:ext>
+    </p:extLst>
+  </p:cSld>
+  <p:clrMapOvr>
+    <a:masterClrMapping/>
+  </p:clrMapOvr>
+</p:notes>
+</file>
+
+<file path=ppt/notesSlides/notesSlide6.xml><?xml version="1.0" encoding="utf-8"?>
+<p:notes xmlns:a="http://schemas.openxmlformats.org/drawingml/2006/main" xmlns:r="http://schemas.openxmlformats.org/officeDocument/2006/relationships" xmlns:p="http://schemas.openxmlformats.org/presentationml/2006/main">
+  <p:cSld>
+    <p:spTree>
+      <p:nvGrpSpPr>
+        <p:cNvPr id="1" name=""/>
+        <p:cNvGrpSpPr/>
+        <p:nvPr/>
+      </p:nvGrpSpPr>
+      <p:grpSpPr>
+        <a:xfrm>
+          <a:off x="0" y="0"/>
+          <a:ext cx="0" cy="0"/>
+          <a:chOff x="0" y="0"/>
+          <a:chExt cx="0" cy="0"/>
+        </a:xfrm>
+      </p:grpSpPr>
+      <p:sp>
+        <p:nvSpPr>
+          <p:cNvPr id="2" name="Slide Image Placeholder 1"/>
+          <p:cNvSpPr>
+            <a:spLocks noGrp="1" noRot="1" noChangeAspect="1"/>
+          </p:cNvSpPr>
+          <p:nvPr>
+            <p:ph type="sldImg"/>
+          </p:nvPr>
+        </p:nvSpPr>
+        <p:spPr/>
+      </p:sp>
+      <p:sp>
+        <p:nvSpPr>
+          <p:cNvPr id="3" name="Notes Placeholder 2"/>
+          <p:cNvSpPr>
+            <a:spLocks noGrp="1"/>
+          </p:cNvSpPr>
+          <p:nvPr>
+            <p:ph type="body" idx="1"/>
+          </p:nvPr>
+        </p:nvSpPr>
+        <p:spPr/>
+        <p:txBody>
+          <a:bodyPr/>
+          <a:lstStyle/>
+          <a:p>
+            <a:pPr marL="171450" indent="-171450">
+              <a:buFont typeface="Arial" panose="020B0604020202020204" pitchFamily="34" charset="0"/>
+              <a:buChar char="•"/>
+            </a:pPr>
+            <a:r>
+              <a:rPr lang="en-NZ" dirty="0" smtClean="0"/>
+              <a:t>You might need to modify this depending on your sprite’s image,</a:t>
+            </a:r>
+            <a:r>
+              <a:rPr lang="en-NZ" baseline="0" dirty="0" smtClean="0"/>
+              <a:t> if it has a clear leading part</a:t>
+            </a:r>
+          </a:p>
+          <a:p>
+            <a:pPr marL="171450" indent="-171450">
+              <a:buFont typeface="Arial" panose="020B0604020202020204" pitchFamily="34" charset="0"/>
+              <a:buChar char="•"/>
+            </a:pPr>
+            <a:endParaRPr lang="en-NZ" baseline="0" dirty="0" smtClean="0"/>
+          </a:p>
+          <a:p>
+            <a:pPr marL="171450" indent="-171450">
+              <a:buFont typeface="Arial" panose="020B0604020202020204" pitchFamily="34" charset="0"/>
+              <a:buChar char="•"/>
+            </a:pPr>
+            <a:r>
+              <a:rPr lang="en-NZ" baseline="0" dirty="0" smtClean="0"/>
+              <a:t>You might want to make it more accurate by looking not at the corner, but at the centre in cases like North and South where there is a nose</a:t>
+            </a:r>
+            <a:endParaRPr lang="en-NZ" dirty="0"/>
+          </a:p>
+        </p:txBody>
+      </p:sp>
+      <p:sp>
+        <p:nvSpPr>
+          <p:cNvPr id="4" name="Slide Number Placeholder 3"/>
+          <p:cNvSpPr>
+            <a:spLocks noGrp="1"/>
+          </p:cNvSpPr>
+          <p:nvPr>
+            <p:ph type="sldNum" sz="quarter" idx="10"/>
+          </p:nvPr>
+        </p:nvSpPr>
+        <p:spPr/>
+        <p:txBody>
+          <a:bodyPr/>
+          <a:lstStyle/>
+          <a:p>
+            <a:fld id="{BBC1DE02-C006-4F38-873D-E62701AB1734}" type="slidenum">
+              <a:rPr lang="en-NZ" smtClean="0"/>
+              <a:t>7</a:t>
+            </a:fld>
+            <a:endParaRPr lang="en-NZ"/>
+          </a:p>
+        </p:txBody>
+      </p:sp>
+    </p:spTree>
+    <p:extLst>
+      <p:ext uri="{BB962C8B-B14F-4D97-AF65-F5344CB8AC3E}">
+        <p14:creationId xmlns:p14="http://schemas.microsoft.com/office/powerpoint/2010/main" val="813444533"/>
+      </p:ext>
+    </p:extLst>
+  </p:cSld>
+  <p:clrMapOvr>
+    <a:masterClrMapping/>
+  </p:clrMapOvr>
+</p:notes>
+</file>
+
+<file path=ppt/notesSlides/notesSlide7.xml><?xml version="1.0" encoding="utf-8"?>
+<p:notes xmlns:a="http://schemas.openxmlformats.org/drawingml/2006/main" xmlns:r="http://schemas.openxmlformats.org/officeDocument/2006/relationships" xmlns:p="http://schemas.openxmlformats.org/presentationml/2006/main">
+  <p:cSld>
+    <p:spTree>
+      <p:nvGrpSpPr>
+        <p:cNvPr id="1" name=""/>
+        <p:cNvGrpSpPr/>
+        <p:nvPr/>
+      </p:nvGrpSpPr>
+      <p:grpSpPr>
+        <a:xfrm>
+          <a:off x="0" y="0"/>
+          <a:ext cx="0" cy="0"/>
+          <a:chOff x="0" y="0"/>
+          <a:chExt cx="0" cy="0"/>
+        </a:xfrm>
+      </p:grpSpPr>
+      <p:sp>
+        <p:nvSpPr>
+          <p:cNvPr id="2" name="Slide Image Placeholder 1"/>
+          <p:cNvSpPr>
+            <a:spLocks noGrp="1" noRot="1" noChangeAspect="1"/>
+          </p:cNvSpPr>
+          <p:nvPr>
+            <p:ph type="sldImg"/>
+          </p:nvPr>
+        </p:nvSpPr>
+        <p:spPr/>
+      </p:sp>
+      <p:sp>
+        <p:nvSpPr>
+          <p:cNvPr id="3" name="Notes Placeholder 2"/>
+          <p:cNvSpPr>
+            <a:spLocks noGrp="1"/>
+          </p:cNvSpPr>
+          <p:nvPr>
+            <p:ph type="body" idx="1"/>
+          </p:nvPr>
+        </p:nvSpPr>
+        <p:spPr/>
+        <p:txBody>
+          <a:bodyPr/>
+          <a:lstStyle/>
+          <a:p>
+            <a:pPr marL="171450" indent="-171450">
+              <a:buFont typeface="Arial" panose="020B0604020202020204" pitchFamily="34" charset="0"/>
+              <a:buChar char="•"/>
+            </a:pPr>
+            <a:r>
+              <a:rPr lang="en-NZ" sz="1200" kern="1200" dirty="0" smtClean="0">
+                <a:solidFill>
+                  <a:schemeClr val="tx1"/>
+                </a:solidFill>
+                <a:effectLst/>
+                <a:latin typeface="+mn-lt"/>
+                <a:ea typeface="+mn-ea"/>
+                <a:cs typeface="+mn-cs"/>
+              </a:rPr>
+              <a:t>Another OO data chain</a:t>
+            </a:r>
+          </a:p>
+          <a:p>
+            <a:pPr marL="171450" indent="-171450">
+              <a:buFont typeface="Arial" panose="020B0604020202020204" pitchFamily="34" charset="0"/>
+              <a:buChar char="•"/>
+            </a:pPr>
+            <a:endParaRPr lang="en-NZ" sz="1200" kern="1200" dirty="0" smtClean="0">
+              <a:solidFill>
+                <a:schemeClr val="tx1"/>
+              </a:solidFill>
+              <a:effectLst/>
+              <a:latin typeface="+mn-lt"/>
+              <a:ea typeface="+mn-ea"/>
+              <a:cs typeface="+mn-cs"/>
+            </a:endParaRPr>
+          </a:p>
+          <a:p>
+            <a:pPr marL="171450" indent="-171450">
+              <a:buFont typeface="Arial" panose="020B0604020202020204" pitchFamily="34" charset="0"/>
+              <a:buChar char="•"/>
+            </a:pPr>
+            <a:r>
+              <a:rPr lang="en-NZ" sz="1200" kern="1200" dirty="0" smtClean="0">
+                <a:solidFill>
+                  <a:schemeClr val="tx1"/>
+                </a:solidFill>
+                <a:effectLst/>
+                <a:latin typeface="+mn-lt"/>
+                <a:ea typeface="+mn-ea"/>
+                <a:cs typeface="+mn-cs"/>
+              </a:rPr>
+              <a:t>The sprite computes its tile column and row and calls a TileMap method, passing them in. That method should return true or false, depending on the isWalkable to the target Tile</a:t>
+            </a:r>
+          </a:p>
+          <a:p>
+            <a:pPr marL="171450" indent="-171450">
+              <a:buFont typeface="Arial" panose="020B0604020202020204" pitchFamily="34" charset="0"/>
+              <a:buChar char="•"/>
+            </a:pPr>
+            <a:endParaRPr lang="en-NZ" sz="1200" kern="1200" dirty="0" smtClean="0">
+              <a:solidFill>
+                <a:schemeClr val="tx1"/>
+              </a:solidFill>
+              <a:effectLst/>
+              <a:latin typeface="+mn-lt"/>
+              <a:ea typeface="+mn-ea"/>
+              <a:cs typeface="+mn-cs"/>
+            </a:endParaRPr>
+          </a:p>
+          <a:p>
+            <a:pPr marL="171450" indent="-171450">
+              <a:buFont typeface="Arial" panose="020B0604020202020204" pitchFamily="34" charset="0"/>
+              <a:buChar char="•"/>
+            </a:pPr>
+            <a:r>
+              <a:rPr lang="en-NZ" sz="1200" kern="1200" dirty="0" smtClean="0">
+                <a:solidFill>
+                  <a:schemeClr val="tx1"/>
+                </a:solidFill>
+                <a:effectLst/>
+                <a:latin typeface="+mn-lt"/>
+                <a:ea typeface="+mn-ea"/>
+                <a:cs typeface="+mn-cs"/>
+              </a:rPr>
+              <a:t>In that method, the tile map figures out what tile index is at that location in the map and calls a method of the TileList, passing the index in. that method should return the isWalkable, so the TileMap can return it to the Sprite</a:t>
+            </a:r>
+          </a:p>
+          <a:p>
+            <a:pPr marL="171450" indent="-171450">
+              <a:buFont typeface="Arial" panose="020B0604020202020204" pitchFamily="34" charset="0"/>
+              <a:buChar char="•"/>
+            </a:pPr>
+            <a:endParaRPr lang="en-NZ" sz="1200" kern="1200" dirty="0" smtClean="0">
+              <a:solidFill>
+                <a:schemeClr val="tx1"/>
+              </a:solidFill>
+              <a:effectLst/>
+              <a:latin typeface="+mn-lt"/>
+              <a:ea typeface="+mn-ea"/>
+              <a:cs typeface="+mn-cs"/>
+            </a:endParaRPr>
+          </a:p>
+          <a:p>
+            <a:pPr marL="171450" indent="-171450">
+              <a:buFont typeface="Arial" panose="020B0604020202020204" pitchFamily="34" charset="0"/>
+              <a:buChar char="•"/>
+            </a:pPr>
+            <a:r>
+              <a:rPr lang="en-NZ" sz="1200" kern="1200" dirty="0" smtClean="0">
+                <a:solidFill>
+                  <a:schemeClr val="tx1"/>
+                </a:solidFill>
+                <a:effectLst/>
+                <a:latin typeface="+mn-lt"/>
+                <a:ea typeface="+mn-ea"/>
+                <a:cs typeface="+mn-cs"/>
+              </a:rPr>
+              <a:t>In the TileList’s method, the tile list figures out which tile corresponds to the index and asks for its isWalkable value</a:t>
+            </a:r>
+          </a:p>
+          <a:p>
+            <a:pPr marL="171450" indent="-171450">
+              <a:buFont typeface="Arial" panose="020B0604020202020204" pitchFamily="34" charset="0"/>
+              <a:buChar char="•"/>
+            </a:pPr>
+            <a:endParaRPr lang="en-NZ" sz="1200" kern="1200" dirty="0" smtClean="0">
+              <a:solidFill>
+                <a:schemeClr val="tx1"/>
+              </a:solidFill>
+              <a:effectLst/>
+              <a:latin typeface="+mn-lt"/>
+              <a:ea typeface="+mn-ea"/>
+              <a:cs typeface="+mn-cs"/>
+            </a:endParaRPr>
+          </a:p>
+          <a:p>
+            <a:pPr marL="171450" indent="-171450">
+              <a:buFont typeface="Arial" panose="020B0604020202020204" pitchFamily="34" charset="0"/>
+              <a:buChar char="•"/>
+            </a:pPr>
+            <a:r>
+              <a:rPr lang="en-NZ" sz="1200" kern="1200" dirty="0" smtClean="0">
+                <a:solidFill>
+                  <a:schemeClr val="tx1"/>
+                </a:solidFill>
+                <a:effectLst/>
+                <a:latin typeface="+mn-lt"/>
+                <a:ea typeface="+mn-ea"/>
+                <a:cs typeface="+mn-cs"/>
+              </a:rPr>
+              <a:t>Each method must return the data it gets to the caller until the value works its way back up to the Sprite</a:t>
+            </a:r>
+          </a:p>
+          <a:p>
+            <a:pPr marL="171450" indent="-171450">
+              <a:buFont typeface="Arial" panose="020B0604020202020204" pitchFamily="34" charset="0"/>
+              <a:buChar char="•"/>
+            </a:pPr>
+            <a:endParaRPr lang="en-NZ" sz="1200" kern="1200" dirty="0" smtClean="0">
+              <a:solidFill>
+                <a:schemeClr val="tx1"/>
+              </a:solidFill>
+              <a:effectLst/>
+              <a:latin typeface="+mn-lt"/>
+              <a:ea typeface="+mn-ea"/>
+              <a:cs typeface="+mn-cs"/>
+            </a:endParaRPr>
+          </a:p>
+          <a:p>
+            <a:pPr marL="171450" indent="-171450">
+              <a:buFont typeface="Arial" panose="020B0604020202020204" pitchFamily="34" charset="0"/>
+              <a:buChar char="•"/>
+            </a:pPr>
+            <a:r>
+              <a:rPr lang="en-NZ" sz="1200" kern="1200" dirty="0" smtClean="0">
+                <a:solidFill>
+                  <a:schemeClr val="tx1"/>
+                </a:solidFill>
+                <a:effectLst/>
+                <a:latin typeface="+mn-lt"/>
+                <a:ea typeface="+mn-ea"/>
+                <a:cs typeface="+mn-cs"/>
+              </a:rPr>
+              <a:t>So you pass the Sprite’s data down the chain and the Tile’s data back up.</a:t>
+            </a:r>
+          </a:p>
+          <a:p>
+            <a:pPr marL="171450" indent="-171450">
+              <a:buFont typeface="Arial" panose="020B0604020202020204" pitchFamily="34" charset="0"/>
+              <a:buChar char="•"/>
+            </a:pPr>
+            <a:r>
+              <a:rPr lang="en-NZ" sz="1200" kern="1200" dirty="0" smtClean="0">
+                <a:solidFill>
+                  <a:schemeClr val="tx1"/>
+                </a:solidFill>
+                <a:effectLst/>
+                <a:latin typeface="+mn-lt"/>
+                <a:ea typeface="+mn-ea"/>
+                <a:cs typeface="+mn-cs"/>
+              </a:rPr>
+              <a:t>This is a very common OO pattern</a:t>
+            </a:r>
+          </a:p>
+          <a:p>
+            <a:pPr marL="171450" indent="-171450">
+              <a:buFont typeface="Arial" panose="020B0604020202020204" pitchFamily="34" charset="0"/>
+              <a:buChar char="•"/>
+            </a:pPr>
+            <a:endParaRPr lang="en-NZ" sz="1200" kern="1200" dirty="0" smtClean="0">
+              <a:solidFill>
+                <a:schemeClr val="tx1"/>
+              </a:solidFill>
+              <a:effectLst/>
+              <a:latin typeface="+mn-lt"/>
+              <a:ea typeface="+mn-ea"/>
+              <a:cs typeface="+mn-cs"/>
+            </a:endParaRPr>
+          </a:p>
+          <a:p>
+            <a:pPr marL="171450" indent="-171450">
+              <a:buFont typeface="Arial" panose="020B0604020202020204" pitchFamily="34" charset="0"/>
+              <a:buChar char="•"/>
+            </a:pPr>
+            <a:r>
+              <a:rPr lang="en-NZ" sz="1200" kern="1200" dirty="0" smtClean="0">
+                <a:solidFill>
+                  <a:schemeClr val="tx1"/>
+                </a:solidFill>
+                <a:effectLst/>
+                <a:latin typeface="+mn-lt"/>
+                <a:ea typeface="+mn-ea"/>
+                <a:cs typeface="+mn-cs"/>
+              </a:rPr>
+              <a:t>So you must give your sprite a pointer to its tile map on creation. If you change </a:t>
+            </a:r>
+            <a:r>
+              <a:rPr lang="en-NZ" sz="1200" kern="1200" dirty="0" err="1" smtClean="0">
+                <a:solidFill>
+                  <a:schemeClr val="tx1"/>
+                </a:solidFill>
+                <a:effectLst/>
+                <a:latin typeface="+mn-lt"/>
+                <a:ea typeface="+mn-ea"/>
+                <a:cs typeface="+mn-cs"/>
+              </a:rPr>
+              <a:t>TileMaps</a:t>
+            </a:r>
+            <a:r>
+              <a:rPr lang="en-NZ" sz="1200" kern="1200" dirty="0" smtClean="0">
+                <a:solidFill>
+                  <a:schemeClr val="tx1"/>
+                </a:solidFill>
+                <a:effectLst/>
+                <a:latin typeface="+mn-lt"/>
+                <a:ea typeface="+mn-ea"/>
+                <a:cs typeface="+mn-cs"/>
+              </a:rPr>
+              <a:t>, update this pointer</a:t>
+            </a:r>
+          </a:p>
+          <a:p>
+            <a:pPr marL="0" indent="0">
+              <a:buFont typeface="Arial" charset="0"/>
+              <a:buNone/>
+            </a:pPr>
+            <a:endParaRPr lang="en-NZ" sz="1200" kern="1200" dirty="0" smtClean="0">
+              <a:solidFill>
+                <a:schemeClr val="tx1"/>
+              </a:solidFill>
+              <a:effectLst/>
+              <a:latin typeface="+mn-lt"/>
+              <a:ea typeface="+mn-ea"/>
+              <a:cs typeface="+mn-cs"/>
+            </a:endParaRPr>
+          </a:p>
+        </p:txBody>
+      </p:sp>
+      <p:sp>
+        <p:nvSpPr>
+          <p:cNvPr id="4" name="Slide Number Placeholder 3"/>
+          <p:cNvSpPr>
+            <a:spLocks noGrp="1"/>
+          </p:cNvSpPr>
+          <p:nvPr>
+            <p:ph type="sldNum" sz="quarter" idx="10"/>
+          </p:nvPr>
+        </p:nvSpPr>
+        <p:spPr/>
+        <p:txBody>
+          <a:bodyPr/>
+          <a:lstStyle/>
+          <a:p>
+            <a:fld id="{BBC1DE02-C006-4F38-873D-E62701AB1734}" type="slidenum">
+              <a:rPr lang="en-NZ" smtClean="0"/>
+              <a:t>8</a:t>
+            </a:fld>
+            <a:endParaRPr lang="en-NZ"/>
+          </a:p>
+        </p:txBody>
+      </p:sp>
+    </p:spTree>
+    <p:extLst>
+      <p:ext uri="{BB962C8B-B14F-4D97-AF65-F5344CB8AC3E}">
+        <p14:creationId xmlns:p14="http://schemas.microsoft.com/office/powerpoint/2010/main" val="289260650"/>
+      </p:ext>
+    </p:extLst>
+  </p:cSld>
+  <p:clrMapOvr>
+    <a:masterClrMapping/>
+  </p:clrMapOvr>
+</p:notes>
+</file>
+
+<file path=ppt/notesSlides/notesSlide8.xml><?xml version="1.0" encoding="utf-8"?>
+<p:notes xmlns:a="http://schemas.openxmlformats.org/drawingml/2006/main" xmlns:r="http://schemas.openxmlformats.org/officeDocument/2006/relationships" xmlns:p="http://schemas.openxmlformats.org/presentationml/2006/main">
+  <p:cSld>
+    <p:spTree>
+      <p:nvGrpSpPr>
+        <p:cNvPr id="1" name=""/>
+        <p:cNvGrpSpPr/>
+        <p:nvPr/>
+      </p:nvGrpSpPr>
+      <p:grpSpPr>
+        <a:xfrm>
+          <a:off x="0" y="0"/>
+          <a:ext cx="0" cy="0"/>
+          <a:chOff x="0" y="0"/>
+          <a:chExt cx="0" cy="0"/>
+        </a:xfrm>
+      </p:grpSpPr>
+      <p:sp>
+        <p:nvSpPr>
+          <p:cNvPr id="2" name="Slide Image Placeholder 1"/>
+          <p:cNvSpPr>
+            <a:spLocks noGrp="1" noRot="1" noChangeAspect="1"/>
+          </p:cNvSpPr>
+          <p:nvPr>
+            <p:ph type="sldImg"/>
+          </p:nvPr>
+        </p:nvSpPr>
+        <p:spPr/>
+      </p:sp>
+      <p:sp>
+        <p:nvSpPr>
+          <p:cNvPr id="3" name="Notes Placeholder 2"/>
+          <p:cNvSpPr>
+            <a:spLocks noGrp="1"/>
+          </p:cNvSpPr>
+          <p:nvPr>
+            <p:ph type="body" idx="1"/>
+          </p:nvPr>
+        </p:nvSpPr>
+        <p:spPr/>
+        <p:txBody>
+          <a:bodyPr/>
+          <a:lstStyle/>
+          <a:p>
+            <a:pPr marL="171450" indent="-171450">
+              <a:buFont typeface="Arial" panose="020B0604020202020204" pitchFamily="34" charset="0"/>
+              <a:buChar char="•"/>
+            </a:pPr>
+            <a:r>
+              <a:rPr lang="en-NZ" sz="1200" kern="1200" dirty="0" smtClean="0">
+                <a:solidFill>
+                  <a:schemeClr val="tx1"/>
+                </a:solidFill>
+                <a:effectLst/>
+                <a:latin typeface="+mn-lt"/>
+                <a:ea typeface="+mn-ea"/>
+                <a:cs typeface="+mn-cs"/>
+              </a:rPr>
+              <a:t>Think about the logic of step 4. You must compute the new xPos and yPos and place them into local variables</a:t>
+            </a:r>
+          </a:p>
+          <a:p>
+            <a:pPr marL="171450" indent="-171450">
+              <a:buFont typeface="Arial" panose="020B0604020202020204" pitchFamily="34" charset="0"/>
+              <a:buChar char="•"/>
+            </a:pPr>
+            <a:endParaRPr lang="en-NZ" sz="1200" kern="1200" dirty="0" smtClean="0">
+              <a:solidFill>
+                <a:schemeClr val="tx1"/>
+              </a:solidFill>
+              <a:effectLst/>
+              <a:latin typeface="+mn-lt"/>
+              <a:ea typeface="+mn-ea"/>
+              <a:cs typeface="+mn-cs"/>
+            </a:endParaRPr>
+          </a:p>
+          <a:p>
+            <a:pPr marL="171450" indent="-171450">
+              <a:buFont typeface="Arial" panose="020B0604020202020204" pitchFamily="34" charset="0"/>
+              <a:buChar char="•"/>
+            </a:pPr>
+            <a:r>
+              <a:rPr lang="en-NZ" sz="1200" kern="1200" dirty="0" smtClean="0">
+                <a:solidFill>
+                  <a:schemeClr val="tx1"/>
+                </a:solidFill>
+                <a:effectLst/>
+                <a:latin typeface="+mn-lt"/>
+                <a:ea typeface="+mn-ea"/>
+                <a:cs typeface="+mn-cs"/>
+              </a:rPr>
+              <a:t>Do the </a:t>
+            </a:r>
+            <a:r>
+              <a:rPr lang="en-NZ" sz="1200" kern="1200" dirty="0" err="1" smtClean="0">
+                <a:solidFill>
+                  <a:schemeClr val="tx1"/>
+                </a:solidFill>
+                <a:effectLst/>
+                <a:latin typeface="+mn-lt"/>
+                <a:ea typeface="+mn-ea"/>
+                <a:cs typeface="+mn-cs"/>
+              </a:rPr>
+              <a:t>newTileColumn</a:t>
+            </a:r>
+            <a:r>
+              <a:rPr lang="en-NZ" sz="1200" kern="1200" dirty="0" smtClean="0">
+                <a:solidFill>
+                  <a:schemeClr val="tx1"/>
+                </a:solidFill>
+                <a:effectLst/>
+                <a:latin typeface="+mn-lt"/>
+                <a:ea typeface="+mn-ea"/>
+                <a:cs typeface="+mn-cs"/>
+              </a:rPr>
+              <a:t> and </a:t>
+            </a:r>
+            <a:r>
+              <a:rPr lang="en-NZ" sz="1200" kern="1200" dirty="0" err="1" smtClean="0">
+                <a:solidFill>
+                  <a:schemeClr val="tx1"/>
+                </a:solidFill>
+                <a:effectLst/>
+                <a:latin typeface="+mn-lt"/>
+                <a:ea typeface="+mn-ea"/>
+                <a:cs typeface="+mn-cs"/>
+              </a:rPr>
+              <a:t>newTileRow</a:t>
+            </a:r>
+            <a:r>
+              <a:rPr lang="en-NZ" sz="1200" kern="1200" dirty="0" smtClean="0">
+                <a:solidFill>
+                  <a:schemeClr val="tx1"/>
+                </a:solidFill>
+                <a:effectLst/>
+                <a:latin typeface="+mn-lt"/>
+                <a:ea typeface="+mn-ea"/>
+                <a:cs typeface="+mn-cs"/>
+              </a:rPr>
+              <a:t> computations based on these variables</a:t>
+            </a:r>
+          </a:p>
+          <a:p>
+            <a:pPr marL="171450" indent="-171450">
+              <a:buFont typeface="Arial" panose="020B0604020202020204" pitchFamily="34" charset="0"/>
+              <a:buChar char="•"/>
+            </a:pPr>
+            <a:r>
+              <a:rPr lang="en-NZ" sz="1200" kern="1200" dirty="0" smtClean="0">
+                <a:solidFill>
+                  <a:schemeClr val="tx1"/>
+                </a:solidFill>
+                <a:effectLst/>
+                <a:latin typeface="+mn-lt"/>
+                <a:ea typeface="+mn-ea"/>
+                <a:cs typeface="+mn-cs"/>
+              </a:rPr>
+              <a:t>Determine if the new tile is walkable</a:t>
+            </a:r>
+          </a:p>
+          <a:p>
+            <a:pPr marL="171450" indent="-171450">
+              <a:buFont typeface="Arial" panose="020B0604020202020204" pitchFamily="34" charset="0"/>
+              <a:buChar char="•"/>
+            </a:pPr>
+            <a:endParaRPr lang="en-NZ" sz="1200" kern="1200" dirty="0" smtClean="0">
+              <a:solidFill>
+                <a:schemeClr val="tx1"/>
+              </a:solidFill>
+              <a:effectLst/>
+              <a:latin typeface="+mn-lt"/>
+              <a:ea typeface="+mn-ea"/>
+              <a:cs typeface="+mn-cs"/>
+            </a:endParaRPr>
+          </a:p>
+          <a:p>
+            <a:pPr marL="171450" indent="-171450">
+              <a:buFont typeface="Arial" panose="020B0604020202020204" pitchFamily="34" charset="0"/>
+              <a:buChar char="•"/>
+            </a:pPr>
+            <a:r>
+              <a:rPr lang="en-NZ" sz="1200" kern="1200" dirty="0" smtClean="0">
+                <a:solidFill>
+                  <a:schemeClr val="tx1"/>
+                </a:solidFill>
+                <a:effectLst/>
+                <a:latin typeface="+mn-lt"/>
+                <a:ea typeface="+mn-ea"/>
+                <a:cs typeface="+mn-cs"/>
+              </a:rPr>
+              <a:t>Only if it is, copy the temporary values into  </a:t>
+            </a:r>
+            <a:r>
+              <a:rPr lang="en-NZ" sz="1200" kern="1200" dirty="0" err="1" smtClean="0">
+                <a:solidFill>
+                  <a:schemeClr val="tx1"/>
+                </a:solidFill>
+                <a:effectLst/>
+                <a:latin typeface="+mn-lt"/>
+                <a:ea typeface="+mn-ea"/>
+                <a:cs typeface="+mn-cs"/>
+              </a:rPr>
+              <a:t>into</a:t>
+            </a:r>
+            <a:r>
+              <a:rPr lang="en-NZ" sz="1200" kern="1200" dirty="0" smtClean="0">
+                <a:solidFill>
+                  <a:schemeClr val="tx1"/>
+                </a:solidFill>
+                <a:effectLst/>
+                <a:latin typeface="+mn-lt"/>
+                <a:ea typeface="+mn-ea"/>
+                <a:cs typeface="+mn-cs"/>
+              </a:rPr>
+              <a:t> the real xPos and yPos</a:t>
+            </a:r>
+          </a:p>
+          <a:p>
+            <a:pPr marL="0" indent="0">
+              <a:buFont typeface="Arial" charset="0"/>
+              <a:buNone/>
+            </a:pPr>
+            <a:endParaRPr lang="en-NZ" sz="1200" kern="1200" dirty="0" smtClean="0">
+              <a:solidFill>
+                <a:schemeClr val="tx1"/>
+              </a:solidFill>
+              <a:effectLst/>
+              <a:latin typeface="+mn-lt"/>
+              <a:ea typeface="+mn-ea"/>
+              <a:cs typeface="+mn-cs"/>
+            </a:endParaRPr>
+          </a:p>
+        </p:txBody>
+      </p:sp>
+      <p:sp>
+        <p:nvSpPr>
+          <p:cNvPr id="4" name="Slide Number Placeholder 3"/>
+          <p:cNvSpPr>
+            <a:spLocks noGrp="1"/>
+          </p:cNvSpPr>
+          <p:nvPr>
+            <p:ph type="sldNum" sz="quarter" idx="10"/>
+          </p:nvPr>
+        </p:nvSpPr>
+        <p:spPr/>
+        <p:txBody>
+          <a:bodyPr/>
+          <a:lstStyle/>
+          <a:p>
+            <a:fld id="{BBC1DE02-C006-4F38-873D-E62701AB1734}" type="slidenum">
+              <a:rPr lang="en-NZ" smtClean="0"/>
+              <a:t>9</a:t>
+            </a:fld>
+            <a:endParaRPr lang="en-NZ"/>
+          </a:p>
+        </p:txBody>
+      </p:sp>
+    </p:spTree>
+    <p:extLst>
+      <p:ext uri="{BB962C8B-B14F-4D97-AF65-F5344CB8AC3E}">
+        <p14:creationId xmlns:p14="http://schemas.microsoft.com/office/powerpoint/2010/main" val="1412614147"/>
+      </p:ext>
+    </p:extLst>
+  </p:cSld>
+  <p:clrMapOvr>
+    <a:masterClrMapping/>
+  </p:clrMapOvr>
+</p:notes>
+</file>
+
+<file path=ppt/notesSlides/notesSlide9.xml><?xml version="1.0" encoding="utf-8"?>
+<p:notes xmlns:a="http://schemas.openxmlformats.org/drawingml/2006/main" xmlns:r="http://schemas.openxmlformats.org/officeDocument/2006/relationships" xmlns:p="http://schemas.openxmlformats.org/presentationml/2006/main">
+  <p:cSld>
+    <p:spTree>
+      <p:nvGrpSpPr>
+        <p:cNvPr id="1" name=""/>
+        <p:cNvGrpSpPr/>
+        <p:nvPr/>
+      </p:nvGrpSpPr>
+      <p:grpSpPr>
+        <a:xfrm>
+          <a:off x="0" y="0"/>
+          <a:ext cx="0" cy="0"/>
+          <a:chOff x="0" y="0"/>
+          <a:chExt cx="0" cy="0"/>
+        </a:xfrm>
+      </p:grpSpPr>
+      <p:sp>
+        <p:nvSpPr>
+          <p:cNvPr id="2" name="Slide Image Placeholder 1"/>
+          <p:cNvSpPr>
+            <a:spLocks noGrp="1" noRot="1" noChangeAspect="1"/>
+          </p:cNvSpPr>
+          <p:nvPr>
+            <p:ph type="sldImg"/>
+          </p:nvPr>
+        </p:nvSpPr>
+        <p:spPr/>
+      </p:sp>
+      <p:sp>
+        <p:nvSpPr>
+          <p:cNvPr id="3" name="Notes Placeholder 2"/>
+          <p:cNvSpPr>
+            <a:spLocks noGrp="1"/>
+          </p:cNvSpPr>
+          <p:nvPr>
+            <p:ph type="body" idx="1"/>
+          </p:nvPr>
+        </p:nvSpPr>
+        <p:spPr/>
+        <p:txBody>
+          <a:bodyPr/>
+          <a:lstStyle/>
+          <a:p>
+            <a:pPr marL="171450" indent="-171450">
+              <a:buFont typeface="Arial" panose="020B0604020202020204" pitchFamily="34" charset="0"/>
+              <a:buChar char="•"/>
+            </a:pPr>
+            <a:r>
+              <a:rPr lang="en-NZ" sz="1200" kern="1200" dirty="0" smtClean="0">
+                <a:solidFill>
+                  <a:schemeClr val="tx1"/>
+                </a:solidFill>
+                <a:effectLst/>
+                <a:latin typeface="+mn-lt"/>
+                <a:ea typeface="+mn-ea"/>
+                <a:cs typeface="+mn-cs"/>
+              </a:rPr>
+              <a:t>How do you compute the temp positions? =&gt; just like you always do: </a:t>
+            </a:r>
+            <a:r>
+              <a:rPr lang="en-NZ" sz="1200" kern="1200" dirty="0" err="1" smtClean="0">
+                <a:solidFill>
+                  <a:schemeClr val="tx1"/>
+                </a:solidFill>
+                <a:effectLst/>
+                <a:latin typeface="+mn-lt"/>
+                <a:ea typeface="+mn-ea"/>
+                <a:cs typeface="+mn-cs"/>
+              </a:rPr>
+              <a:t>nextXPos</a:t>
+            </a:r>
+            <a:r>
+              <a:rPr lang="en-NZ" sz="1200" kern="1200" dirty="0" smtClean="0">
+                <a:solidFill>
+                  <a:schemeClr val="tx1"/>
+                </a:solidFill>
+                <a:effectLst/>
+                <a:latin typeface="+mn-lt"/>
+                <a:ea typeface="+mn-ea"/>
+                <a:cs typeface="+mn-cs"/>
+              </a:rPr>
+              <a:t> = xPos + </a:t>
+            </a:r>
+            <a:r>
+              <a:rPr lang="en-NZ" sz="1200" kern="1200" dirty="0" err="1" smtClean="0">
+                <a:solidFill>
+                  <a:schemeClr val="tx1"/>
+                </a:solidFill>
+                <a:effectLst/>
+                <a:latin typeface="+mn-lt"/>
+                <a:ea typeface="+mn-ea"/>
+                <a:cs typeface="+mn-cs"/>
+              </a:rPr>
+              <a:t>veldir</a:t>
+            </a:r>
+            <a:r>
+              <a:rPr lang="en-NZ" sz="1200" kern="1200" dirty="0" smtClean="0">
+                <a:solidFill>
+                  <a:schemeClr val="tx1"/>
+                </a:solidFill>
+                <a:effectLst/>
+                <a:latin typeface="+mn-lt"/>
+                <a:ea typeface="+mn-ea"/>
+                <a:cs typeface="+mn-cs"/>
+              </a:rPr>
+              <a:t>[</a:t>
+            </a:r>
+            <a:r>
+              <a:rPr lang="en-NZ" sz="1200" kern="1200" dirty="0" err="1" smtClean="0">
+                <a:solidFill>
+                  <a:schemeClr val="tx1"/>
+                </a:solidFill>
+                <a:effectLst/>
+                <a:latin typeface="+mn-lt"/>
+                <a:ea typeface="+mn-ea"/>
+                <a:cs typeface="+mn-cs"/>
+              </a:rPr>
+              <a:t>Spritedir</a:t>
+            </a:r>
+            <a:r>
+              <a:rPr lang="en-NZ" sz="1200" kern="1200" dirty="0" smtClean="0">
+                <a:solidFill>
+                  <a:schemeClr val="tx1"/>
+                </a:solidFill>
+                <a:effectLst/>
+                <a:latin typeface="+mn-lt"/>
+                <a:ea typeface="+mn-ea"/>
+                <a:cs typeface="+mn-cs"/>
+              </a:rPr>
+              <a:t>] * </a:t>
+            </a:r>
+            <a:r>
+              <a:rPr lang="en-NZ" sz="1200" kern="1200" dirty="0" err="1" smtClean="0">
+                <a:solidFill>
+                  <a:schemeClr val="tx1"/>
+                </a:solidFill>
+                <a:effectLst/>
+                <a:latin typeface="+mn-lt"/>
+                <a:ea typeface="+mn-ea"/>
+                <a:cs typeface="+mn-cs"/>
+              </a:rPr>
+              <a:t>xVel</a:t>
+            </a:r>
+            <a:endParaRPr lang="en-NZ" sz="1200" kern="1200" dirty="0" smtClean="0">
+              <a:solidFill>
+                <a:schemeClr val="tx1"/>
+              </a:solidFill>
+              <a:effectLst/>
+              <a:latin typeface="+mn-lt"/>
+              <a:ea typeface="+mn-ea"/>
+              <a:cs typeface="+mn-cs"/>
+            </a:endParaRPr>
+          </a:p>
+          <a:p>
+            <a:pPr marL="171450" indent="-171450">
+              <a:buFont typeface="Arial" panose="020B0604020202020204" pitchFamily="34" charset="0"/>
+              <a:buChar char="•"/>
+            </a:pPr>
+            <a:endParaRPr lang="en-NZ" sz="1200" kern="1200" dirty="0" smtClean="0">
+              <a:solidFill>
+                <a:schemeClr val="tx1"/>
+              </a:solidFill>
+              <a:effectLst/>
+              <a:latin typeface="+mn-lt"/>
+              <a:ea typeface="+mn-ea"/>
+              <a:cs typeface="+mn-cs"/>
+            </a:endParaRPr>
+          </a:p>
+          <a:p>
+            <a:pPr marL="171450" indent="-171450">
+              <a:buFont typeface="Arial" panose="020B0604020202020204" pitchFamily="34" charset="0"/>
+              <a:buChar char="•"/>
+            </a:pPr>
+            <a:r>
+              <a:rPr lang="en-NZ" sz="1200" kern="1200" dirty="0" smtClean="0">
+                <a:solidFill>
+                  <a:schemeClr val="tx1"/>
+                </a:solidFill>
+                <a:effectLst/>
+                <a:latin typeface="+mn-lt"/>
+                <a:ea typeface="+mn-ea"/>
+                <a:cs typeface="+mn-cs"/>
+              </a:rPr>
+              <a:t>Watch your modularity here. Don’t just dump everything inline in the move method. Remember: if you can describe it with a single verb, it’s probably a method</a:t>
+            </a:r>
+          </a:p>
+        </p:txBody>
+      </p:sp>
+      <p:sp>
+        <p:nvSpPr>
+          <p:cNvPr id="4" name="Slide Number Placeholder 3"/>
+          <p:cNvSpPr>
+            <a:spLocks noGrp="1"/>
+          </p:cNvSpPr>
+          <p:nvPr>
+            <p:ph type="sldNum" sz="quarter" idx="10"/>
+          </p:nvPr>
+        </p:nvSpPr>
+        <p:spPr/>
+        <p:txBody>
+          <a:bodyPr/>
+          <a:lstStyle/>
+          <a:p>
+            <a:fld id="{BBC1DE02-C006-4F38-873D-E62701AB1734}" type="slidenum">
+              <a:rPr lang="en-NZ" smtClean="0"/>
+              <a:t>10</a:t>
+            </a:fld>
+            <a:endParaRPr lang="en-NZ"/>
+          </a:p>
+        </p:txBody>
+      </p:sp>
+    </p:spTree>
+    <p:extLst>
+      <p:ext uri="{BB962C8B-B14F-4D97-AF65-F5344CB8AC3E}">
+        <p14:creationId xmlns:p14="http://schemas.microsoft.com/office/powerpoint/2010/main" val="3885101556"/>
+      </p:ext>
+    </p:extLst>
+  </p:cSld>
+  <p:clrMapOvr>
+    <a:masterClrMapping/>
+  </p:clrMapOvr>
+</p:notes>
 </file>
 
 <file path=ppt/slideLayouts/slideLayout1.xml><?xml version="1.0" encoding="utf-8"?>
@@ -293,7 +2754,7 @@
           <a:p>
             <a:fld id="{F8166F1F-CE9B-4651-A6AA-CD717754106B}" type="datetimeFigureOut">
               <a:rPr lang="en-US" smtClean="0"/>
-              <a:t>7/1/2019</a:t>
+              <a:t>9/19/2019</a:t>
             </a:fld>
             <a:endParaRPr lang="en-US"/>
           </a:p>
@@ -458,7 +2919,7 @@
           <a:p>
             <a:fld id="{A76116CE-C4A3-4A05-B2D7-7C2E9A889C0F}" type="datetimeFigureOut">
               <a:rPr lang="en-US" smtClean="0"/>
-              <a:t>1/30/2017</a:t>
+              <a:t>9/19/2019</a:t>
             </a:fld>
             <a:endParaRPr lang="en-US"/>
           </a:p>
@@ -633,7 +3094,7 @@
           <a:p>
             <a:fld id="{A76116CE-C4A3-4A05-B2D7-7C2E9A889C0F}" type="datetimeFigureOut">
               <a:rPr lang="en-US" smtClean="0"/>
-              <a:t>1/30/2017</a:t>
+              <a:t>9/19/2019</a:t>
             </a:fld>
             <a:endParaRPr lang="en-US"/>
           </a:p>
@@ -800,7 +3261,7 @@
           <a:p>
             <a:fld id="{A76116CE-C4A3-4A05-B2D7-7C2E9A889C0F}" type="datetimeFigureOut">
               <a:rPr lang="en-US" smtClean="0"/>
-              <a:t>7/1/2019</a:t>
+              <a:t>9/19/2019</a:t>
             </a:fld>
             <a:endParaRPr lang="en-US"/>
           </a:p>
@@ -1041,7 +3502,7 @@
           <a:p>
             <a:fld id="{A76116CE-C4A3-4A05-B2D7-7C2E9A889C0F}" type="datetimeFigureOut">
               <a:rPr lang="en-US" smtClean="0"/>
-              <a:t>7/1/2019</a:t>
+              <a:t>9/19/2019</a:t>
             </a:fld>
             <a:endParaRPr lang="en-US"/>
           </a:p>
@@ -1324,7 +3785,7 @@
           <a:p>
             <a:fld id="{A76116CE-C4A3-4A05-B2D7-7C2E9A889C0F}" type="datetimeFigureOut">
               <a:rPr lang="en-US" smtClean="0"/>
-              <a:t>1/30/2017</a:t>
+              <a:t>9/19/2019</a:t>
             </a:fld>
             <a:endParaRPr lang="en-US"/>
           </a:p>
@@ -1741,7 +4202,7 @@
           <a:p>
             <a:fld id="{A76116CE-C4A3-4A05-B2D7-7C2E9A889C0F}" type="datetimeFigureOut">
               <a:rPr lang="en-US" smtClean="0"/>
-              <a:t>1/30/2017</a:t>
+              <a:t>9/19/2019</a:t>
             </a:fld>
             <a:endParaRPr lang="en-US"/>
           </a:p>
@@ -1854,7 +4315,7 @@
           <a:p>
             <a:fld id="{A76116CE-C4A3-4A05-B2D7-7C2E9A889C0F}" type="datetimeFigureOut">
               <a:rPr lang="en-US" smtClean="0"/>
-              <a:t>1/30/2017</a:t>
+              <a:t>9/19/2019</a:t>
             </a:fld>
             <a:endParaRPr lang="en-US"/>
           </a:p>
@@ -1944,7 +4405,7 @@
           <a:p>
             <a:fld id="{A76116CE-C4A3-4A05-B2D7-7C2E9A889C0F}" type="datetimeFigureOut">
               <a:rPr lang="en-US" smtClean="0"/>
-              <a:t>1/30/2017</a:t>
+              <a:t>9/19/2019</a:t>
             </a:fld>
             <a:endParaRPr lang="en-US"/>
           </a:p>
@@ -2216,7 +4677,7 @@
           <a:p>
             <a:fld id="{A76116CE-C4A3-4A05-B2D7-7C2E9A889C0F}" type="datetimeFigureOut">
               <a:rPr lang="en-US" smtClean="0"/>
-              <a:t>1/30/2017</a:t>
+              <a:t>9/19/2019</a:t>
             </a:fld>
             <a:endParaRPr lang="en-US"/>
           </a:p>
@@ -2464,7 +4925,7 @@
           <a:p>
             <a:fld id="{A76116CE-C4A3-4A05-B2D7-7C2E9A889C0F}" type="datetimeFigureOut">
               <a:rPr lang="en-US" smtClean="0"/>
-              <a:t>1/30/2017</a:t>
+              <a:t>9/19/2019</a:t>
             </a:fld>
             <a:endParaRPr lang="en-US"/>
           </a:p>
@@ -2672,7 +5133,7 @@
           <a:p>
             <a:fld id="{F8166F1F-CE9B-4651-A6AA-CD717754106B}" type="datetimeFigureOut">
               <a:rPr lang="en-US" smtClean="0"/>
-              <a:t>6/13/2013</a:t>
+              <a:t>9/19/2019</a:t>
             </a:fld>
             <a:endParaRPr lang="en-US"/>
           </a:p>
@@ -2750,7 +5211,7 @@
           <a:p>
             <a:fld id="{F7021451-1387-4CA6-816F-3879F97B5CBC}" type="slidenum">
               <a:rPr lang="en-US" smtClean="0"/>
-              <a:t>�#�</a:t>
+              <a:t>‹#›</a:t>
             </a:fld>
             <a:endParaRPr lang="en-US"/>
           </a:p>
@@ -2761,16 +5222,16 @@
   <p:clrMap bg1="lt1" tx1="dk1" bg2="lt2" tx2="dk2" accent1="accent1" accent2="accent2" accent3="accent3" accent4="accent4" accent5="accent5" accent6="accent6" hlink="hlink" folHlink="folHlink"/>
   <p:sldLayoutIdLst>
     <p:sldLayoutId id="2147483649" r:id="rId1"/>
-    <p:sldLayoutId id="2147483650" r:id="rId3"/>
-    <p:sldLayoutId id="2147483651" r:id="rId4"/>
-    <p:sldLayoutId id="2147483652" r:id="rId5"/>
-    <p:sldLayoutId id="2147483653" r:id="rId6"/>
-    <p:sldLayoutId id="2147483654" r:id="rId7"/>
-    <p:sldLayoutId id="2147483655" r:id="rId8"/>
-    <p:sldLayoutId id="2147483656" r:id="rId9"/>
-    <p:sldLayoutId id="2147483657" r:id="rId10"/>
-    <p:sldLayoutId id="2147483658" r:id="rId11"/>
-    <p:sldLayoutId id="2147483659" r:id="rId12"/>
+    <p:sldLayoutId id="2147483650" r:id="rId2"/>
+    <p:sldLayoutId id="2147483651" r:id="rId3"/>
+    <p:sldLayoutId id="2147483652" r:id="rId4"/>
+    <p:sldLayoutId id="2147483653" r:id="rId5"/>
+    <p:sldLayoutId id="2147483654" r:id="rId6"/>
+    <p:sldLayoutId id="2147483655" r:id="rId7"/>
+    <p:sldLayoutId id="2147483656" r:id="rId8"/>
+    <p:sldLayoutId id="2147483657" r:id="rId9"/>
+    <p:sldLayoutId id="2147483658" r:id="rId10"/>
+    <p:sldLayoutId id="2147483659" r:id="rId11"/>
   </p:sldLayoutIdLst>
   <p:txStyles>
     <p:titleStyle>
@@ -3027,7 +5488,18 @@
 
 <file path=ppt/slides/slide1.xml><?xml version="1.0" encoding="utf-8"?>
 <p:sld xmlns:a="http://schemas.openxmlformats.org/drawingml/2006/main" xmlns:r="http://schemas.openxmlformats.org/officeDocument/2006/relationships" xmlns:p="http://schemas.openxmlformats.org/presentationml/2006/main">
-  <p:cSld name="Title Slide">
+  <p:cSld>
+    <p:bg>
+      <p:bgPr>
+        <a:solidFill>
+          <a:schemeClr val="accent5">
+            <a:lumMod val="60000"/>
+            <a:lumOff val="40000"/>
+          </a:schemeClr>
+        </a:solidFill>
+        <a:effectLst/>
+      </p:bgPr>
+    </p:bg>
     <p:spTree>
       <p:nvGrpSpPr>
         <p:cNvPr id="1" name=""/>
@@ -3044,202 +5516,3373 @@
       </p:grpSpPr>
       <p:sp>
         <p:nvSpPr>
-          <p:cNvPr id="2" name="Title 1"/>
-          <p:cNvSpPr>
-            <a:spLocks noGrp="1"/>
-          </p:cNvSpPr>
-          <p:nvPr>
-            <p:ph type="ctrTitle"/>
-          </p:nvPr>
+          <p:cNvPr id="2" name="Rectangle 1"/>
+          <p:cNvSpPr/>
+          <p:nvPr/>
         </p:nvSpPr>
         <p:spPr>
           <a:xfrm>
-            <a:off x="685800" y="2130425"/>
-            <a:ext cx="7772400" cy="1470025"/>
+            <a:off x="0" y="2133600"/>
+            <a:ext cx="9144000" cy="2300630"/>
           </a:xfrm>
+          <a:prstGeom prst="rect">
+            <a:avLst/>
+          </a:prstGeom>
+          <a:noFill/>
         </p:spPr>
         <p:txBody>
-          <a:bodyPr/>
+          <a:bodyPr wrap="square" lIns="68580" tIns="34290" rIns="68580" bIns="34290">
+            <a:spAutoFit/>
+          </a:bodyPr>
           <a:lstStyle/>
           <a:p>
-            <a:r>
-              <a:rPr lang="en-US" smtClean="0"/>
-              <a:t>Click to edit Master title style</a:t>
-            </a:r>
-            <a:endParaRPr lang="en-US"/>
-          </a:p>
-        </p:txBody>
-      </p:sp>
-      <p:sp>
-        <p:nvSpPr>
-          <p:cNvPr id="3" name="Subtitle 2"/>
-          <p:cNvSpPr>
-            <a:spLocks noGrp="1"/>
-          </p:cNvSpPr>
-          <p:nvPr>
-            <p:ph type="subTitle" idx="1"/>
-          </p:nvPr>
-        </p:nvSpPr>
-        <p:spPr>
-          <a:xfrm>
-            <a:off x="1371600" y="3886200"/>
-            <a:ext cx="6400800" cy="1752600"/>
-          </a:xfrm>
-        </p:spPr>
-        <p:txBody>
-          <a:bodyPr/>
-          <a:lstStyle>
-            <a:lvl1pPr marL="0" indent="0" algn="ctr">
-              <a:buNone/>
-              <a:defRPr>
-                <a:solidFill>
-                  <a:schemeClr val="tx1">
-                    <a:tint val="75000"/>
-                  </a:schemeClr>
-                </a:solidFill>
-              </a:defRPr>
-            </a:lvl1pPr>
-            <a:lvl2pPr marL="457200" indent="0" algn="ctr">
-              <a:buNone/>
-              <a:defRPr>
-                <a:solidFill>
-                  <a:schemeClr val="tx1">
-                    <a:tint val="75000"/>
-                  </a:schemeClr>
-                </a:solidFill>
-              </a:defRPr>
-            </a:lvl2pPr>
-            <a:lvl3pPr marL="914400" indent="0" algn="ctr">
-              <a:buNone/>
-              <a:defRPr>
-                <a:solidFill>
-                  <a:schemeClr val="tx1">
-                    <a:tint val="75000"/>
-                  </a:schemeClr>
-                </a:solidFill>
-              </a:defRPr>
-            </a:lvl3pPr>
-            <a:lvl4pPr marL="1371600" indent="0" algn="ctr">
-              <a:buNone/>
-              <a:defRPr>
-                <a:solidFill>
-                  <a:schemeClr val="tx1">
-                    <a:tint val="75000"/>
-                  </a:schemeClr>
-                </a:solidFill>
-              </a:defRPr>
-            </a:lvl4pPr>
-            <a:lvl5pPr marL="1828800" indent="0" algn="ctr">
-              <a:buNone/>
-              <a:defRPr>
-                <a:solidFill>
-                  <a:schemeClr val="tx1">
-                    <a:tint val="75000"/>
-                  </a:schemeClr>
-                </a:solidFill>
-              </a:defRPr>
-            </a:lvl5pPr>
-            <a:lvl6pPr marL="2286000" indent="0" algn="ctr">
-              <a:buNone/>
-              <a:defRPr>
-                <a:solidFill>
-                  <a:schemeClr val="tx1">
-                    <a:tint val="75000"/>
-                  </a:schemeClr>
-                </a:solidFill>
-              </a:defRPr>
-            </a:lvl6pPr>
-            <a:lvl7pPr marL="2743200" indent="0" algn="ctr">
-              <a:buNone/>
-              <a:defRPr>
-                <a:solidFill>
-                  <a:schemeClr val="tx1">
-                    <a:tint val="75000"/>
-                  </a:schemeClr>
-                </a:solidFill>
-              </a:defRPr>
-            </a:lvl7pPr>
-            <a:lvl8pPr marL="3200400" indent="0" algn="ctr">
-              <a:buNone/>
-              <a:defRPr>
-                <a:solidFill>
-                  <a:schemeClr val="tx1">
-                    <a:tint val="75000"/>
-                  </a:schemeClr>
-                </a:solidFill>
-              </a:defRPr>
-            </a:lvl8pPr>
-            <a:lvl9pPr marL="3657600" indent="0" algn="ctr">
-              <a:buNone/>
-              <a:defRPr>
-                <a:solidFill>
-                  <a:schemeClr val="tx1">
-                    <a:tint val="75000"/>
-                  </a:schemeClr>
-                </a:solidFill>
-              </a:defRPr>
-            </a:lvl9pPr>
-          </a:lstStyle>
-          <a:p>
-            <a:r>
-              <a:rPr lang="en-US" smtClean="0"/>
-              <a:t>Click to edit Master subtitle style</a:t>
-            </a:r>
-            <a:endParaRPr lang="en-US"/>
-          </a:p>
-        </p:txBody>
-      </p:sp>
-      <p:sp>
-        <p:nvSpPr>
-          <p:cNvPr id="4" name="Date Placeholder 3"/>
-          <p:cNvSpPr>
-            <a:spLocks noGrp="1"/>
-          </p:cNvSpPr>
-          <p:nvPr>
-            <p:ph type="dt" sz="half" idx="10"/>
-          </p:nvPr>
-        </p:nvSpPr>
-        <p:spPr/>
-        <p:txBody>
-          <a:bodyPr/>
-          <a:lstStyle/>
-          <a:p>
-            <a:fld id="{F8166F1F-CE9B-4651-A6AA-CD717754106B}" type="datetimeFigureOut">
-              <a:rPr lang="en-US" smtClean="0"/>
-              <a:t>7/1/2019</a:t>
-            </a:fld>
-            <a:endParaRPr lang="en-US"/>
-          </a:p>
-        </p:txBody>
-      </p:sp>
-      <p:sp>
-        <p:nvSpPr>
-          <p:cNvPr id="5" name="Slide Number Placeholder 5"/>
-          <p:cNvSpPr>
-            <a:spLocks noGrp="1"/>
-          </p:cNvSpPr>
-          <p:nvPr>
-            <p:ph type="sldNum" sz="quarter" idx="12"/>
-          </p:nvPr>
-        </p:nvSpPr>
-        <p:spPr/>
-        <p:txBody>
-          <a:bodyPr/>
-          <a:lstStyle/>
-          <a:p>
-            <a:fld id="{B1393E5F-521B-4CAD-9D3A-AE923D912DCE}" type="slidenum">
-              <a:rPr lang="en-US" smtClean="0"/>
-              <a:t>‹#›</a:t>
-            </a:fld>
-            <a:endParaRPr lang="en-US"/>
+            <a:pPr algn="ctr"/>
+            <a:r>
+              <a:rPr lang="en-US" sz="4000" b="1" dirty="0"/>
+              <a:t>Programming </a:t>
+            </a:r>
+            <a:r>
+              <a:rPr lang="en-US" sz="4000" b="1" dirty="0" smtClean="0"/>
+              <a:t>4</a:t>
+            </a:r>
+            <a:endParaRPr lang="en-US" sz="2500" b="1" dirty="0"/>
+          </a:p>
+          <a:p>
+            <a:pPr algn="ctr"/>
+            <a:r>
+              <a:rPr lang="en-US" sz="4000" b="1" dirty="0" smtClean="0"/>
+              <a:t>09.1 Terrain </a:t>
+            </a:r>
+            <a:r>
+              <a:rPr lang="en-US" sz="4000" b="1" dirty="0" smtClean="0"/>
+              <a:t>Collision</a:t>
+            </a:r>
+          </a:p>
+          <a:p>
+            <a:pPr algn="ctr"/>
+            <a:endParaRPr lang="en-US" sz="2500" b="1" dirty="0"/>
+          </a:p>
+          <a:p>
+            <a:pPr algn="ctr"/>
+            <a:r>
+              <a:rPr lang="en-US" sz="4000" b="1" dirty="0"/>
+              <a:t>Semester 2</a:t>
+            </a:r>
+            <a:r>
+              <a:rPr lang="en-US" sz="4000" b="1" dirty="0" smtClean="0"/>
+              <a:t>, </a:t>
+            </a:r>
+            <a:r>
+              <a:rPr lang="en-US" sz="4000" b="1" dirty="0"/>
+              <a:t>2019</a:t>
+            </a:r>
           </a:p>
         </p:txBody>
       </p:sp>
     </p:spTree>
+    <p:extLst>
+      <p:ext uri="{BB962C8B-B14F-4D97-AF65-F5344CB8AC3E}">
+        <p14:creationId xmlns:p14="http://schemas.microsoft.com/office/powerpoint/2010/main" val="4058983023"/>
+      </p:ext>
+    </p:extLst>
   </p:cSld>
   <p:clrMapOvr>
     <a:masterClrMapping/>
   </p:clrMapOvr>
+  <p:timing>
+    <p:tnLst>
+      <p:par>
+        <p:cTn id="1" dur="indefinite" restart="never" nodeType="tmRoot"/>
+      </p:par>
+    </p:tnLst>
+  </p:timing>
+</p:sld>
+</file>
+
+<file path=ppt/slides/slide10.xml><?xml version="1.0" encoding="utf-8"?>
+<p:sld xmlns:a="http://schemas.openxmlformats.org/drawingml/2006/main" xmlns:r="http://schemas.openxmlformats.org/officeDocument/2006/relationships" xmlns:p="http://schemas.openxmlformats.org/presentationml/2006/main">
+  <p:cSld>
+    <p:bg>
+      <p:bgPr>
+        <a:solidFill>
+          <a:schemeClr val="accent5">
+            <a:lumMod val="60000"/>
+            <a:lumOff val="40000"/>
+          </a:schemeClr>
+        </a:solidFill>
+        <a:effectLst/>
+      </p:bgPr>
+    </p:bg>
+    <p:spTree>
+      <p:nvGrpSpPr>
+        <p:cNvPr id="1" name=""/>
+        <p:cNvGrpSpPr/>
+        <p:nvPr/>
+      </p:nvGrpSpPr>
+      <p:grpSpPr>
+        <a:xfrm>
+          <a:off x="0" y="0"/>
+          <a:ext cx="0" cy="0"/>
+          <a:chOff x="0" y="0"/>
+          <a:chExt cx="0" cy="0"/>
+        </a:xfrm>
+      </p:grpSpPr>
+      <p:sp>
+        <p:nvSpPr>
+          <p:cNvPr id="3" name="Rectangle 2"/>
+          <p:cNvSpPr/>
+          <p:nvPr/>
+        </p:nvSpPr>
+        <p:spPr>
+          <a:xfrm>
+            <a:off x="0" y="0"/>
+            <a:ext cx="9144000" cy="5478423"/>
+          </a:xfrm>
+          <a:prstGeom prst="rect">
+            <a:avLst/>
+          </a:prstGeom>
+        </p:spPr>
+        <p:txBody>
+          <a:bodyPr wrap="square">
+            <a:spAutoFit/>
+          </a:bodyPr>
+          <a:lstStyle/>
+          <a:p>
+            <a:pPr algn="ctr"/>
+            <a:endParaRPr lang="en-US" sz="4000" b="1" dirty="0"/>
+          </a:p>
+          <a:p>
+            <a:pPr lvl="1"/>
+            <a:r>
+              <a:rPr lang="en-NZ" sz="3500" b="1" dirty="0" smtClean="0"/>
+              <a:t>Logic for a priori movement</a:t>
+            </a:r>
+            <a:endParaRPr lang="en-US" sz="3500" b="1" dirty="0" smtClean="0"/>
+          </a:p>
+          <a:p>
+            <a:pPr marL="1657350" lvl="2" indent="-742950">
+              <a:buFont typeface="Arial" panose="020B0604020202020204" pitchFamily="34" charset="0"/>
+              <a:buChar char="•"/>
+            </a:pPr>
+            <a:endParaRPr lang="en-US" sz="2500" dirty="0" smtClean="0"/>
+          </a:p>
+          <a:p>
+            <a:pPr marL="1657350" lvl="2" indent="-742950">
+              <a:buFont typeface="Arial" panose="020B0604020202020204" pitchFamily="34" charset="0"/>
+              <a:buChar char="•"/>
+            </a:pPr>
+            <a:r>
+              <a:rPr lang="en-NZ" sz="2500" dirty="0"/>
+              <a:t>Determine what the next xPos and yPos would be, </a:t>
+            </a:r>
+            <a:endParaRPr lang="en-NZ" sz="2500" dirty="0" smtClean="0"/>
+          </a:p>
+          <a:p>
+            <a:pPr lvl="2"/>
+            <a:r>
+              <a:rPr lang="en-NZ" sz="2500" dirty="0"/>
+              <a:t>	</a:t>
+            </a:r>
+            <a:r>
+              <a:rPr lang="en-NZ" sz="2500" dirty="0" smtClean="0"/>
+              <a:t>and </a:t>
+            </a:r>
+            <a:r>
+              <a:rPr lang="en-NZ" sz="2500" dirty="0"/>
+              <a:t>store these values in local variables </a:t>
+            </a:r>
+            <a:endParaRPr lang="en-NZ" sz="2500" dirty="0" smtClean="0"/>
+          </a:p>
+          <a:p>
+            <a:pPr lvl="2"/>
+            <a:r>
+              <a:rPr lang="en-NZ" sz="2500" dirty="0"/>
+              <a:t>	</a:t>
+            </a:r>
+            <a:r>
+              <a:rPr lang="en-NZ" sz="2500" dirty="0" smtClean="0"/>
+              <a:t>(</a:t>
+            </a:r>
+            <a:r>
+              <a:rPr lang="en-NZ" sz="2500" dirty="0"/>
+              <a:t>e.g. </a:t>
+            </a:r>
+            <a:r>
+              <a:rPr lang="en-NZ" sz="2500" dirty="0" err="1"/>
+              <a:t>nextXPos</a:t>
+            </a:r>
+            <a:r>
+              <a:rPr lang="en-NZ" sz="2500" dirty="0"/>
+              <a:t> </a:t>
+            </a:r>
+            <a:r>
+              <a:rPr lang="en-NZ" sz="2500" dirty="0" smtClean="0"/>
+              <a:t>and </a:t>
+            </a:r>
+            <a:r>
+              <a:rPr lang="en-NZ" sz="2500" dirty="0" err="1"/>
+              <a:t>nextYPos</a:t>
+            </a:r>
+            <a:r>
+              <a:rPr lang="en-NZ" sz="2500" dirty="0" smtClean="0"/>
+              <a:t>)</a:t>
+            </a:r>
+            <a:endParaRPr lang="en-NZ" sz="2500" dirty="0"/>
+          </a:p>
+          <a:p>
+            <a:pPr marL="1657350" lvl="2" indent="-742950">
+              <a:buFont typeface="Arial" panose="020B0604020202020204" pitchFamily="34" charset="0"/>
+              <a:buChar char="•"/>
+            </a:pPr>
+            <a:r>
+              <a:rPr lang="en-NZ" sz="2500" dirty="0"/>
+              <a:t>Determine what Tile </a:t>
+            </a:r>
+            <a:r>
+              <a:rPr lang="en-NZ" sz="2500" dirty="0" err="1"/>
+              <a:t>nextXPos</a:t>
+            </a:r>
+            <a:r>
+              <a:rPr lang="en-NZ" sz="2500" dirty="0"/>
+              <a:t> and </a:t>
+            </a:r>
+            <a:r>
+              <a:rPr lang="en-NZ" sz="2500" dirty="0" err="1"/>
+              <a:t>nextYPos</a:t>
+            </a:r>
+            <a:r>
+              <a:rPr lang="en-NZ" sz="2500" dirty="0"/>
+              <a:t> would </a:t>
+            </a:r>
+            <a:endParaRPr lang="en-NZ" sz="2500" dirty="0" smtClean="0"/>
+          </a:p>
+          <a:p>
+            <a:pPr lvl="2"/>
+            <a:r>
+              <a:rPr lang="en-NZ" sz="2500" dirty="0" smtClean="0"/>
+              <a:t>	land on</a:t>
+            </a:r>
+            <a:endParaRPr lang="en-NZ" sz="2500" dirty="0"/>
+          </a:p>
+          <a:p>
+            <a:pPr marL="1657350" lvl="2" indent="-742950">
+              <a:buFont typeface="Arial" panose="020B0604020202020204" pitchFamily="34" charset="0"/>
+              <a:buChar char="•"/>
+            </a:pPr>
+            <a:r>
+              <a:rPr lang="en-NZ" sz="2500" dirty="0"/>
+              <a:t>Determine whether that Tile is </a:t>
+            </a:r>
+            <a:r>
+              <a:rPr lang="en-NZ" sz="2500" dirty="0" smtClean="0"/>
+              <a:t>walkable</a:t>
+            </a:r>
+            <a:endParaRPr lang="en-NZ" sz="2500" dirty="0"/>
+          </a:p>
+          <a:p>
+            <a:pPr marL="1657350" lvl="2" indent="-742950">
+              <a:buFont typeface="Arial" panose="020B0604020202020204" pitchFamily="34" charset="0"/>
+              <a:buChar char="•"/>
+            </a:pPr>
+            <a:r>
+              <a:rPr lang="en-NZ" sz="2500" dirty="0"/>
+              <a:t>Only if it is, copy </a:t>
+            </a:r>
+            <a:r>
+              <a:rPr lang="en-NZ" sz="2500" dirty="0" err="1"/>
+              <a:t>nextXPos</a:t>
+            </a:r>
+            <a:r>
+              <a:rPr lang="en-NZ" sz="2500" dirty="0"/>
+              <a:t> into the real xPos and </a:t>
+            </a:r>
+            <a:r>
+              <a:rPr lang="en-NZ" sz="2500" dirty="0" err="1"/>
+              <a:t>nextYPos</a:t>
+            </a:r>
+            <a:r>
+              <a:rPr lang="en-NZ" sz="2500" dirty="0"/>
+              <a:t> into the real </a:t>
+            </a:r>
+            <a:r>
+              <a:rPr lang="en-NZ" sz="2500" dirty="0" smtClean="0"/>
+              <a:t>yPos</a:t>
+            </a:r>
+            <a:endParaRPr lang="en-NZ" sz="2500" dirty="0"/>
+          </a:p>
+          <a:p>
+            <a:pPr marL="1657350" lvl="2" indent="-742950">
+              <a:buFont typeface="Arial" panose="020B0604020202020204" pitchFamily="34" charset="0"/>
+              <a:buChar char="•"/>
+            </a:pPr>
+            <a:endParaRPr lang="en-US" sz="2500" dirty="0" smtClean="0"/>
+          </a:p>
+          <a:p>
+            <a:pPr marL="1657350" lvl="2" indent="-742950">
+              <a:buFont typeface="Arial" panose="020B0604020202020204" pitchFamily="34" charset="0"/>
+              <a:buChar char="•"/>
+            </a:pPr>
+            <a:endParaRPr lang="en-US" sz="2500" dirty="0" smtClean="0"/>
+          </a:p>
+        </p:txBody>
+      </p:sp>
+    </p:spTree>
+    <p:extLst>
+      <p:ext uri="{BB962C8B-B14F-4D97-AF65-F5344CB8AC3E}">
+        <p14:creationId xmlns:p14="http://schemas.microsoft.com/office/powerpoint/2010/main" val="3766761198"/>
+      </p:ext>
+    </p:extLst>
+  </p:cSld>
+  <p:clrMapOvr>
+    <a:masterClrMapping/>
+  </p:clrMapOvr>
+  <p:timing>
+    <p:tnLst>
+      <p:par>
+        <p:cTn id="1" dur="indefinite" restart="never" nodeType="tmRoot"/>
+      </p:par>
+    </p:tnLst>
+  </p:timing>
+</p:sld>
+</file>
+
+<file path=ppt/slides/slide11.xml><?xml version="1.0" encoding="utf-8"?>
+<p:sld xmlns:a="http://schemas.openxmlformats.org/drawingml/2006/main" xmlns:r="http://schemas.openxmlformats.org/officeDocument/2006/relationships" xmlns:p="http://schemas.openxmlformats.org/presentationml/2006/main">
+  <p:cSld>
+    <p:bg>
+      <p:bgPr>
+        <a:solidFill>
+          <a:schemeClr val="accent5">
+            <a:lumMod val="60000"/>
+            <a:lumOff val="40000"/>
+          </a:schemeClr>
+        </a:solidFill>
+        <a:effectLst/>
+      </p:bgPr>
+    </p:bg>
+    <p:spTree>
+      <p:nvGrpSpPr>
+        <p:cNvPr id="1" name=""/>
+        <p:cNvGrpSpPr/>
+        <p:nvPr/>
+      </p:nvGrpSpPr>
+      <p:grpSpPr>
+        <a:xfrm>
+          <a:off x="0" y="0"/>
+          <a:ext cx="0" cy="0"/>
+          <a:chOff x="0" y="0"/>
+          <a:chExt cx="0" cy="0"/>
+        </a:xfrm>
+      </p:grpSpPr>
+      <p:sp>
+        <p:nvSpPr>
+          <p:cNvPr id="3" name="Rectangle 2"/>
+          <p:cNvSpPr/>
+          <p:nvPr/>
+        </p:nvSpPr>
+        <p:spPr>
+          <a:xfrm>
+            <a:off x="0" y="0"/>
+            <a:ext cx="9144000" cy="4708981"/>
+          </a:xfrm>
+          <a:prstGeom prst="rect">
+            <a:avLst/>
+          </a:prstGeom>
+        </p:spPr>
+        <p:txBody>
+          <a:bodyPr wrap="square">
+            <a:spAutoFit/>
+          </a:bodyPr>
+          <a:lstStyle/>
+          <a:p>
+            <a:pPr algn="ctr"/>
+            <a:endParaRPr lang="en-US" sz="4000" b="1" dirty="0"/>
+          </a:p>
+          <a:p>
+            <a:pPr lvl="1"/>
+            <a:r>
+              <a:rPr lang="en-NZ" sz="3500" b="1" dirty="0" smtClean="0"/>
+              <a:t>Practical</a:t>
+            </a:r>
+            <a:endParaRPr lang="en-US" sz="3500" b="1" dirty="0" smtClean="0"/>
+          </a:p>
+          <a:p>
+            <a:pPr marL="1657350" lvl="2" indent="-742950">
+              <a:buFont typeface="Arial" panose="020B0604020202020204" pitchFamily="34" charset="0"/>
+              <a:buChar char="•"/>
+            </a:pPr>
+            <a:endParaRPr lang="en-US" sz="2500" dirty="0" smtClean="0"/>
+          </a:p>
+          <a:p>
+            <a:pPr marL="1657350" lvl="2" indent="-742950">
+              <a:buFont typeface="Arial" panose="020B0604020202020204" pitchFamily="34" charset="0"/>
+              <a:buChar char="•"/>
+            </a:pPr>
+            <a:r>
+              <a:rPr lang="en-NZ" sz="2500" dirty="0"/>
+              <a:t>Build a world with a player character who doesn’t </a:t>
+            </a:r>
+            <a:endParaRPr lang="en-NZ" sz="2500" dirty="0" smtClean="0"/>
+          </a:p>
+          <a:p>
+            <a:pPr lvl="2"/>
+            <a:r>
+              <a:rPr lang="en-NZ" sz="2500" dirty="0"/>
+              <a:t>	</a:t>
+            </a:r>
+            <a:r>
+              <a:rPr lang="en-NZ" sz="2500" dirty="0" smtClean="0"/>
+              <a:t>walk </a:t>
+            </a:r>
+            <a:r>
+              <a:rPr lang="en-NZ" sz="2500" dirty="0"/>
+              <a:t>through the </a:t>
+            </a:r>
+            <a:r>
+              <a:rPr lang="en-NZ" sz="2500" dirty="0" smtClean="0"/>
+              <a:t>walls</a:t>
+            </a:r>
+            <a:endParaRPr lang="en-NZ" sz="2500" dirty="0"/>
+          </a:p>
+          <a:p>
+            <a:pPr marL="1657350" lvl="2" indent="-742950">
+              <a:buFont typeface="Arial" panose="020B0604020202020204" pitchFamily="34" charset="0"/>
+              <a:buChar char="•"/>
+            </a:pPr>
+            <a:r>
+              <a:rPr lang="en-NZ" sz="2500" dirty="0"/>
+              <a:t>Images and small and large map files on the I: drive </a:t>
+            </a:r>
+            <a:endParaRPr lang="en-NZ" sz="2500" dirty="0" smtClean="0"/>
+          </a:p>
+          <a:p>
+            <a:pPr lvl="2"/>
+            <a:r>
+              <a:rPr lang="en-NZ" sz="2500" dirty="0"/>
+              <a:t>	</a:t>
+            </a:r>
+            <a:r>
+              <a:rPr lang="en-NZ" sz="2500" dirty="0" smtClean="0"/>
+              <a:t>(</a:t>
+            </a:r>
+            <a:r>
+              <a:rPr lang="en-NZ" sz="2500" dirty="0"/>
+              <a:t>or make your own</a:t>
+            </a:r>
+            <a:r>
+              <a:rPr lang="en-NZ" sz="2500" dirty="0" smtClean="0"/>
+              <a:t>)</a:t>
+            </a:r>
+            <a:endParaRPr lang="en-NZ" sz="2500" dirty="0"/>
+          </a:p>
+          <a:p>
+            <a:pPr marL="1657350" lvl="2" indent="-742950">
+              <a:buFont typeface="Arial" panose="020B0604020202020204" pitchFamily="34" charset="0"/>
+              <a:buChar char="•"/>
+            </a:pPr>
+            <a:r>
+              <a:rPr lang="en-NZ" sz="2500" dirty="0"/>
+              <a:t>Optional extension: Include pickup sprites and use </a:t>
+            </a:r>
+            <a:endParaRPr lang="en-NZ" sz="2500" dirty="0" smtClean="0"/>
+          </a:p>
+          <a:p>
+            <a:pPr lvl="2"/>
+            <a:r>
+              <a:rPr lang="en-NZ" sz="2500" dirty="0"/>
+              <a:t>	</a:t>
+            </a:r>
+            <a:r>
+              <a:rPr lang="en-NZ" sz="2500" dirty="0" smtClean="0"/>
+              <a:t>your </a:t>
+            </a:r>
+            <a:r>
+              <a:rPr lang="en-NZ" sz="2500" dirty="0"/>
+              <a:t>sprite to sprite collision detection as </a:t>
+            </a:r>
+            <a:r>
+              <a:rPr lang="en-NZ" sz="2500" dirty="0" smtClean="0"/>
+              <a:t>well</a:t>
+            </a:r>
+            <a:endParaRPr lang="en-NZ" sz="2500" dirty="0"/>
+          </a:p>
+          <a:p>
+            <a:pPr marL="1657350" lvl="2" indent="-742950">
+              <a:buFont typeface="Arial" panose="020B0604020202020204" pitchFamily="34" charset="0"/>
+              <a:buChar char="•"/>
+            </a:pPr>
+            <a:endParaRPr lang="en-US" sz="2500" dirty="0" smtClean="0"/>
+          </a:p>
+          <a:p>
+            <a:pPr marL="1657350" lvl="2" indent="-742950">
+              <a:buFont typeface="Arial" panose="020B0604020202020204" pitchFamily="34" charset="0"/>
+              <a:buChar char="•"/>
+            </a:pPr>
+            <a:endParaRPr lang="en-US" sz="2500" dirty="0" smtClean="0"/>
+          </a:p>
+        </p:txBody>
+      </p:sp>
+    </p:spTree>
+    <p:extLst>
+      <p:ext uri="{BB962C8B-B14F-4D97-AF65-F5344CB8AC3E}">
+        <p14:creationId xmlns:p14="http://schemas.microsoft.com/office/powerpoint/2010/main" val="3945241598"/>
+      </p:ext>
+    </p:extLst>
+  </p:cSld>
+  <p:clrMapOvr>
+    <a:masterClrMapping/>
+  </p:clrMapOvr>
+  <p:timing>
+    <p:tnLst>
+      <p:par>
+        <p:cTn id="1" dur="indefinite" restart="never" nodeType="tmRoot"/>
+      </p:par>
+    </p:tnLst>
+  </p:timing>
+</p:sld>
+</file>
+
+<file path=ppt/slides/slide2.xml><?xml version="1.0" encoding="utf-8"?>
+<p:sld xmlns:a="http://schemas.openxmlformats.org/drawingml/2006/main" xmlns:r="http://schemas.openxmlformats.org/officeDocument/2006/relationships" xmlns:p="http://schemas.openxmlformats.org/presentationml/2006/main">
+  <p:cSld>
+    <p:bg>
+      <p:bgPr>
+        <a:solidFill>
+          <a:schemeClr val="accent5">
+            <a:lumMod val="60000"/>
+            <a:lumOff val="40000"/>
+          </a:schemeClr>
+        </a:solidFill>
+        <a:effectLst/>
+      </p:bgPr>
+    </p:bg>
+    <p:spTree>
+      <p:nvGrpSpPr>
+        <p:cNvPr id="1" name=""/>
+        <p:cNvGrpSpPr/>
+        <p:nvPr/>
+      </p:nvGrpSpPr>
+      <p:grpSpPr>
+        <a:xfrm>
+          <a:off x="0" y="0"/>
+          <a:ext cx="0" cy="0"/>
+          <a:chOff x="0" y="0"/>
+          <a:chExt cx="0" cy="0"/>
+        </a:xfrm>
+      </p:grpSpPr>
+      <p:sp>
+        <p:nvSpPr>
+          <p:cNvPr id="3" name="Rectangle 2"/>
+          <p:cNvSpPr/>
+          <p:nvPr/>
+        </p:nvSpPr>
+        <p:spPr>
+          <a:xfrm>
+            <a:off x="0" y="0"/>
+            <a:ext cx="9144000" cy="4478149"/>
+          </a:xfrm>
+          <a:prstGeom prst="rect">
+            <a:avLst/>
+          </a:prstGeom>
+        </p:spPr>
+        <p:txBody>
+          <a:bodyPr wrap="square">
+            <a:spAutoFit/>
+          </a:bodyPr>
+          <a:lstStyle/>
+          <a:p>
+            <a:pPr algn="ctr"/>
+            <a:endParaRPr lang="en-US" sz="4000" b="1" dirty="0"/>
+          </a:p>
+          <a:p>
+            <a:pPr lvl="1"/>
+            <a:r>
+              <a:rPr lang="en-AU" sz="3500" b="1" dirty="0" smtClean="0"/>
+              <a:t>Types of collision detection</a:t>
+            </a:r>
+            <a:endParaRPr lang="en-US" sz="3500" b="1" dirty="0" smtClean="0"/>
+          </a:p>
+          <a:p>
+            <a:pPr marL="1657350" lvl="2" indent="-742950">
+              <a:buFont typeface="Arial" panose="020B0604020202020204" pitchFamily="34" charset="0"/>
+              <a:buChar char="•"/>
+            </a:pPr>
+            <a:endParaRPr lang="en-US" sz="2500" dirty="0" smtClean="0"/>
+          </a:p>
+          <a:p>
+            <a:pPr marL="1657350" lvl="2" indent="-742950">
+              <a:buFont typeface="Arial" panose="020B0604020202020204" pitchFamily="34" charset="0"/>
+              <a:buChar char="•"/>
+            </a:pPr>
+            <a:r>
+              <a:rPr lang="en-US" sz="2500" dirty="0" smtClean="0"/>
+              <a:t>Sprite to sprite</a:t>
+            </a:r>
+          </a:p>
+          <a:p>
+            <a:pPr marL="2114550" lvl="3" indent="-742950">
+              <a:buFont typeface="Arial" panose="020B0604020202020204" pitchFamily="34" charset="0"/>
+              <a:buChar char="•"/>
+            </a:pPr>
+            <a:r>
+              <a:rPr lang="en-US" sz="2000" dirty="0"/>
+              <a:t>Checking for collisions with other </a:t>
+            </a:r>
+            <a:r>
+              <a:rPr lang="en-US" sz="2000" dirty="0" smtClean="0"/>
+              <a:t>sprites</a:t>
+            </a:r>
+            <a:endParaRPr lang="en-US" sz="2500" dirty="0" smtClean="0"/>
+          </a:p>
+          <a:p>
+            <a:pPr marL="1657350" lvl="2" indent="-742950">
+              <a:buFont typeface="Arial" panose="020B0604020202020204" pitchFamily="34" charset="0"/>
+              <a:buChar char="•"/>
+            </a:pPr>
+            <a:r>
+              <a:rPr lang="en-US" sz="2500" dirty="0" smtClean="0"/>
+              <a:t>Sprite to terrain</a:t>
+            </a:r>
+          </a:p>
+          <a:p>
+            <a:pPr marL="2114550" lvl="3" indent="-742950">
+              <a:buFont typeface="Arial" panose="020B0604020202020204" pitchFamily="34" charset="0"/>
+              <a:buChar char="•"/>
+            </a:pPr>
+            <a:r>
+              <a:rPr lang="en-US" sz="2000" dirty="0" smtClean="0"/>
+              <a:t>Moving sprites (e.g. player character, NPCs) checking</a:t>
+            </a:r>
+          </a:p>
+          <a:p>
+            <a:pPr lvl="3"/>
+            <a:r>
+              <a:rPr lang="en-US" sz="2000" dirty="0"/>
+              <a:t>	</a:t>
+            </a:r>
+            <a:r>
+              <a:rPr lang="en-US" sz="2000" dirty="0" smtClean="0"/>
+              <a:t>	for collisions with objects in the tile map</a:t>
+            </a:r>
+          </a:p>
+          <a:p>
+            <a:pPr marL="2114550" lvl="3" indent="-742950">
+              <a:buFont typeface="Arial" panose="020B0604020202020204" pitchFamily="34" charset="0"/>
+              <a:buChar char="•"/>
+            </a:pPr>
+            <a:endParaRPr lang="en-US" sz="2500" dirty="0" smtClean="0"/>
+          </a:p>
+          <a:p>
+            <a:pPr marL="1657350" lvl="2" indent="-742950">
+              <a:buFont typeface="Arial" panose="020B0604020202020204" pitchFamily="34" charset="0"/>
+              <a:buChar char="•"/>
+            </a:pPr>
+            <a:endParaRPr lang="en-US" sz="2500" dirty="0" smtClean="0"/>
+          </a:p>
+          <a:p>
+            <a:pPr marL="1657350" lvl="2" indent="-742950">
+              <a:buFont typeface="Arial" panose="020B0604020202020204" pitchFamily="34" charset="0"/>
+              <a:buChar char="•"/>
+            </a:pPr>
+            <a:endParaRPr lang="en-US" sz="2500" dirty="0" smtClean="0"/>
+          </a:p>
+        </p:txBody>
+      </p:sp>
+    </p:spTree>
+    <p:extLst>
+      <p:ext uri="{BB962C8B-B14F-4D97-AF65-F5344CB8AC3E}">
+        <p14:creationId xmlns:p14="http://schemas.microsoft.com/office/powerpoint/2010/main" val="2863902091"/>
+      </p:ext>
+    </p:extLst>
+  </p:cSld>
+  <p:clrMapOvr>
+    <a:masterClrMapping/>
+  </p:clrMapOvr>
+  <p:timing>
+    <p:tnLst>
+      <p:par>
+        <p:cTn id="1" dur="indefinite" restart="never" nodeType="tmRoot"/>
+      </p:par>
+    </p:tnLst>
+  </p:timing>
+</p:sld>
+</file>
+
+<file path=ppt/slides/slide3.xml><?xml version="1.0" encoding="utf-8"?>
+<p:sld xmlns:a="http://schemas.openxmlformats.org/drawingml/2006/main" xmlns:r="http://schemas.openxmlformats.org/officeDocument/2006/relationships" xmlns:p="http://schemas.openxmlformats.org/presentationml/2006/main">
+  <p:cSld>
+    <p:bg>
+      <p:bgPr>
+        <a:solidFill>
+          <a:schemeClr val="accent5">
+            <a:lumMod val="60000"/>
+            <a:lumOff val="40000"/>
+          </a:schemeClr>
+        </a:solidFill>
+        <a:effectLst/>
+      </p:bgPr>
+    </p:bg>
+    <p:spTree>
+      <p:nvGrpSpPr>
+        <p:cNvPr id="1" name=""/>
+        <p:cNvGrpSpPr/>
+        <p:nvPr/>
+      </p:nvGrpSpPr>
+      <p:grpSpPr>
+        <a:xfrm>
+          <a:off x="0" y="0"/>
+          <a:ext cx="0" cy="0"/>
+          <a:chOff x="0" y="0"/>
+          <a:chExt cx="0" cy="0"/>
+        </a:xfrm>
+      </p:grpSpPr>
+      <p:sp>
+        <p:nvSpPr>
+          <p:cNvPr id="3" name="Rectangle 2"/>
+          <p:cNvSpPr/>
+          <p:nvPr/>
+        </p:nvSpPr>
+        <p:spPr>
+          <a:xfrm>
+            <a:off x="0" y="0"/>
+            <a:ext cx="9144000" cy="1246495"/>
+          </a:xfrm>
+          <a:prstGeom prst="rect">
+            <a:avLst/>
+          </a:prstGeom>
+        </p:spPr>
+        <p:txBody>
+          <a:bodyPr wrap="square">
+            <a:spAutoFit/>
+          </a:bodyPr>
+          <a:lstStyle/>
+          <a:p>
+            <a:pPr algn="ctr"/>
+            <a:endParaRPr lang="en-US" sz="4000" b="1" dirty="0"/>
+          </a:p>
+          <a:p>
+            <a:pPr lvl="1"/>
+            <a:r>
+              <a:rPr lang="en-NZ" sz="3500" b="1" dirty="0" smtClean="0"/>
+              <a:t>Terrain collision detection</a:t>
+            </a:r>
+            <a:endParaRPr lang="en-US" sz="2500" dirty="0" smtClean="0"/>
+          </a:p>
+        </p:txBody>
+      </p:sp>
+      <p:pic>
+        <p:nvPicPr>
+          <p:cNvPr id="4" name="Picture 2"/>
+          <p:cNvPicPr>
+            <a:picLocks noChangeAspect="1" noChangeArrowheads="1"/>
+          </p:cNvPicPr>
+          <p:nvPr/>
+        </p:nvPicPr>
+        <p:blipFill rotWithShape="1">
+          <a:blip r:embed="rId3" cstate="print">
+            <a:extLst>
+              <a:ext uri="{28A0092B-C50C-407E-A947-70E740481C1C}">
+                <a14:useLocalDpi xmlns:a14="http://schemas.microsoft.com/office/drawing/2010/main" val="0"/>
+              </a:ext>
+            </a:extLst>
+          </a:blip>
+          <a:srcRect l="2315" t="6185" r="2020" b="2786"/>
+          <a:stretch/>
+        </p:blipFill>
+        <p:spPr bwMode="auto">
+          <a:xfrm>
+            <a:off x="1524000" y="1676400"/>
+            <a:ext cx="6096000" cy="4343400"/>
+          </a:xfrm>
+          <a:prstGeom prst="rect">
+            <a:avLst/>
+          </a:prstGeom>
+          <a:noFill/>
+          <a:ln>
+            <a:noFill/>
+          </a:ln>
+          <a:extLst>
+            <a:ext uri="{909E8E84-426E-40DD-AFC4-6F175D3DCCD1}">
+              <a14:hiddenFill xmlns:a14="http://schemas.microsoft.com/office/drawing/2010/main">
+                <a:solidFill>
+                  <a:schemeClr val="accent1"/>
+                </a:solidFill>
+              </a14:hiddenFill>
+            </a:ext>
+            <a:ext uri="{91240B29-F687-4F45-9708-019B960494DF}">
+              <a14:hiddenLine xmlns:a14="http://schemas.microsoft.com/office/drawing/2010/main" w="9525">
+                <a:solidFill>
+                  <a:schemeClr val="tx1"/>
+                </a:solidFill>
+                <a:miter lim="800000"/>
+                <a:headEnd/>
+                <a:tailEnd/>
+              </a14:hiddenLine>
+            </a:ext>
+          </a:extLst>
+        </p:spPr>
+      </p:pic>
+    </p:spTree>
+    <p:extLst>
+      <p:ext uri="{BB962C8B-B14F-4D97-AF65-F5344CB8AC3E}">
+        <p14:creationId xmlns:p14="http://schemas.microsoft.com/office/powerpoint/2010/main" val="3904655588"/>
+      </p:ext>
+    </p:extLst>
+  </p:cSld>
+  <p:clrMapOvr>
+    <a:masterClrMapping/>
+  </p:clrMapOvr>
+  <p:timing>
+    <p:tnLst>
+      <p:par>
+        <p:cTn id="1" dur="indefinite" restart="never" nodeType="tmRoot">
+          <p:childTnLst>
+            <p:seq concurrent="1" nextAc="seek">
+              <p:cTn id="2" dur="indefinite" nodeType="mainSeq">
+                <p:childTnLst>
+                  <p:par>
+                    <p:cTn id="3" fill="hold">
+                      <p:stCondLst>
+                        <p:cond delay="indefinite"/>
+                      </p:stCondLst>
+                      <p:childTnLst>
+                        <p:par>
+                          <p:cTn id="4" fill="hold">
+                            <p:stCondLst>
+                              <p:cond delay="0"/>
+                            </p:stCondLst>
+                            <p:childTnLst>
+                              <p:par>
+                                <p:cTn id="5" presetID="1" presetClass="entr" presetSubtype="0" fill="hold" nodeType="clickEffect">
+                                  <p:stCondLst>
+                                    <p:cond delay="0"/>
+                                  </p:stCondLst>
+                                  <p:childTnLst>
+                                    <p:set>
+                                      <p:cBhvr>
+                                        <p:cTn id="6" dur="1" fill="hold">
+                                          <p:stCondLst>
+                                            <p:cond delay="0"/>
+                                          </p:stCondLst>
+                                        </p:cTn>
+                                        <p:tgtEl>
+                                          <p:spTgt spid="4"/>
+                                        </p:tgtEl>
+                                        <p:attrNameLst>
+                                          <p:attrName>style.visibility</p:attrName>
+                                        </p:attrNameLst>
+                                      </p:cBhvr>
+                                      <p:to>
+                                        <p:strVal val="visible"/>
+                                      </p:to>
+                                    </p:set>
+                                  </p:childTnLst>
+                                </p:cTn>
+                              </p:par>
+                            </p:childTnLst>
+                          </p:cTn>
+                        </p:par>
+                      </p:childTnLst>
+                    </p:cTn>
+                  </p:par>
+                </p:childTnLst>
+              </p:cTn>
+              <p:prevCondLst>
+                <p:cond evt="onPrev" delay="0">
+                  <p:tgtEl>
+                    <p:sldTgt/>
+                  </p:tgtEl>
+                </p:cond>
+              </p:prevCondLst>
+              <p:nextCondLst>
+                <p:cond evt="onNext" delay="0">
+                  <p:tgtEl>
+                    <p:sldTgt/>
+                  </p:tgtEl>
+                </p:cond>
+              </p:nextCondLst>
+            </p:seq>
+          </p:childTnLst>
+        </p:cTn>
+      </p:par>
+    </p:tnLst>
+  </p:timing>
+</p:sld>
+</file>
+
+<file path=ppt/slides/slide4.xml><?xml version="1.0" encoding="utf-8"?>
+<p:sld xmlns:a="http://schemas.openxmlformats.org/drawingml/2006/main" xmlns:r="http://schemas.openxmlformats.org/officeDocument/2006/relationships" xmlns:p="http://schemas.openxmlformats.org/presentationml/2006/main">
+  <p:cSld>
+    <p:bg>
+      <p:bgPr>
+        <a:solidFill>
+          <a:schemeClr val="accent5">
+            <a:lumMod val="60000"/>
+            <a:lumOff val="40000"/>
+          </a:schemeClr>
+        </a:solidFill>
+        <a:effectLst/>
+      </p:bgPr>
+    </p:bg>
+    <p:spTree>
+      <p:nvGrpSpPr>
+        <p:cNvPr id="1" name=""/>
+        <p:cNvGrpSpPr/>
+        <p:nvPr/>
+      </p:nvGrpSpPr>
+      <p:grpSpPr>
+        <a:xfrm>
+          <a:off x="0" y="0"/>
+          <a:ext cx="0" cy="0"/>
+          <a:chOff x="0" y="0"/>
+          <a:chExt cx="0" cy="0"/>
+        </a:xfrm>
+      </p:grpSpPr>
+      <p:sp>
+        <p:nvSpPr>
+          <p:cNvPr id="3" name="Rectangle 2"/>
+          <p:cNvSpPr/>
+          <p:nvPr/>
+        </p:nvSpPr>
+        <p:spPr>
+          <a:xfrm>
+            <a:off x="0" y="0"/>
+            <a:ext cx="9144000" cy="4016484"/>
+          </a:xfrm>
+          <a:prstGeom prst="rect">
+            <a:avLst/>
+          </a:prstGeom>
+        </p:spPr>
+        <p:txBody>
+          <a:bodyPr wrap="square">
+            <a:spAutoFit/>
+          </a:bodyPr>
+          <a:lstStyle/>
+          <a:p>
+            <a:pPr algn="ctr"/>
+            <a:endParaRPr lang="en-US" sz="4000" b="1" dirty="0"/>
+          </a:p>
+          <a:p>
+            <a:pPr lvl="1"/>
+            <a:r>
+              <a:rPr lang="en-NZ" sz="3500" b="1" dirty="0" smtClean="0"/>
+              <a:t>Algorithm</a:t>
+            </a:r>
+            <a:endParaRPr lang="en-US" sz="3500" b="1" dirty="0" smtClean="0"/>
+          </a:p>
+          <a:p>
+            <a:pPr marL="1657350" lvl="2" indent="-742950">
+              <a:buFont typeface="Arial" panose="020B0604020202020204" pitchFamily="34" charset="0"/>
+              <a:buChar char="•"/>
+            </a:pPr>
+            <a:endParaRPr lang="en-US" sz="2500" dirty="0" smtClean="0"/>
+          </a:p>
+          <a:p>
+            <a:pPr marL="1657350" lvl="2" indent="-742950">
+              <a:buFont typeface="Arial" panose="020B0604020202020204" pitchFamily="34" charset="0"/>
+              <a:buChar char="•"/>
+            </a:pPr>
+            <a:r>
+              <a:rPr lang="en-NZ" sz="2500" dirty="0"/>
+              <a:t>When the sprite moves:</a:t>
+            </a:r>
+          </a:p>
+          <a:p>
+            <a:pPr marL="2114550" lvl="3" indent="-742950">
+              <a:buFont typeface="Arial" panose="020B0604020202020204" pitchFamily="34" charset="0"/>
+              <a:buChar char="•"/>
+            </a:pPr>
+            <a:r>
+              <a:rPr lang="en-NZ" sz="2000" dirty="0"/>
+              <a:t>Determine what tile the sprite will move onto</a:t>
+            </a:r>
+          </a:p>
+          <a:p>
+            <a:pPr marL="2114550" lvl="3" indent="-742950">
+              <a:buFont typeface="Arial" panose="020B0604020202020204" pitchFamily="34" charset="0"/>
+              <a:buChar char="•"/>
+            </a:pPr>
+            <a:r>
+              <a:rPr lang="en-NZ" sz="2000" dirty="0"/>
+              <a:t>Determine if that tile is walkable</a:t>
+            </a:r>
+          </a:p>
+          <a:p>
+            <a:pPr marL="2114550" lvl="3" indent="-742950">
+              <a:buFont typeface="Arial" panose="020B0604020202020204" pitchFamily="34" charset="0"/>
+              <a:buChar char="•"/>
+            </a:pPr>
+            <a:r>
+              <a:rPr lang="en-NZ" sz="2000" dirty="0"/>
+              <a:t>If so, move the sprite. If not, don’t move the </a:t>
+            </a:r>
+            <a:r>
+              <a:rPr lang="en-NZ" sz="2000" dirty="0" smtClean="0"/>
+              <a:t>sprite</a:t>
+            </a:r>
+            <a:endParaRPr lang="en-NZ" sz="2000" dirty="0"/>
+          </a:p>
+          <a:p>
+            <a:pPr marL="2114550" lvl="3" indent="-742950">
+              <a:buFont typeface="Arial" panose="020B0604020202020204" pitchFamily="34" charset="0"/>
+              <a:buChar char="•"/>
+            </a:pPr>
+            <a:endParaRPr lang="en-US" sz="2000" dirty="0" smtClean="0"/>
+          </a:p>
+          <a:p>
+            <a:pPr marL="1657350" lvl="2" indent="-742950">
+              <a:buFont typeface="Arial" panose="020B0604020202020204" pitchFamily="34" charset="0"/>
+              <a:buChar char="•"/>
+            </a:pPr>
+            <a:endParaRPr lang="en-US" sz="2500" dirty="0" smtClean="0"/>
+          </a:p>
+          <a:p>
+            <a:pPr marL="1657350" lvl="2" indent="-742950">
+              <a:buFont typeface="Arial" panose="020B0604020202020204" pitchFamily="34" charset="0"/>
+              <a:buChar char="•"/>
+            </a:pPr>
+            <a:endParaRPr lang="en-US" sz="2500" dirty="0" smtClean="0"/>
+          </a:p>
+        </p:txBody>
+      </p:sp>
+    </p:spTree>
+    <p:extLst>
+      <p:ext uri="{BB962C8B-B14F-4D97-AF65-F5344CB8AC3E}">
+        <p14:creationId xmlns:p14="http://schemas.microsoft.com/office/powerpoint/2010/main" val="3390201273"/>
+      </p:ext>
+    </p:extLst>
+  </p:cSld>
+  <p:clrMapOvr>
+    <a:masterClrMapping/>
+  </p:clrMapOvr>
+  <p:timing>
+    <p:tnLst>
+      <p:par>
+        <p:cTn id="1" dur="indefinite" restart="never" nodeType="tmRoot"/>
+      </p:par>
+    </p:tnLst>
+  </p:timing>
+</p:sld>
+</file>
+
+<file path=ppt/slides/slide5.xml><?xml version="1.0" encoding="utf-8"?>
+<p:sld xmlns:a="http://schemas.openxmlformats.org/drawingml/2006/main" xmlns:r="http://schemas.openxmlformats.org/officeDocument/2006/relationships" xmlns:p="http://schemas.openxmlformats.org/presentationml/2006/main">
+  <p:cSld>
+    <p:bg>
+      <p:bgPr>
+        <a:solidFill>
+          <a:schemeClr val="accent5">
+            <a:lumMod val="60000"/>
+            <a:lumOff val="40000"/>
+          </a:schemeClr>
+        </a:solidFill>
+        <a:effectLst/>
+      </p:bgPr>
+    </p:bg>
+    <p:spTree>
+      <p:nvGrpSpPr>
+        <p:cNvPr id="1" name=""/>
+        <p:cNvGrpSpPr/>
+        <p:nvPr/>
+      </p:nvGrpSpPr>
+      <p:grpSpPr>
+        <a:xfrm>
+          <a:off x="0" y="0"/>
+          <a:ext cx="0" cy="0"/>
+          <a:chOff x="0" y="0"/>
+          <a:chExt cx="0" cy="0"/>
+        </a:xfrm>
+      </p:grpSpPr>
+      <p:sp>
+        <p:nvSpPr>
+          <p:cNvPr id="3" name="Rectangle 2"/>
+          <p:cNvSpPr/>
+          <p:nvPr/>
+        </p:nvSpPr>
+        <p:spPr>
+          <a:xfrm>
+            <a:off x="0" y="0"/>
+            <a:ext cx="9144000" cy="3170099"/>
+          </a:xfrm>
+          <a:prstGeom prst="rect">
+            <a:avLst/>
+          </a:prstGeom>
+        </p:spPr>
+        <p:txBody>
+          <a:bodyPr wrap="square">
+            <a:spAutoFit/>
+          </a:bodyPr>
+          <a:lstStyle/>
+          <a:p>
+            <a:pPr algn="ctr"/>
+            <a:endParaRPr lang="en-US" sz="4000" b="1" dirty="0"/>
+          </a:p>
+          <a:p>
+            <a:pPr lvl="1"/>
+            <a:r>
+              <a:rPr lang="en-NZ" sz="3500" b="1" dirty="0" smtClean="0"/>
+              <a:t>Problems</a:t>
+            </a:r>
+            <a:endParaRPr lang="en-US" sz="3500" b="1" dirty="0" smtClean="0"/>
+          </a:p>
+          <a:p>
+            <a:pPr marL="1657350" lvl="2" indent="-742950">
+              <a:buFont typeface="Arial" panose="020B0604020202020204" pitchFamily="34" charset="0"/>
+              <a:buChar char="•"/>
+            </a:pPr>
+            <a:endParaRPr lang="en-US" sz="2500" dirty="0" smtClean="0"/>
+          </a:p>
+          <a:p>
+            <a:pPr marL="1657350" lvl="2" indent="-742950">
+              <a:buFont typeface="Arial" panose="020B0604020202020204" pitchFamily="34" charset="0"/>
+              <a:buChar char="•"/>
+            </a:pPr>
+            <a:r>
+              <a:rPr lang="en-NZ" sz="2500" dirty="0"/>
+              <a:t>Figuring out which tile the sprite will move </a:t>
+            </a:r>
+            <a:r>
+              <a:rPr lang="en-NZ" sz="2500" dirty="0" smtClean="0"/>
+              <a:t>onto</a:t>
+            </a:r>
+            <a:endParaRPr lang="en-NZ" sz="2500" dirty="0"/>
+          </a:p>
+          <a:p>
+            <a:pPr marL="1657350" lvl="2" indent="-742950">
+              <a:buFont typeface="Arial" panose="020B0604020202020204" pitchFamily="34" charset="0"/>
+              <a:buChar char="•"/>
+            </a:pPr>
+            <a:r>
+              <a:rPr lang="en-NZ" sz="2500" dirty="0"/>
+              <a:t>Figuring out if it is walkable</a:t>
+            </a:r>
+            <a:endParaRPr lang="en-US" sz="2000" dirty="0" smtClean="0"/>
+          </a:p>
+          <a:p>
+            <a:pPr marL="1657350" lvl="2" indent="-742950">
+              <a:buFont typeface="Arial" panose="020B0604020202020204" pitchFamily="34" charset="0"/>
+              <a:buChar char="•"/>
+            </a:pPr>
+            <a:endParaRPr lang="en-US" sz="2500" dirty="0" smtClean="0"/>
+          </a:p>
+          <a:p>
+            <a:pPr marL="1657350" lvl="2" indent="-742950">
+              <a:buFont typeface="Arial" panose="020B0604020202020204" pitchFamily="34" charset="0"/>
+              <a:buChar char="•"/>
+            </a:pPr>
+            <a:endParaRPr lang="en-US" sz="2500" dirty="0" smtClean="0"/>
+          </a:p>
+        </p:txBody>
+      </p:sp>
+    </p:spTree>
+    <p:extLst>
+      <p:ext uri="{BB962C8B-B14F-4D97-AF65-F5344CB8AC3E}">
+        <p14:creationId xmlns:p14="http://schemas.microsoft.com/office/powerpoint/2010/main" val="3188765466"/>
+      </p:ext>
+    </p:extLst>
+  </p:cSld>
+  <p:clrMapOvr>
+    <a:masterClrMapping/>
+  </p:clrMapOvr>
+  <p:timing>
+    <p:tnLst>
+      <p:par>
+        <p:cTn id="1" dur="indefinite" restart="never" nodeType="tmRoot"/>
+      </p:par>
+    </p:tnLst>
+  </p:timing>
+</p:sld>
+</file>
+
+<file path=ppt/slides/slide6.xml><?xml version="1.0" encoding="utf-8"?>
+<p:sld xmlns:a="http://schemas.openxmlformats.org/drawingml/2006/main" xmlns:r="http://schemas.openxmlformats.org/officeDocument/2006/relationships" xmlns:p="http://schemas.openxmlformats.org/presentationml/2006/main">
+  <p:cSld>
+    <p:bg>
+      <p:bgPr>
+        <a:solidFill>
+          <a:schemeClr val="accent5">
+            <a:lumMod val="60000"/>
+            <a:lumOff val="40000"/>
+          </a:schemeClr>
+        </a:solidFill>
+        <a:effectLst/>
+      </p:bgPr>
+    </p:bg>
+    <p:spTree>
+      <p:nvGrpSpPr>
+        <p:cNvPr id="1" name=""/>
+        <p:cNvGrpSpPr/>
+        <p:nvPr/>
+      </p:nvGrpSpPr>
+      <p:grpSpPr>
+        <a:xfrm>
+          <a:off x="0" y="0"/>
+          <a:ext cx="0" cy="0"/>
+          <a:chOff x="0" y="0"/>
+          <a:chExt cx="0" cy="0"/>
+        </a:xfrm>
+      </p:grpSpPr>
+      <p:sp>
+        <p:nvSpPr>
+          <p:cNvPr id="3" name="Rectangle 2"/>
+          <p:cNvSpPr/>
+          <p:nvPr/>
+        </p:nvSpPr>
+        <p:spPr>
+          <a:xfrm>
+            <a:off x="0" y="0"/>
+            <a:ext cx="9144000" cy="3170099"/>
+          </a:xfrm>
+          <a:prstGeom prst="rect">
+            <a:avLst/>
+          </a:prstGeom>
+        </p:spPr>
+        <p:txBody>
+          <a:bodyPr wrap="square">
+            <a:spAutoFit/>
+          </a:bodyPr>
+          <a:lstStyle/>
+          <a:p>
+            <a:pPr algn="ctr"/>
+            <a:endParaRPr lang="en-US" sz="4000" b="1" dirty="0"/>
+          </a:p>
+          <a:p>
+            <a:pPr lvl="1"/>
+            <a:r>
+              <a:rPr lang="en-NZ" sz="3500" b="1" dirty="0" smtClean="0"/>
+              <a:t>Which tile?</a:t>
+            </a:r>
+            <a:endParaRPr lang="en-US" sz="3500" b="1" dirty="0" smtClean="0"/>
+          </a:p>
+          <a:p>
+            <a:pPr marL="1657350" lvl="2" indent="-742950">
+              <a:buFont typeface="Arial" panose="020B0604020202020204" pitchFamily="34" charset="0"/>
+              <a:buChar char="•"/>
+            </a:pPr>
+            <a:endParaRPr lang="en-US" sz="2500" dirty="0" smtClean="0"/>
+          </a:p>
+          <a:p>
+            <a:pPr marL="1657350" lvl="2" indent="-742950">
+              <a:buFont typeface="Arial" panose="020B0604020202020204" pitchFamily="34" charset="0"/>
+              <a:buChar char="•"/>
+            </a:pPr>
+            <a:r>
+              <a:rPr lang="en-NZ" sz="2500" dirty="0" smtClean="0"/>
+              <a:t>xTile = xPos / TILE_SIDE</a:t>
+            </a:r>
+          </a:p>
+          <a:p>
+            <a:pPr marL="1657350" lvl="2" indent="-742950">
+              <a:buFont typeface="Arial" panose="020B0604020202020204" pitchFamily="34" charset="0"/>
+              <a:buChar char="•"/>
+            </a:pPr>
+            <a:r>
+              <a:rPr lang="en-NZ" sz="2500" dirty="0" smtClean="0"/>
+              <a:t>yTile = yPos / TILE_SIDE</a:t>
+            </a:r>
+            <a:endParaRPr lang="en-US" sz="2000" dirty="0" smtClean="0"/>
+          </a:p>
+          <a:p>
+            <a:pPr marL="1657350" lvl="2" indent="-742950">
+              <a:buFont typeface="Arial" panose="020B0604020202020204" pitchFamily="34" charset="0"/>
+              <a:buChar char="•"/>
+            </a:pPr>
+            <a:endParaRPr lang="en-US" sz="2500" dirty="0" smtClean="0"/>
+          </a:p>
+          <a:p>
+            <a:pPr marL="1657350" lvl="2" indent="-742950">
+              <a:buFont typeface="Arial" panose="020B0604020202020204" pitchFamily="34" charset="0"/>
+              <a:buChar char="•"/>
+            </a:pPr>
+            <a:endParaRPr lang="en-US" sz="2500" dirty="0" smtClean="0"/>
+          </a:p>
+        </p:txBody>
+      </p:sp>
+      <p:grpSp>
+        <p:nvGrpSpPr>
+          <p:cNvPr id="2" name="Group 1"/>
+          <p:cNvGrpSpPr/>
+          <p:nvPr/>
+        </p:nvGrpSpPr>
+        <p:grpSpPr>
+          <a:xfrm>
+            <a:off x="1663563" y="2819400"/>
+            <a:ext cx="5816873" cy="3193443"/>
+            <a:chOff x="1547664" y="3475917"/>
+            <a:chExt cx="5816873" cy="3193443"/>
+          </a:xfrm>
+        </p:grpSpPr>
+        <p:pic>
+          <p:nvPicPr>
+            <p:cNvPr id="4" name="Picture 3"/>
+            <p:cNvPicPr>
+              <a:picLocks noChangeAspect="1" noChangeArrowheads="1"/>
+            </p:cNvPicPr>
+            <p:nvPr/>
+          </p:nvPicPr>
+          <p:blipFill>
+            <a:blip r:embed="rId3" cstate="print">
+              <a:extLst>
+                <a:ext uri="{28A0092B-C50C-407E-A947-70E740481C1C}">
+                  <a14:useLocalDpi xmlns:a14="http://schemas.microsoft.com/office/drawing/2010/main" val="0"/>
+                </a:ext>
+              </a:extLst>
+            </a:blip>
+            <a:srcRect/>
+            <a:stretch>
+              <a:fillRect/>
+            </a:stretch>
+          </p:blipFill>
+          <p:spPr bwMode="auto">
+            <a:xfrm>
+              <a:off x="3707904" y="4181475"/>
+              <a:ext cx="1581150" cy="1504950"/>
+            </a:xfrm>
+            <a:prstGeom prst="rect">
+              <a:avLst/>
+            </a:prstGeom>
+            <a:noFill/>
+            <a:ln>
+              <a:noFill/>
+            </a:ln>
+            <a:extLst>
+              <a:ext uri="{909E8E84-426E-40DD-AFC4-6F175D3DCCD1}">
+                <a14:hiddenFill xmlns:a14="http://schemas.microsoft.com/office/drawing/2010/main">
+                  <a:solidFill>
+                    <a:schemeClr val="accent1"/>
+                  </a:solidFill>
+                </a14:hiddenFill>
+              </a:ext>
+              <a:ext uri="{91240B29-F687-4F45-9708-019B960494DF}">
+                <a14:hiddenLine xmlns:a14="http://schemas.microsoft.com/office/drawing/2010/main" w="9525">
+                  <a:solidFill>
+                    <a:schemeClr val="tx1"/>
+                  </a:solidFill>
+                  <a:miter lim="800000"/>
+                  <a:headEnd/>
+                  <a:tailEnd/>
+                </a14:hiddenLine>
+              </a:ext>
+            </a:extLst>
+          </p:spPr>
+        </p:pic>
+        <p:sp>
+          <p:nvSpPr>
+            <p:cNvPr id="5" name="TextBox 4"/>
+            <p:cNvSpPr txBox="1"/>
+            <p:nvPr/>
+          </p:nvSpPr>
+          <p:spPr>
+            <a:xfrm>
+              <a:off x="1547664" y="3475917"/>
+              <a:ext cx="1492716" cy="369332"/>
+            </a:xfrm>
+            <a:prstGeom prst="rect">
+              <a:avLst/>
+            </a:prstGeom>
+            <a:noFill/>
+          </p:spPr>
+          <p:txBody>
+            <a:bodyPr wrap="none" rtlCol="0">
+              <a:spAutoFit/>
+            </a:bodyPr>
+            <a:lstStyle/>
+            <a:p>
+              <a:r>
+                <a:rPr lang="en-AU" dirty="0" smtClean="0"/>
+                <a:t>(</a:t>
+              </a:r>
+              <a:r>
+                <a:rPr lang="en-AU" dirty="0" err="1" smtClean="0"/>
+                <a:t>xPos</a:t>
+              </a:r>
+              <a:r>
+                <a:rPr lang="en-AU" dirty="0" smtClean="0"/>
+                <a:t>, </a:t>
+              </a:r>
+              <a:r>
+                <a:rPr lang="en-AU" dirty="0" err="1" smtClean="0"/>
+                <a:t>yPos</a:t>
+              </a:r>
+              <a:r>
+                <a:rPr lang="en-AU" dirty="0" smtClean="0"/>
+                <a:t>)</a:t>
+              </a:r>
+              <a:endParaRPr lang="en-NZ" dirty="0"/>
+            </a:p>
+          </p:txBody>
+        </p:sp>
+        <p:cxnSp>
+          <p:nvCxnSpPr>
+            <p:cNvPr id="6" name="Straight Arrow Connector 5"/>
+            <p:cNvCxnSpPr/>
+            <p:nvPr/>
+          </p:nvCxnSpPr>
+          <p:spPr>
+            <a:xfrm>
+              <a:off x="2915816" y="3829690"/>
+              <a:ext cx="792088" cy="351785"/>
+            </a:xfrm>
+            <a:prstGeom prst="straightConnector1">
+              <a:avLst/>
+            </a:prstGeom>
+            <a:ln w="28575">
+              <a:solidFill>
+                <a:srgbClr val="FF0000"/>
+              </a:solidFill>
+              <a:tailEnd type="arrow"/>
+            </a:ln>
+          </p:spPr>
+          <p:style>
+            <a:lnRef idx="1">
+              <a:schemeClr val="accent1"/>
+            </a:lnRef>
+            <a:fillRef idx="0">
+              <a:schemeClr val="accent1"/>
+            </a:fillRef>
+            <a:effectRef idx="0">
+              <a:schemeClr val="accent1"/>
+            </a:effectRef>
+            <a:fontRef idx="minor">
+              <a:schemeClr val="tx1"/>
+            </a:fontRef>
+          </p:style>
+        </p:cxnSp>
+        <p:pic>
+          <p:nvPicPr>
+            <p:cNvPr id="7" name="Picture 5"/>
+            <p:cNvPicPr>
+              <a:picLocks noChangeAspect="1" noChangeArrowheads="1"/>
+            </p:cNvPicPr>
+            <p:nvPr/>
+          </p:nvPicPr>
+          <p:blipFill>
+            <a:blip r:embed="rId4" cstate="print">
+              <a:extLst>
+                <a:ext uri="{28A0092B-C50C-407E-A947-70E740481C1C}">
+                  <a14:useLocalDpi xmlns:a14="http://schemas.microsoft.com/office/drawing/2010/main" val="0"/>
+                </a:ext>
+              </a:extLst>
+            </a:blip>
+            <a:srcRect/>
+            <a:stretch>
+              <a:fillRect/>
+            </a:stretch>
+          </p:blipFill>
+          <p:spPr bwMode="auto">
+            <a:xfrm>
+              <a:off x="5361062" y="4181475"/>
+              <a:ext cx="1515194" cy="1515194"/>
+            </a:xfrm>
+            <a:prstGeom prst="rect">
+              <a:avLst/>
+            </a:prstGeom>
+            <a:noFill/>
+            <a:ln>
+              <a:noFill/>
+            </a:ln>
+            <a:extLst>
+              <a:ext uri="{909E8E84-426E-40DD-AFC4-6F175D3DCCD1}">
+                <a14:hiddenFill xmlns:a14="http://schemas.microsoft.com/office/drawing/2010/main">
+                  <a:solidFill>
+                    <a:schemeClr val="accent1"/>
+                  </a:solidFill>
+                </a14:hiddenFill>
+              </a:ext>
+              <a:ext uri="{91240B29-F687-4F45-9708-019B960494DF}">
+                <a14:hiddenLine xmlns:a14="http://schemas.microsoft.com/office/drawing/2010/main" w="9525">
+                  <a:solidFill>
+                    <a:schemeClr val="tx1"/>
+                  </a:solidFill>
+                  <a:miter lim="800000"/>
+                  <a:headEnd/>
+                  <a:tailEnd/>
+                </a14:hiddenLine>
+              </a:ext>
+            </a:extLst>
+          </p:spPr>
+        </p:pic>
+        <p:sp>
+          <p:nvSpPr>
+            <p:cNvPr id="8" name="TextBox 7"/>
+            <p:cNvSpPr txBox="1"/>
+            <p:nvPr/>
+          </p:nvSpPr>
+          <p:spPr>
+            <a:xfrm>
+              <a:off x="5743580" y="6300028"/>
+              <a:ext cx="1620957" cy="369332"/>
+            </a:xfrm>
+            <a:prstGeom prst="rect">
+              <a:avLst/>
+            </a:prstGeom>
+            <a:noFill/>
+          </p:spPr>
+          <p:txBody>
+            <a:bodyPr wrap="none" rtlCol="0">
+              <a:spAutoFit/>
+            </a:bodyPr>
+            <a:lstStyle/>
+            <a:p>
+              <a:r>
+                <a:rPr lang="en-AU" dirty="0" smtClean="0"/>
+                <a:t>Collision point</a:t>
+              </a:r>
+              <a:endParaRPr lang="en-NZ" dirty="0"/>
+            </a:p>
+          </p:txBody>
+        </p:sp>
+        <p:cxnSp>
+          <p:nvCxnSpPr>
+            <p:cNvPr id="9" name="Straight Arrow Connector 8"/>
+            <p:cNvCxnSpPr>
+              <a:stCxn id="8" idx="1"/>
+            </p:cNvCxnSpPr>
+            <p:nvPr/>
+          </p:nvCxnSpPr>
+          <p:spPr>
+            <a:xfrm flipH="1" flipV="1">
+              <a:off x="5289054" y="5696669"/>
+              <a:ext cx="454526" cy="788025"/>
+            </a:xfrm>
+            <a:prstGeom prst="straightConnector1">
+              <a:avLst/>
+            </a:prstGeom>
+            <a:ln w="28575">
+              <a:solidFill>
+                <a:srgbClr val="FF0000"/>
+              </a:solidFill>
+              <a:tailEnd type="arrow"/>
+            </a:ln>
+          </p:spPr>
+          <p:style>
+            <a:lnRef idx="1">
+              <a:schemeClr val="accent1"/>
+            </a:lnRef>
+            <a:fillRef idx="0">
+              <a:schemeClr val="accent1"/>
+            </a:fillRef>
+            <a:effectRef idx="0">
+              <a:schemeClr val="accent1"/>
+            </a:effectRef>
+            <a:fontRef idx="minor">
+              <a:schemeClr val="tx1"/>
+            </a:fontRef>
+          </p:style>
+        </p:cxnSp>
+      </p:grpSp>
+    </p:spTree>
+    <p:extLst>
+      <p:ext uri="{BB962C8B-B14F-4D97-AF65-F5344CB8AC3E}">
+        <p14:creationId xmlns:p14="http://schemas.microsoft.com/office/powerpoint/2010/main" val="2192671203"/>
+      </p:ext>
+    </p:extLst>
+  </p:cSld>
+  <p:clrMapOvr>
+    <a:masterClrMapping/>
+  </p:clrMapOvr>
+  <p:timing>
+    <p:tnLst>
+      <p:par>
+        <p:cTn id="1" dur="indefinite" restart="never" nodeType="tmRoot"/>
+      </p:par>
+    </p:tnLst>
+  </p:timing>
+</p:sld>
+</file>
+
+<file path=ppt/slides/slide7.xml><?xml version="1.0" encoding="utf-8"?>
+<p:sld xmlns:a="http://schemas.openxmlformats.org/drawingml/2006/main" xmlns:r="http://schemas.openxmlformats.org/officeDocument/2006/relationships" xmlns:p="http://schemas.openxmlformats.org/presentationml/2006/main">
+  <p:cSld>
+    <p:bg>
+      <p:bgPr>
+        <a:solidFill>
+          <a:schemeClr val="accent5">
+            <a:lumMod val="60000"/>
+            <a:lumOff val="40000"/>
+          </a:schemeClr>
+        </a:solidFill>
+        <a:effectLst/>
+      </p:bgPr>
+    </p:bg>
+    <p:spTree>
+      <p:nvGrpSpPr>
+        <p:cNvPr id="1" name=""/>
+        <p:cNvGrpSpPr/>
+        <p:nvPr/>
+      </p:nvGrpSpPr>
+      <p:grpSpPr>
+        <a:xfrm>
+          <a:off x="0" y="0"/>
+          <a:ext cx="0" cy="0"/>
+          <a:chOff x="0" y="0"/>
+          <a:chExt cx="0" cy="0"/>
+        </a:xfrm>
+      </p:grpSpPr>
+      <p:sp>
+        <p:nvSpPr>
+          <p:cNvPr id="3" name="Rectangle 2"/>
+          <p:cNvSpPr/>
+          <p:nvPr/>
+        </p:nvSpPr>
+        <p:spPr>
+          <a:xfrm>
+            <a:off x="0" y="0"/>
+            <a:ext cx="9144000" cy="1631216"/>
+          </a:xfrm>
+          <a:prstGeom prst="rect">
+            <a:avLst/>
+          </a:prstGeom>
+        </p:spPr>
+        <p:txBody>
+          <a:bodyPr wrap="square">
+            <a:spAutoFit/>
+          </a:bodyPr>
+          <a:lstStyle/>
+          <a:p>
+            <a:pPr algn="ctr"/>
+            <a:endParaRPr lang="en-US" sz="4000" b="1" dirty="0"/>
+          </a:p>
+          <a:p>
+            <a:pPr lvl="1"/>
+            <a:r>
+              <a:rPr lang="en-NZ" sz="3500" b="1" dirty="0" smtClean="0"/>
+              <a:t>Which</a:t>
+            </a:r>
+            <a:r>
+              <a:rPr lang="en-NZ" sz="3500" b="1" dirty="0" smtClean="0"/>
+              <a:t> tile?</a:t>
+            </a:r>
+            <a:endParaRPr lang="en-US" sz="2500" dirty="0" smtClean="0"/>
+          </a:p>
+          <a:p>
+            <a:pPr lvl="2"/>
+            <a:endParaRPr lang="en-US" sz="2500" dirty="0" smtClean="0"/>
+          </a:p>
+        </p:txBody>
+      </p:sp>
+      <p:graphicFrame>
+        <p:nvGraphicFramePr>
+          <p:cNvPr id="10" name="Content Placeholder 3"/>
+          <p:cNvGraphicFramePr>
+            <a:graphicFrameLocks/>
+          </p:cNvGraphicFramePr>
+          <p:nvPr>
+            <p:extLst>
+              <p:ext uri="{D42A27DB-BD31-4B8C-83A1-F6EECF244321}">
+                <p14:modId xmlns:p14="http://schemas.microsoft.com/office/powerpoint/2010/main" val="532150320"/>
+              </p:ext>
+            </p:extLst>
+          </p:nvPr>
+        </p:nvGraphicFramePr>
+        <p:xfrm>
+          <a:off x="1778109" y="3276600"/>
+          <a:ext cx="5486400" cy="1854200"/>
+        </p:xfrm>
+        <a:graphic>
+          <a:graphicData uri="http://schemas.openxmlformats.org/drawingml/2006/table">
+            <a:tbl>
+              <a:tblPr firstRow="1" bandRow="1">
+                <a:tableStyleId>{5C22544A-7EE6-4342-B048-85BDC9FD1C3A}</a:tableStyleId>
+              </a:tblPr>
+              <a:tblGrid>
+                <a:gridCol w="2743200">
+                  <a:extLst>
+                    <a:ext uri="{9D8B030D-6E8A-4147-A177-3AD203B41FA5}">
+                      <a16:colId xmlns:a16="http://schemas.microsoft.com/office/drawing/2014/main" val="20000"/>
+                    </a:ext>
+                  </a:extLst>
+                </a:gridCol>
+                <a:gridCol w="2743200">
+                  <a:extLst>
+                    <a:ext uri="{9D8B030D-6E8A-4147-A177-3AD203B41FA5}">
+                      <a16:colId xmlns:a16="http://schemas.microsoft.com/office/drawing/2014/main" val="20001"/>
+                    </a:ext>
+                  </a:extLst>
+                </a:gridCol>
+              </a:tblGrid>
+              <a:tr h="370840">
+                <a:tc>
+                  <a:txBody>
+                    <a:bodyPr/>
+                    <a:lstStyle/>
+                    <a:p>
+                      <a:pPr algn="ctr"/>
+                      <a:r>
+                        <a:rPr lang="en-NZ" dirty="0" smtClean="0"/>
+                        <a:t>If the </a:t>
+                      </a:r>
+                      <a:r>
+                        <a:rPr lang="en-NZ" dirty="0" err="1" smtClean="0"/>
+                        <a:t>SpriteDirection</a:t>
+                      </a:r>
+                      <a:r>
+                        <a:rPr lang="en-NZ" baseline="0" dirty="0" smtClean="0"/>
+                        <a:t> is...</a:t>
+                      </a:r>
+                      <a:endParaRPr lang="en-NZ" dirty="0"/>
+                    </a:p>
+                  </a:txBody>
+                  <a:tcPr/>
+                </a:tc>
+                <a:tc>
+                  <a:txBody>
+                    <a:bodyPr/>
+                    <a:lstStyle/>
+                    <a:p>
+                      <a:pPr algn="ctr"/>
+                      <a:r>
+                        <a:rPr lang="en-NZ" dirty="0" smtClean="0"/>
+                        <a:t>Look at this corner</a:t>
+                      </a:r>
+                      <a:endParaRPr lang="en-NZ" dirty="0"/>
+                    </a:p>
+                  </a:txBody>
+                  <a:tcPr/>
+                </a:tc>
+                <a:extLst>
+                  <a:ext uri="{0D108BD9-81ED-4DB2-BD59-A6C34878D82A}">
+                    <a16:rowId xmlns:a16="http://schemas.microsoft.com/office/drawing/2014/main" val="10000"/>
+                  </a:ext>
+                </a:extLst>
+              </a:tr>
+              <a:tr h="370840">
+                <a:tc>
+                  <a:txBody>
+                    <a:bodyPr/>
+                    <a:lstStyle/>
+                    <a:p>
+                      <a:r>
+                        <a:rPr lang="en-NZ" dirty="0" smtClean="0"/>
+                        <a:t>North</a:t>
+                      </a:r>
+                      <a:endParaRPr lang="en-NZ" dirty="0"/>
+                    </a:p>
+                  </a:txBody>
+                  <a:tcPr/>
+                </a:tc>
+                <a:tc>
+                  <a:txBody>
+                    <a:bodyPr/>
+                    <a:lstStyle/>
+                    <a:p>
+                      <a:r>
+                        <a:rPr lang="en-NZ" dirty="0" smtClean="0"/>
+                        <a:t>Upper left</a:t>
+                      </a:r>
+                      <a:endParaRPr lang="en-NZ" dirty="0"/>
+                    </a:p>
+                  </a:txBody>
+                  <a:tcPr/>
+                </a:tc>
+                <a:extLst>
+                  <a:ext uri="{0D108BD9-81ED-4DB2-BD59-A6C34878D82A}">
+                    <a16:rowId xmlns:a16="http://schemas.microsoft.com/office/drawing/2014/main" val="10001"/>
+                  </a:ext>
+                </a:extLst>
+              </a:tr>
+              <a:tr h="370840">
+                <a:tc>
+                  <a:txBody>
+                    <a:bodyPr/>
+                    <a:lstStyle/>
+                    <a:p>
+                      <a:r>
+                        <a:rPr lang="en-NZ" dirty="0" smtClean="0"/>
+                        <a:t>East</a:t>
+                      </a:r>
+                      <a:endParaRPr lang="en-NZ" dirty="0"/>
+                    </a:p>
+                  </a:txBody>
+                  <a:tcPr/>
+                </a:tc>
+                <a:tc>
+                  <a:txBody>
+                    <a:bodyPr/>
+                    <a:lstStyle/>
+                    <a:p>
+                      <a:r>
+                        <a:rPr lang="en-NZ" dirty="0" smtClean="0"/>
+                        <a:t>Lower right</a:t>
+                      </a:r>
+                      <a:endParaRPr lang="en-NZ" dirty="0"/>
+                    </a:p>
+                  </a:txBody>
+                  <a:tcPr/>
+                </a:tc>
+                <a:extLst>
+                  <a:ext uri="{0D108BD9-81ED-4DB2-BD59-A6C34878D82A}">
+                    <a16:rowId xmlns:a16="http://schemas.microsoft.com/office/drawing/2014/main" val="10002"/>
+                  </a:ext>
+                </a:extLst>
+              </a:tr>
+              <a:tr h="370840">
+                <a:tc>
+                  <a:txBody>
+                    <a:bodyPr/>
+                    <a:lstStyle/>
+                    <a:p>
+                      <a:r>
+                        <a:rPr lang="en-NZ" dirty="0" smtClean="0"/>
+                        <a:t>South</a:t>
+                      </a:r>
+                      <a:endParaRPr lang="en-NZ" dirty="0"/>
+                    </a:p>
+                  </a:txBody>
+                  <a:tcPr/>
+                </a:tc>
+                <a:tc>
+                  <a:txBody>
+                    <a:bodyPr/>
+                    <a:lstStyle/>
+                    <a:p>
+                      <a:r>
+                        <a:rPr lang="en-NZ" dirty="0" smtClean="0"/>
+                        <a:t>Lower left</a:t>
+                      </a:r>
+                      <a:endParaRPr lang="en-NZ" dirty="0"/>
+                    </a:p>
+                  </a:txBody>
+                  <a:tcPr/>
+                </a:tc>
+                <a:extLst>
+                  <a:ext uri="{0D108BD9-81ED-4DB2-BD59-A6C34878D82A}">
+                    <a16:rowId xmlns:a16="http://schemas.microsoft.com/office/drawing/2014/main" val="10003"/>
+                  </a:ext>
+                </a:extLst>
+              </a:tr>
+              <a:tr h="370840">
+                <a:tc>
+                  <a:txBody>
+                    <a:bodyPr/>
+                    <a:lstStyle/>
+                    <a:p>
+                      <a:r>
+                        <a:rPr lang="en-NZ" dirty="0" smtClean="0"/>
+                        <a:t>West</a:t>
+                      </a:r>
+                      <a:endParaRPr lang="en-NZ" dirty="0"/>
+                    </a:p>
+                  </a:txBody>
+                  <a:tcPr/>
+                </a:tc>
+                <a:tc>
+                  <a:txBody>
+                    <a:bodyPr/>
+                    <a:lstStyle/>
+                    <a:p>
+                      <a:r>
+                        <a:rPr lang="en-NZ" dirty="0" smtClean="0"/>
+                        <a:t>Lower Left</a:t>
+                      </a:r>
+                      <a:endParaRPr lang="en-NZ" dirty="0"/>
+                    </a:p>
+                  </a:txBody>
+                  <a:tcPr/>
+                </a:tc>
+                <a:extLst>
+                  <a:ext uri="{0D108BD9-81ED-4DB2-BD59-A6C34878D82A}">
+                    <a16:rowId xmlns:a16="http://schemas.microsoft.com/office/drawing/2014/main" val="10004"/>
+                  </a:ext>
+                </a:extLst>
+              </a:tr>
+            </a:tbl>
+          </a:graphicData>
+        </a:graphic>
+      </p:graphicFrame>
+      <p:pic>
+        <p:nvPicPr>
+          <p:cNvPr id="11" name="Picture 6"/>
+          <p:cNvPicPr>
+            <a:picLocks noChangeAspect="1" noChangeArrowheads="1"/>
+          </p:cNvPicPr>
+          <p:nvPr/>
+        </p:nvPicPr>
+        <p:blipFill>
+          <a:blip r:embed="rId3" cstate="print"/>
+          <a:srcRect/>
+          <a:stretch>
+            <a:fillRect/>
+          </a:stretch>
+        </p:blipFill>
+        <p:spPr bwMode="auto">
+          <a:xfrm>
+            <a:off x="3223617" y="1700808"/>
+            <a:ext cx="812800" cy="800100"/>
+          </a:xfrm>
+          <a:prstGeom prst="rect">
+            <a:avLst/>
+          </a:prstGeom>
+          <a:noFill/>
+          <a:ln w="9525">
+            <a:noFill/>
+            <a:miter lim="800000"/>
+            <a:headEnd/>
+            <a:tailEnd/>
+          </a:ln>
+        </p:spPr>
+      </p:pic>
+      <p:pic>
+        <p:nvPicPr>
+          <p:cNvPr id="12" name="Picture 7"/>
+          <p:cNvPicPr>
+            <a:picLocks noChangeAspect="1" noChangeArrowheads="1"/>
+          </p:cNvPicPr>
+          <p:nvPr/>
+        </p:nvPicPr>
+        <p:blipFill>
+          <a:blip r:embed="rId4" cstate="print"/>
+          <a:srcRect/>
+          <a:stretch>
+            <a:fillRect/>
+          </a:stretch>
+        </p:blipFill>
+        <p:spPr bwMode="auto">
+          <a:xfrm>
+            <a:off x="1403648" y="1700808"/>
+            <a:ext cx="800100" cy="787400"/>
+          </a:xfrm>
+          <a:prstGeom prst="rect">
+            <a:avLst/>
+          </a:prstGeom>
+          <a:noFill/>
+          <a:ln w="9525">
+            <a:noFill/>
+            <a:miter lim="800000"/>
+            <a:headEnd/>
+            <a:tailEnd/>
+          </a:ln>
+        </p:spPr>
+      </p:pic>
+      <p:pic>
+        <p:nvPicPr>
+          <p:cNvPr id="13" name="Picture 8"/>
+          <p:cNvPicPr>
+            <a:picLocks noChangeAspect="1" noChangeArrowheads="1"/>
+          </p:cNvPicPr>
+          <p:nvPr/>
+        </p:nvPicPr>
+        <p:blipFill>
+          <a:blip r:embed="rId5" cstate="print"/>
+          <a:srcRect/>
+          <a:stretch>
+            <a:fillRect/>
+          </a:stretch>
+        </p:blipFill>
+        <p:spPr bwMode="auto">
+          <a:xfrm>
+            <a:off x="5056286" y="1700808"/>
+            <a:ext cx="800100" cy="800100"/>
+          </a:xfrm>
+          <a:prstGeom prst="rect">
+            <a:avLst/>
+          </a:prstGeom>
+          <a:noFill/>
+          <a:ln w="9525">
+            <a:noFill/>
+            <a:miter lim="800000"/>
+            <a:headEnd/>
+            <a:tailEnd/>
+          </a:ln>
+        </p:spPr>
+      </p:pic>
+      <p:pic>
+        <p:nvPicPr>
+          <p:cNvPr id="14" name="Picture 9"/>
+          <p:cNvPicPr>
+            <a:picLocks noChangeAspect="1" noChangeArrowheads="1"/>
+          </p:cNvPicPr>
+          <p:nvPr/>
+        </p:nvPicPr>
+        <p:blipFill>
+          <a:blip r:embed="rId6" cstate="print"/>
+          <a:srcRect/>
+          <a:stretch>
+            <a:fillRect/>
+          </a:stretch>
+        </p:blipFill>
+        <p:spPr bwMode="auto">
+          <a:xfrm>
+            <a:off x="6876256" y="1700808"/>
+            <a:ext cx="825500" cy="812800"/>
+          </a:xfrm>
+          <a:prstGeom prst="rect">
+            <a:avLst/>
+          </a:prstGeom>
+          <a:noFill/>
+          <a:ln w="9525">
+            <a:noFill/>
+            <a:miter lim="800000"/>
+            <a:headEnd/>
+            <a:tailEnd/>
+          </a:ln>
+        </p:spPr>
+      </p:pic>
+      <p:sp>
+        <p:nvSpPr>
+          <p:cNvPr id="15" name="TextBox 14"/>
+          <p:cNvSpPr txBox="1"/>
+          <p:nvPr/>
+        </p:nvSpPr>
+        <p:spPr>
+          <a:xfrm>
+            <a:off x="1403648" y="2564904"/>
+            <a:ext cx="748923" cy="369332"/>
+          </a:xfrm>
+          <a:prstGeom prst="rect">
+            <a:avLst/>
+          </a:prstGeom>
+          <a:noFill/>
+        </p:spPr>
+        <p:txBody>
+          <a:bodyPr wrap="none" rtlCol="0">
+            <a:spAutoFit/>
+          </a:bodyPr>
+          <a:lstStyle/>
+          <a:p>
+            <a:r>
+              <a:rPr lang="en-NZ" dirty="0" smtClean="0"/>
+              <a:t>North</a:t>
+            </a:r>
+            <a:endParaRPr lang="en-NZ" dirty="0"/>
+          </a:p>
+        </p:txBody>
+      </p:sp>
+      <p:sp>
+        <p:nvSpPr>
+          <p:cNvPr id="16" name="TextBox 15"/>
+          <p:cNvSpPr txBox="1"/>
+          <p:nvPr/>
+        </p:nvSpPr>
+        <p:spPr>
+          <a:xfrm>
+            <a:off x="3275856" y="2564904"/>
+            <a:ext cx="646331" cy="369332"/>
+          </a:xfrm>
+          <a:prstGeom prst="rect">
+            <a:avLst/>
+          </a:prstGeom>
+          <a:noFill/>
+        </p:spPr>
+        <p:txBody>
+          <a:bodyPr wrap="none" rtlCol="0">
+            <a:spAutoFit/>
+          </a:bodyPr>
+          <a:lstStyle/>
+          <a:p>
+            <a:r>
+              <a:rPr lang="en-NZ" dirty="0" smtClean="0"/>
+              <a:t>East</a:t>
+            </a:r>
+            <a:endParaRPr lang="en-NZ" dirty="0"/>
+          </a:p>
+        </p:txBody>
+      </p:sp>
+      <p:sp>
+        <p:nvSpPr>
+          <p:cNvPr id="17" name="TextBox 16"/>
+          <p:cNvSpPr txBox="1"/>
+          <p:nvPr/>
+        </p:nvSpPr>
+        <p:spPr>
+          <a:xfrm>
+            <a:off x="5076056" y="2564904"/>
+            <a:ext cx="787395" cy="369332"/>
+          </a:xfrm>
+          <a:prstGeom prst="rect">
+            <a:avLst/>
+          </a:prstGeom>
+          <a:noFill/>
+        </p:spPr>
+        <p:txBody>
+          <a:bodyPr wrap="none" rtlCol="0">
+            <a:spAutoFit/>
+          </a:bodyPr>
+          <a:lstStyle/>
+          <a:p>
+            <a:r>
+              <a:rPr lang="en-NZ" dirty="0" smtClean="0"/>
+              <a:t>South</a:t>
+            </a:r>
+            <a:endParaRPr lang="en-NZ" dirty="0"/>
+          </a:p>
+        </p:txBody>
+      </p:sp>
+      <p:sp>
+        <p:nvSpPr>
+          <p:cNvPr id="18" name="TextBox 17"/>
+          <p:cNvSpPr txBox="1"/>
+          <p:nvPr/>
+        </p:nvSpPr>
+        <p:spPr>
+          <a:xfrm>
+            <a:off x="6948264" y="2564904"/>
+            <a:ext cx="706284" cy="369332"/>
+          </a:xfrm>
+          <a:prstGeom prst="rect">
+            <a:avLst/>
+          </a:prstGeom>
+          <a:noFill/>
+        </p:spPr>
+        <p:txBody>
+          <a:bodyPr wrap="none" rtlCol="0">
+            <a:spAutoFit/>
+          </a:bodyPr>
+          <a:lstStyle/>
+          <a:p>
+            <a:r>
+              <a:rPr lang="en-NZ" dirty="0" smtClean="0"/>
+              <a:t>West</a:t>
+            </a:r>
+            <a:endParaRPr lang="en-NZ" dirty="0"/>
+          </a:p>
+        </p:txBody>
+      </p:sp>
+    </p:spTree>
+    <p:extLst>
+      <p:ext uri="{BB962C8B-B14F-4D97-AF65-F5344CB8AC3E}">
+        <p14:creationId xmlns:p14="http://schemas.microsoft.com/office/powerpoint/2010/main" val="3787884471"/>
+      </p:ext>
+    </p:extLst>
+  </p:cSld>
+  <p:clrMapOvr>
+    <a:masterClrMapping/>
+  </p:clrMapOvr>
+  <p:timing>
+    <p:tnLst>
+      <p:par>
+        <p:cTn id="1" dur="indefinite" restart="never" nodeType="tmRoot">
+          <p:childTnLst>
+            <p:seq concurrent="1" nextAc="seek">
+              <p:cTn id="2" dur="indefinite" nodeType="mainSeq">
+                <p:childTnLst>
+                  <p:par>
+                    <p:cTn id="3" fill="hold">
+                      <p:stCondLst>
+                        <p:cond delay="indefinite"/>
+                      </p:stCondLst>
+                      <p:childTnLst>
+                        <p:par>
+                          <p:cTn id="4" fill="hold">
+                            <p:stCondLst>
+                              <p:cond delay="0"/>
+                            </p:stCondLst>
+                            <p:childTnLst>
+                              <p:par>
+                                <p:cTn id="5" presetID="1" presetClass="entr" presetSubtype="0" fill="hold" nodeType="clickEffect">
+                                  <p:stCondLst>
+                                    <p:cond delay="0"/>
+                                  </p:stCondLst>
+                                  <p:childTnLst>
+                                    <p:set>
+                                      <p:cBhvr>
+                                        <p:cTn id="6" dur="1" fill="hold">
+                                          <p:stCondLst>
+                                            <p:cond delay="0"/>
+                                          </p:stCondLst>
+                                        </p:cTn>
+                                        <p:tgtEl>
+                                          <p:spTgt spid="11"/>
+                                        </p:tgtEl>
+                                        <p:attrNameLst>
+                                          <p:attrName>style.visibility</p:attrName>
+                                        </p:attrNameLst>
+                                      </p:cBhvr>
+                                      <p:to>
+                                        <p:strVal val="visible"/>
+                                      </p:to>
+                                    </p:set>
+                                  </p:childTnLst>
+                                </p:cTn>
+                              </p:par>
+                              <p:par>
+                                <p:cTn id="7" presetID="1" presetClass="entr" presetSubtype="0" fill="hold" nodeType="withEffect">
+                                  <p:stCondLst>
+                                    <p:cond delay="0"/>
+                                  </p:stCondLst>
+                                  <p:childTnLst>
+                                    <p:set>
+                                      <p:cBhvr>
+                                        <p:cTn id="8" dur="1" fill="hold">
+                                          <p:stCondLst>
+                                            <p:cond delay="0"/>
+                                          </p:stCondLst>
+                                        </p:cTn>
+                                        <p:tgtEl>
+                                          <p:spTgt spid="12"/>
+                                        </p:tgtEl>
+                                        <p:attrNameLst>
+                                          <p:attrName>style.visibility</p:attrName>
+                                        </p:attrNameLst>
+                                      </p:cBhvr>
+                                      <p:to>
+                                        <p:strVal val="visible"/>
+                                      </p:to>
+                                    </p:set>
+                                  </p:childTnLst>
+                                </p:cTn>
+                              </p:par>
+                              <p:par>
+                                <p:cTn id="9" presetID="1" presetClass="entr" presetSubtype="0" fill="hold" nodeType="withEffect">
+                                  <p:stCondLst>
+                                    <p:cond delay="0"/>
+                                  </p:stCondLst>
+                                  <p:childTnLst>
+                                    <p:set>
+                                      <p:cBhvr>
+                                        <p:cTn id="10" dur="1" fill="hold">
+                                          <p:stCondLst>
+                                            <p:cond delay="0"/>
+                                          </p:stCondLst>
+                                        </p:cTn>
+                                        <p:tgtEl>
+                                          <p:spTgt spid="13"/>
+                                        </p:tgtEl>
+                                        <p:attrNameLst>
+                                          <p:attrName>style.visibility</p:attrName>
+                                        </p:attrNameLst>
+                                      </p:cBhvr>
+                                      <p:to>
+                                        <p:strVal val="visible"/>
+                                      </p:to>
+                                    </p:set>
+                                  </p:childTnLst>
+                                </p:cTn>
+                              </p:par>
+                              <p:par>
+                                <p:cTn id="11" presetID="1" presetClass="entr" presetSubtype="0" fill="hold" nodeType="withEffect">
+                                  <p:stCondLst>
+                                    <p:cond delay="0"/>
+                                  </p:stCondLst>
+                                  <p:childTnLst>
+                                    <p:set>
+                                      <p:cBhvr>
+                                        <p:cTn id="12" dur="1" fill="hold">
+                                          <p:stCondLst>
+                                            <p:cond delay="0"/>
+                                          </p:stCondLst>
+                                        </p:cTn>
+                                        <p:tgtEl>
+                                          <p:spTgt spid="14"/>
+                                        </p:tgtEl>
+                                        <p:attrNameLst>
+                                          <p:attrName>style.visibility</p:attrName>
+                                        </p:attrNameLst>
+                                      </p:cBhvr>
+                                      <p:to>
+                                        <p:strVal val="visible"/>
+                                      </p:to>
+                                    </p:set>
+                                  </p:childTnLst>
+                                </p:cTn>
+                              </p:par>
+                              <p:par>
+                                <p:cTn id="13" presetID="1" presetClass="entr" presetSubtype="0" fill="hold" grpId="0" nodeType="withEffect">
+                                  <p:stCondLst>
+                                    <p:cond delay="0"/>
+                                  </p:stCondLst>
+                                  <p:childTnLst>
+                                    <p:set>
+                                      <p:cBhvr>
+                                        <p:cTn id="14" dur="1" fill="hold">
+                                          <p:stCondLst>
+                                            <p:cond delay="0"/>
+                                          </p:stCondLst>
+                                        </p:cTn>
+                                        <p:tgtEl>
+                                          <p:spTgt spid="15"/>
+                                        </p:tgtEl>
+                                        <p:attrNameLst>
+                                          <p:attrName>style.visibility</p:attrName>
+                                        </p:attrNameLst>
+                                      </p:cBhvr>
+                                      <p:to>
+                                        <p:strVal val="visible"/>
+                                      </p:to>
+                                    </p:set>
+                                  </p:childTnLst>
+                                </p:cTn>
+                              </p:par>
+                              <p:par>
+                                <p:cTn id="15" presetID="1" presetClass="entr" presetSubtype="0" fill="hold" grpId="0" nodeType="withEffect">
+                                  <p:stCondLst>
+                                    <p:cond delay="0"/>
+                                  </p:stCondLst>
+                                  <p:childTnLst>
+                                    <p:set>
+                                      <p:cBhvr>
+                                        <p:cTn id="16" dur="1" fill="hold">
+                                          <p:stCondLst>
+                                            <p:cond delay="0"/>
+                                          </p:stCondLst>
+                                        </p:cTn>
+                                        <p:tgtEl>
+                                          <p:spTgt spid="16"/>
+                                        </p:tgtEl>
+                                        <p:attrNameLst>
+                                          <p:attrName>style.visibility</p:attrName>
+                                        </p:attrNameLst>
+                                      </p:cBhvr>
+                                      <p:to>
+                                        <p:strVal val="visible"/>
+                                      </p:to>
+                                    </p:set>
+                                  </p:childTnLst>
+                                </p:cTn>
+                              </p:par>
+                              <p:par>
+                                <p:cTn id="17" presetID="1" presetClass="entr" presetSubtype="0" fill="hold" grpId="0" nodeType="withEffect">
+                                  <p:stCondLst>
+                                    <p:cond delay="0"/>
+                                  </p:stCondLst>
+                                  <p:childTnLst>
+                                    <p:set>
+                                      <p:cBhvr>
+                                        <p:cTn id="18" dur="1" fill="hold">
+                                          <p:stCondLst>
+                                            <p:cond delay="0"/>
+                                          </p:stCondLst>
+                                        </p:cTn>
+                                        <p:tgtEl>
+                                          <p:spTgt spid="17"/>
+                                        </p:tgtEl>
+                                        <p:attrNameLst>
+                                          <p:attrName>style.visibility</p:attrName>
+                                        </p:attrNameLst>
+                                      </p:cBhvr>
+                                      <p:to>
+                                        <p:strVal val="visible"/>
+                                      </p:to>
+                                    </p:set>
+                                  </p:childTnLst>
+                                </p:cTn>
+                              </p:par>
+                              <p:par>
+                                <p:cTn id="19" presetID="1" presetClass="entr" presetSubtype="0" fill="hold" grpId="0" nodeType="withEffect">
+                                  <p:stCondLst>
+                                    <p:cond delay="0"/>
+                                  </p:stCondLst>
+                                  <p:childTnLst>
+                                    <p:set>
+                                      <p:cBhvr>
+                                        <p:cTn id="20" dur="1" fill="hold">
+                                          <p:stCondLst>
+                                            <p:cond delay="0"/>
+                                          </p:stCondLst>
+                                        </p:cTn>
+                                        <p:tgtEl>
+                                          <p:spTgt spid="18"/>
+                                        </p:tgtEl>
+                                        <p:attrNameLst>
+                                          <p:attrName>style.visibility</p:attrName>
+                                        </p:attrNameLst>
+                                      </p:cBhvr>
+                                      <p:to>
+                                        <p:strVal val="visible"/>
+                                      </p:to>
+                                    </p:set>
+                                  </p:childTnLst>
+                                </p:cTn>
+                              </p:par>
+                            </p:childTnLst>
+                          </p:cTn>
+                        </p:par>
+                      </p:childTnLst>
+                    </p:cTn>
+                  </p:par>
+                  <p:par>
+                    <p:cTn id="21" fill="hold">
+                      <p:stCondLst>
+                        <p:cond delay="indefinite"/>
+                      </p:stCondLst>
+                      <p:childTnLst>
+                        <p:par>
+                          <p:cTn id="22" fill="hold">
+                            <p:stCondLst>
+                              <p:cond delay="0"/>
+                            </p:stCondLst>
+                            <p:childTnLst>
+                              <p:par>
+                                <p:cTn id="23" presetID="1" presetClass="entr" presetSubtype="0" fill="hold" nodeType="clickEffect">
+                                  <p:stCondLst>
+                                    <p:cond delay="0"/>
+                                  </p:stCondLst>
+                                  <p:childTnLst>
+                                    <p:set>
+                                      <p:cBhvr>
+                                        <p:cTn id="24" dur="1" fill="hold">
+                                          <p:stCondLst>
+                                            <p:cond delay="0"/>
+                                          </p:stCondLst>
+                                        </p:cTn>
+                                        <p:tgtEl>
+                                          <p:spTgt spid="10"/>
+                                        </p:tgtEl>
+                                        <p:attrNameLst>
+                                          <p:attrName>style.visibility</p:attrName>
+                                        </p:attrNameLst>
+                                      </p:cBhvr>
+                                      <p:to>
+                                        <p:strVal val="visible"/>
+                                      </p:to>
+                                    </p:set>
+                                  </p:childTnLst>
+                                </p:cTn>
+                              </p:par>
+                            </p:childTnLst>
+                          </p:cTn>
+                        </p:par>
+                      </p:childTnLst>
+                    </p:cTn>
+                  </p:par>
+                </p:childTnLst>
+              </p:cTn>
+              <p:prevCondLst>
+                <p:cond evt="onPrev" delay="0">
+                  <p:tgtEl>
+                    <p:sldTgt/>
+                  </p:tgtEl>
+                </p:cond>
+              </p:prevCondLst>
+              <p:nextCondLst>
+                <p:cond evt="onNext" delay="0">
+                  <p:tgtEl>
+                    <p:sldTgt/>
+                  </p:tgtEl>
+                </p:cond>
+              </p:nextCondLst>
+            </p:seq>
+          </p:childTnLst>
+        </p:cTn>
+      </p:par>
+    </p:tnLst>
+    <p:bldLst>
+      <p:bldP spid="15" grpId="0"/>
+      <p:bldP spid="16" grpId="0"/>
+      <p:bldP spid="17" grpId="0"/>
+      <p:bldP spid="18" grpId="0"/>
+    </p:bldLst>
+  </p:timing>
+</p:sld>
+</file>
+
+<file path=ppt/slides/slide8.xml><?xml version="1.0" encoding="utf-8"?>
+<p:sld xmlns:a="http://schemas.openxmlformats.org/drawingml/2006/main" xmlns:r="http://schemas.openxmlformats.org/officeDocument/2006/relationships" xmlns:p="http://schemas.openxmlformats.org/presentationml/2006/main">
+  <p:cSld>
+    <p:bg>
+      <p:bgPr>
+        <a:solidFill>
+          <a:schemeClr val="accent5">
+            <a:lumMod val="60000"/>
+            <a:lumOff val="40000"/>
+          </a:schemeClr>
+        </a:solidFill>
+        <a:effectLst/>
+      </p:bgPr>
+    </p:bg>
+    <p:spTree>
+      <p:nvGrpSpPr>
+        <p:cNvPr id="1" name=""/>
+        <p:cNvGrpSpPr/>
+        <p:nvPr/>
+      </p:nvGrpSpPr>
+      <p:grpSpPr>
+        <a:xfrm>
+          <a:off x="0" y="0"/>
+          <a:ext cx="0" cy="0"/>
+          <a:chOff x="0" y="0"/>
+          <a:chExt cx="0" cy="0"/>
+        </a:xfrm>
+      </p:grpSpPr>
+      <p:sp>
+        <p:nvSpPr>
+          <p:cNvPr id="3" name="Rectangle 2"/>
+          <p:cNvSpPr/>
+          <p:nvPr/>
+        </p:nvSpPr>
+        <p:spPr>
+          <a:xfrm>
+            <a:off x="0" y="0"/>
+            <a:ext cx="9144000" cy="6463308"/>
+          </a:xfrm>
+          <a:prstGeom prst="rect">
+            <a:avLst/>
+          </a:prstGeom>
+        </p:spPr>
+        <p:txBody>
+          <a:bodyPr wrap="square">
+            <a:spAutoFit/>
+          </a:bodyPr>
+          <a:lstStyle/>
+          <a:p>
+            <a:pPr algn="ctr"/>
+            <a:endParaRPr lang="en-US" sz="4000" b="1" dirty="0"/>
+          </a:p>
+          <a:p>
+            <a:pPr lvl="1"/>
+            <a:r>
+              <a:rPr lang="en-NZ" sz="3500" b="1" dirty="0" smtClean="0"/>
+              <a:t>How to get a walkable tile?</a:t>
+            </a:r>
+            <a:endParaRPr lang="en-US" sz="3500" b="1" dirty="0" smtClean="0"/>
+          </a:p>
+          <a:p>
+            <a:pPr marL="1657350" lvl="2" indent="-742950">
+              <a:buFont typeface="Arial" panose="020B0604020202020204" pitchFamily="34" charset="0"/>
+              <a:buChar char="•"/>
+            </a:pPr>
+            <a:endParaRPr lang="en-US" sz="2500" dirty="0" smtClean="0"/>
+          </a:p>
+          <a:p>
+            <a:pPr marL="1657350" lvl="2" indent="-742950">
+              <a:buFont typeface="Arial" panose="020B0604020202020204" pitchFamily="34" charset="0"/>
+              <a:buChar char="•"/>
+            </a:pPr>
+            <a:endParaRPr lang="en-AU" sz="2400" dirty="0" smtClean="0"/>
+          </a:p>
+          <a:p>
+            <a:pPr marL="1657350" lvl="2" indent="-742950">
+              <a:buFont typeface="Arial" panose="020B0604020202020204" pitchFamily="34" charset="0"/>
+              <a:buChar char="•"/>
+            </a:pPr>
+            <a:endParaRPr lang="en-AU" sz="2400" dirty="0"/>
+          </a:p>
+          <a:p>
+            <a:pPr marL="1657350" lvl="2" indent="-742950">
+              <a:buFont typeface="Arial" panose="020B0604020202020204" pitchFamily="34" charset="0"/>
+              <a:buChar char="•"/>
+            </a:pPr>
+            <a:endParaRPr lang="en-AU" sz="2400" dirty="0" smtClean="0"/>
+          </a:p>
+          <a:p>
+            <a:pPr marL="1657350" lvl="2" indent="-742950">
+              <a:buFont typeface="Arial" panose="020B0604020202020204" pitchFamily="34" charset="0"/>
+              <a:buChar char="•"/>
+            </a:pPr>
+            <a:r>
+              <a:rPr lang="en-AU" sz="2400" dirty="0" smtClean="0"/>
+              <a:t>Sprite </a:t>
+            </a:r>
+            <a:r>
+              <a:rPr lang="en-AU" sz="4800" dirty="0">
+                <a:sym typeface="Symbol"/>
+              </a:rPr>
+              <a:t></a:t>
+            </a:r>
+            <a:r>
+              <a:rPr lang="en-AU" sz="2400" dirty="0"/>
+              <a:t> TileMap </a:t>
+            </a:r>
+            <a:r>
+              <a:rPr lang="en-AU" sz="4800" dirty="0">
+                <a:sym typeface="Symbol"/>
+              </a:rPr>
+              <a:t></a:t>
+            </a:r>
+            <a:r>
+              <a:rPr lang="en-AU" sz="2400" dirty="0"/>
+              <a:t> TileList </a:t>
+            </a:r>
+            <a:r>
+              <a:rPr lang="en-AU" sz="2400" dirty="0">
+                <a:sym typeface="Symbol"/>
+              </a:rPr>
+              <a:t> </a:t>
+            </a:r>
+            <a:r>
+              <a:rPr lang="en-AU" sz="4800" dirty="0">
+                <a:sym typeface="Symbol"/>
+              </a:rPr>
+              <a:t></a:t>
+            </a:r>
+            <a:r>
+              <a:rPr lang="en-AU" sz="4800" dirty="0"/>
+              <a:t> </a:t>
+            </a:r>
+            <a:r>
+              <a:rPr lang="en-AU" sz="2400" dirty="0" smtClean="0"/>
+              <a:t>Tile</a:t>
+            </a:r>
+          </a:p>
+          <a:p>
+            <a:pPr marL="1657350" lvl="2" indent="-742950">
+              <a:buFont typeface="Arial" panose="020B0604020202020204" pitchFamily="34" charset="0"/>
+              <a:buChar char="•"/>
+            </a:pPr>
+            <a:endParaRPr lang="en-AU" sz="2400" dirty="0"/>
+          </a:p>
+          <a:p>
+            <a:pPr marL="1657350" lvl="2" indent="-742950">
+              <a:buFont typeface="Arial" panose="020B0604020202020204" pitchFamily="34" charset="0"/>
+              <a:buChar char="•"/>
+            </a:pPr>
+            <a:endParaRPr lang="en-AU" sz="2400" dirty="0" smtClean="0"/>
+          </a:p>
+          <a:p>
+            <a:pPr marL="1657350" lvl="2" indent="-742950">
+              <a:buFont typeface="Arial" panose="020B0604020202020204" pitchFamily="34" charset="0"/>
+              <a:buChar char="•"/>
+            </a:pPr>
+            <a:r>
+              <a:rPr lang="en-AU" sz="2400" dirty="0" smtClean="0"/>
+              <a:t>Therefore, the Sprite class must now hold a pointer </a:t>
+            </a:r>
+          </a:p>
+          <a:p>
+            <a:pPr lvl="2"/>
+            <a:r>
+              <a:rPr lang="en-AU" sz="2400" dirty="0"/>
+              <a:t>	</a:t>
+            </a:r>
+            <a:r>
+              <a:rPr lang="en-AU" sz="2400" dirty="0" smtClean="0"/>
+              <a:t>to its TileMap</a:t>
+            </a:r>
+          </a:p>
+          <a:p>
+            <a:pPr marL="1657350" lvl="2" indent="-742950">
+              <a:buFont typeface="Arial" panose="020B0604020202020204" pitchFamily="34" charset="0"/>
+              <a:buChar char="•"/>
+            </a:pPr>
+            <a:endParaRPr lang="en-AU" sz="2400" dirty="0"/>
+          </a:p>
+          <a:p>
+            <a:pPr lvl="2"/>
+            <a:endParaRPr lang="en-AU" sz="2400" dirty="0"/>
+          </a:p>
+          <a:p>
+            <a:pPr marL="1657350" lvl="2" indent="-742950">
+              <a:buFont typeface="Arial" panose="020B0604020202020204" pitchFamily="34" charset="0"/>
+              <a:buChar char="•"/>
+            </a:pPr>
+            <a:endParaRPr lang="en-US" sz="2500" dirty="0" smtClean="0"/>
+          </a:p>
+          <a:p>
+            <a:pPr marL="1657350" lvl="2" indent="-742950">
+              <a:buFont typeface="Arial" panose="020B0604020202020204" pitchFamily="34" charset="0"/>
+              <a:buChar char="•"/>
+            </a:pPr>
+            <a:endParaRPr lang="en-US" sz="2500" dirty="0" smtClean="0"/>
+          </a:p>
+        </p:txBody>
+      </p:sp>
+      <p:sp>
+        <p:nvSpPr>
+          <p:cNvPr id="4" name="TextBox 3"/>
+          <p:cNvSpPr txBox="1"/>
+          <p:nvPr/>
+        </p:nvSpPr>
+        <p:spPr>
+          <a:xfrm>
+            <a:off x="1576021" y="2430180"/>
+            <a:ext cx="979755" cy="369332"/>
+          </a:xfrm>
+          <a:prstGeom prst="rect">
+            <a:avLst/>
+          </a:prstGeom>
+          <a:noFill/>
+        </p:spPr>
+        <p:txBody>
+          <a:bodyPr wrap="none" rtlCol="0">
+            <a:spAutoFit/>
+          </a:bodyPr>
+          <a:lstStyle/>
+          <a:p>
+            <a:r>
+              <a:rPr lang="en-NZ" dirty="0"/>
+              <a:t>c</a:t>
+            </a:r>
+            <a:r>
+              <a:rPr lang="en-NZ" dirty="0" smtClean="0"/>
+              <a:t>ol, row</a:t>
+            </a:r>
+            <a:endParaRPr lang="en-US" dirty="0"/>
+          </a:p>
+        </p:txBody>
+      </p:sp>
+      <p:sp>
+        <p:nvSpPr>
+          <p:cNvPr id="5" name="TextBox 4"/>
+          <p:cNvSpPr txBox="1"/>
+          <p:nvPr/>
+        </p:nvSpPr>
+        <p:spPr>
+          <a:xfrm>
+            <a:off x="3907909" y="2420888"/>
+            <a:ext cx="736099" cy="369332"/>
+          </a:xfrm>
+          <a:prstGeom prst="rect">
+            <a:avLst/>
+          </a:prstGeom>
+          <a:noFill/>
+        </p:spPr>
+        <p:txBody>
+          <a:bodyPr wrap="none" rtlCol="0">
+            <a:spAutoFit/>
+          </a:bodyPr>
+          <a:lstStyle/>
+          <a:p>
+            <a:r>
+              <a:rPr lang="en-NZ" dirty="0" smtClean="0"/>
+              <a:t>index</a:t>
+            </a:r>
+            <a:endParaRPr lang="en-US" dirty="0"/>
+          </a:p>
+        </p:txBody>
+      </p:sp>
+      <p:sp>
+        <p:nvSpPr>
+          <p:cNvPr id="6" name="TextBox 5"/>
+          <p:cNvSpPr txBox="1"/>
+          <p:nvPr/>
+        </p:nvSpPr>
+        <p:spPr>
+          <a:xfrm>
+            <a:off x="5580112" y="2430180"/>
+            <a:ext cx="1685077" cy="369332"/>
+          </a:xfrm>
+          <a:prstGeom prst="rect">
+            <a:avLst/>
+          </a:prstGeom>
+          <a:noFill/>
+        </p:spPr>
+        <p:txBody>
+          <a:bodyPr wrap="none" rtlCol="0">
+            <a:spAutoFit/>
+          </a:bodyPr>
+          <a:lstStyle/>
+          <a:p>
+            <a:r>
+              <a:rPr lang="en-NZ" dirty="0"/>
+              <a:t>g</a:t>
+            </a:r>
+            <a:r>
+              <a:rPr lang="en-NZ" dirty="0" smtClean="0"/>
+              <a:t>et or property</a:t>
+            </a:r>
+            <a:endParaRPr lang="en-US" dirty="0"/>
+          </a:p>
+        </p:txBody>
+      </p:sp>
+      <p:sp>
+        <p:nvSpPr>
+          <p:cNvPr id="7" name="TextBox 6"/>
+          <p:cNvSpPr txBox="1"/>
+          <p:nvPr/>
+        </p:nvSpPr>
+        <p:spPr>
+          <a:xfrm>
+            <a:off x="5796136" y="3563724"/>
+            <a:ext cx="1291764" cy="369332"/>
+          </a:xfrm>
+          <a:prstGeom prst="rect">
+            <a:avLst/>
+          </a:prstGeom>
+          <a:noFill/>
+        </p:spPr>
+        <p:txBody>
+          <a:bodyPr wrap="none" rtlCol="0">
+            <a:spAutoFit/>
+          </a:bodyPr>
+          <a:lstStyle/>
+          <a:p>
+            <a:r>
+              <a:rPr lang="en-NZ" dirty="0" err="1" smtClean="0"/>
+              <a:t>isWalkable</a:t>
+            </a:r>
+            <a:endParaRPr lang="en-US" dirty="0"/>
+          </a:p>
+        </p:txBody>
+      </p:sp>
+      <p:sp>
+        <p:nvSpPr>
+          <p:cNvPr id="8" name="TextBox 7"/>
+          <p:cNvSpPr txBox="1"/>
+          <p:nvPr/>
+        </p:nvSpPr>
+        <p:spPr>
+          <a:xfrm>
+            <a:off x="3640276" y="3563724"/>
+            <a:ext cx="1291764" cy="369332"/>
+          </a:xfrm>
+          <a:prstGeom prst="rect">
+            <a:avLst/>
+          </a:prstGeom>
+          <a:noFill/>
+        </p:spPr>
+        <p:txBody>
+          <a:bodyPr wrap="none" rtlCol="0">
+            <a:spAutoFit/>
+          </a:bodyPr>
+          <a:lstStyle/>
+          <a:p>
+            <a:r>
+              <a:rPr lang="en-NZ" dirty="0" err="1" smtClean="0"/>
+              <a:t>isWalkable</a:t>
+            </a:r>
+            <a:endParaRPr lang="en-US" dirty="0"/>
+          </a:p>
+        </p:txBody>
+      </p:sp>
+      <p:sp>
+        <p:nvSpPr>
+          <p:cNvPr id="9" name="TextBox 8"/>
+          <p:cNvSpPr txBox="1"/>
+          <p:nvPr/>
+        </p:nvSpPr>
+        <p:spPr>
+          <a:xfrm>
+            <a:off x="1475656" y="3573016"/>
+            <a:ext cx="1291764" cy="369332"/>
+          </a:xfrm>
+          <a:prstGeom prst="rect">
+            <a:avLst/>
+          </a:prstGeom>
+          <a:noFill/>
+        </p:spPr>
+        <p:txBody>
+          <a:bodyPr wrap="none" rtlCol="0">
+            <a:spAutoFit/>
+          </a:bodyPr>
+          <a:lstStyle/>
+          <a:p>
+            <a:r>
+              <a:rPr lang="en-NZ" dirty="0" err="1" smtClean="0"/>
+              <a:t>isWalkable</a:t>
+            </a:r>
+            <a:endParaRPr lang="en-US" dirty="0"/>
+          </a:p>
+        </p:txBody>
+      </p:sp>
+    </p:spTree>
+    <p:extLst>
+      <p:ext uri="{BB962C8B-B14F-4D97-AF65-F5344CB8AC3E}">
+        <p14:creationId xmlns:p14="http://schemas.microsoft.com/office/powerpoint/2010/main" val="234704633"/>
+      </p:ext>
+    </p:extLst>
+  </p:cSld>
+  <p:clrMapOvr>
+    <a:masterClrMapping/>
+  </p:clrMapOvr>
+  <p:timing>
+    <p:tnLst>
+      <p:par>
+        <p:cTn id="1" dur="indefinite" restart="never" nodeType="tmRoot">
+          <p:childTnLst>
+            <p:seq concurrent="1" nextAc="seek">
+              <p:cTn id="2" dur="indefinite" nodeType="mainSeq">
+                <p:childTnLst>
+                  <p:par>
+                    <p:cTn id="3" fill="hold">
+                      <p:stCondLst>
+                        <p:cond delay="indefinite"/>
+                      </p:stCondLst>
+                      <p:childTnLst>
+                        <p:par>
+                          <p:cTn id="4" fill="hold">
+                            <p:stCondLst>
+                              <p:cond delay="0"/>
+                            </p:stCondLst>
+                            <p:childTnLst>
+                              <p:par>
+                                <p:cTn id="5" presetID="1" presetClass="entr" presetSubtype="0" fill="hold" grpId="0" nodeType="clickEffect">
+                                  <p:stCondLst>
+                                    <p:cond delay="0"/>
+                                  </p:stCondLst>
+                                  <p:childTnLst>
+                                    <p:set>
+                                      <p:cBhvr>
+                                        <p:cTn id="6" dur="1" fill="hold">
+                                          <p:stCondLst>
+                                            <p:cond delay="0"/>
+                                          </p:stCondLst>
+                                        </p:cTn>
+                                        <p:tgtEl>
+                                          <p:spTgt spid="4"/>
+                                        </p:tgtEl>
+                                        <p:attrNameLst>
+                                          <p:attrName>style.visibility</p:attrName>
+                                        </p:attrNameLst>
+                                      </p:cBhvr>
+                                      <p:to>
+                                        <p:strVal val="visible"/>
+                                      </p:to>
+                                    </p:set>
+                                  </p:childTnLst>
+                                </p:cTn>
+                              </p:par>
+                            </p:childTnLst>
+                          </p:cTn>
+                        </p:par>
+                      </p:childTnLst>
+                    </p:cTn>
+                  </p:par>
+                  <p:par>
+                    <p:cTn id="7" fill="hold">
+                      <p:stCondLst>
+                        <p:cond delay="indefinite"/>
+                      </p:stCondLst>
+                      <p:childTnLst>
+                        <p:par>
+                          <p:cTn id="8" fill="hold">
+                            <p:stCondLst>
+                              <p:cond delay="0"/>
+                            </p:stCondLst>
+                            <p:childTnLst>
+                              <p:par>
+                                <p:cTn id="9" presetID="1" presetClass="entr" presetSubtype="0" fill="hold" grpId="0" nodeType="clickEffect">
+                                  <p:stCondLst>
+                                    <p:cond delay="0"/>
+                                  </p:stCondLst>
+                                  <p:childTnLst>
+                                    <p:set>
+                                      <p:cBhvr>
+                                        <p:cTn id="10" dur="1" fill="hold">
+                                          <p:stCondLst>
+                                            <p:cond delay="0"/>
+                                          </p:stCondLst>
+                                        </p:cTn>
+                                        <p:tgtEl>
+                                          <p:spTgt spid="9"/>
+                                        </p:tgtEl>
+                                        <p:attrNameLst>
+                                          <p:attrName>style.visibility</p:attrName>
+                                        </p:attrNameLst>
+                                      </p:cBhvr>
+                                      <p:to>
+                                        <p:strVal val="visible"/>
+                                      </p:to>
+                                    </p:set>
+                                  </p:childTnLst>
+                                </p:cTn>
+                              </p:par>
+                            </p:childTnLst>
+                          </p:cTn>
+                        </p:par>
+                      </p:childTnLst>
+                    </p:cTn>
+                  </p:par>
+                  <p:par>
+                    <p:cTn id="11" fill="hold">
+                      <p:stCondLst>
+                        <p:cond delay="indefinite"/>
+                      </p:stCondLst>
+                      <p:childTnLst>
+                        <p:par>
+                          <p:cTn id="12" fill="hold">
+                            <p:stCondLst>
+                              <p:cond delay="0"/>
+                            </p:stCondLst>
+                            <p:childTnLst>
+                              <p:par>
+                                <p:cTn id="13" presetID="1" presetClass="entr" presetSubtype="0" fill="hold" grpId="0" nodeType="clickEffect">
+                                  <p:stCondLst>
+                                    <p:cond delay="0"/>
+                                  </p:stCondLst>
+                                  <p:childTnLst>
+                                    <p:set>
+                                      <p:cBhvr>
+                                        <p:cTn id="14" dur="1" fill="hold">
+                                          <p:stCondLst>
+                                            <p:cond delay="0"/>
+                                          </p:stCondLst>
+                                        </p:cTn>
+                                        <p:tgtEl>
+                                          <p:spTgt spid="5"/>
+                                        </p:tgtEl>
+                                        <p:attrNameLst>
+                                          <p:attrName>style.visibility</p:attrName>
+                                        </p:attrNameLst>
+                                      </p:cBhvr>
+                                      <p:to>
+                                        <p:strVal val="visible"/>
+                                      </p:to>
+                                    </p:set>
+                                  </p:childTnLst>
+                                </p:cTn>
+                              </p:par>
+                            </p:childTnLst>
+                          </p:cTn>
+                        </p:par>
+                      </p:childTnLst>
+                    </p:cTn>
+                  </p:par>
+                  <p:par>
+                    <p:cTn id="15" fill="hold">
+                      <p:stCondLst>
+                        <p:cond delay="indefinite"/>
+                      </p:stCondLst>
+                      <p:childTnLst>
+                        <p:par>
+                          <p:cTn id="16" fill="hold">
+                            <p:stCondLst>
+                              <p:cond delay="0"/>
+                            </p:stCondLst>
+                            <p:childTnLst>
+                              <p:par>
+                                <p:cTn id="17" presetID="1" presetClass="entr" presetSubtype="0" fill="hold" grpId="0" nodeType="clickEffect">
+                                  <p:stCondLst>
+                                    <p:cond delay="0"/>
+                                  </p:stCondLst>
+                                  <p:childTnLst>
+                                    <p:set>
+                                      <p:cBhvr>
+                                        <p:cTn id="18" dur="1" fill="hold">
+                                          <p:stCondLst>
+                                            <p:cond delay="0"/>
+                                          </p:stCondLst>
+                                        </p:cTn>
+                                        <p:tgtEl>
+                                          <p:spTgt spid="8"/>
+                                        </p:tgtEl>
+                                        <p:attrNameLst>
+                                          <p:attrName>style.visibility</p:attrName>
+                                        </p:attrNameLst>
+                                      </p:cBhvr>
+                                      <p:to>
+                                        <p:strVal val="visible"/>
+                                      </p:to>
+                                    </p:set>
+                                  </p:childTnLst>
+                                </p:cTn>
+                              </p:par>
+                            </p:childTnLst>
+                          </p:cTn>
+                        </p:par>
+                      </p:childTnLst>
+                    </p:cTn>
+                  </p:par>
+                  <p:par>
+                    <p:cTn id="19" fill="hold">
+                      <p:stCondLst>
+                        <p:cond delay="indefinite"/>
+                      </p:stCondLst>
+                      <p:childTnLst>
+                        <p:par>
+                          <p:cTn id="20" fill="hold">
+                            <p:stCondLst>
+                              <p:cond delay="0"/>
+                            </p:stCondLst>
+                            <p:childTnLst>
+                              <p:par>
+                                <p:cTn id="21" presetID="1" presetClass="entr" presetSubtype="0" fill="hold" grpId="0" nodeType="clickEffect">
+                                  <p:stCondLst>
+                                    <p:cond delay="0"/>
+                                  </p:stCondLst>
+                                  <p:childTnLst>
+                                    <p:set>
+                                      <p:cBhvr>
+                                        <p:cTn id="22" dur="1" fill="hold">
+                                          <p:stCondLst>
+                                            <p:cond delay="0"/>
+                                          </p:stCondLst>
+                                        </p:cTn>
+                                        <p:tgtEl>
+                                          <p:spTgt spid="6"/>
+                                        </p:tgtEl>
+                                        <p:attrNameLst>
+                                          <p:attrName>style.visibility</p:attrName>
+                                        </p:attrNameLst>
+                                      </p:cBhvr>
+                                      <p:to>
+                                        <p:strVal val="visible"/>
+                                      </p:to>
+                                    </p:set>
+                                  </p:childTnLst>
+                                </p:cTn>
+                              </p:par>
+                            </p:childTnLst>
+                          </p:cTn>
+                        </p:par>
+                      </p:childTnLst>
+                    </p:cTn>
+                  </p:par>
+                  <p:par>
+                    <p:cTn id="23" fill="hold">
+                      <p:stCondLst>
+                        <p:cond delay="indefinite"/>
+                      </p:stCondLst>
+                      <p:childTnLst>
+                        <p:par>
+                          <p:cTn id="24" fill="hold">
+                            <p:stCondLst>
+                              <p:cond delay="0"/>
+                            </p:stCondLst>
+                            <p:childTnLst>
+                              <p:par>
+                                <p:cTn id="25" presetID="1" presetClass="entr" presetSubtype="0" fill="hold" grpId="0" nodeType="clickEffect">
+                                  <p:stCondLst>
+                                    <p:cond delay="0"/>
+                                  </p:stCondLst>
+                                  <p:childTnLst>
+                                    <p:set>
+                                      <p:cBhvr>
+                                        <p:cTn id="26" dur="1" fill="hold">
+                                          <p:stCondLst>
+                                            <p:cond delay="0"/>
+                                          </p:stCondLst>
+                                        </p:cTn>
+                                        <p:tgtEl>
+                                          <p:spTgt spid="7"/>
+                                        </p:tgtEl>
+                                        <p:attrNameLst>
+                                          <p:attrName>style.visibility</p:attrName>
+                                        </p:attrNameLst>
+                                      </p:cBhvr>
+                                      <p:to>
+                                        <p:strVal val="visible"/>
+                                      </p:to>
+                                    </p:set>
+                                  </p:childTnLst>
+                                </p:cTn>
+                              </p:par>
+                            </p:childTnLst>
+                          </p:cTn>
+                        </p:par>
+                      </p:childTnLst>
+                    </p:cTn>
+                  </p:par>
+                </p:childTnLst>
+              </p:cTn>
+              <p:prevCondLst>
+                <p:cond evt="onPrev" delay="0">
+                  <p:tgtEl>
+                    <p:sldTgt/>
+                  </p:tgtEl>
+                </p:cond>
+              </p:prevCondLst>
+              <p:nextCondLst>
+                <p:cond evt="onNext" delay="0">
+                  <p:tgtEl>
+                    <p:sldTgt/>
+                  </p:tgtEl>
+                </p:cond>
+              </p:nextCondLst>
+            </p:seq>
+          </p:childTnLst>
+        </p:cTn>
+      </p:par>
+    </p:tnLst>
+    <p:bldLst>
+      <p:bldP spid="4" grpId="0"/>
+      <p:bldP spid="5" grpId="0"/>
+      <p:bldP spid="6" grpId="0"/>
+      <p:bldP spid="7" grpId="0"/>
+      <p:bldP spid="8" grpId="0"/>
+      <p:bldP spid="9" grpId="0"/>
+    </p:bldLst>
+  </p:timing>
+</p:sld>
+</file>
+
+<file path=ppt/slides/slide9.xml><?xml version="1.0" encoding="utf-8"?>
+<p:sld xmlns:a="http://schemas.openxmlformats.org/drawingml/2006/main" xmlns:r="http://schemas.openxmlformats.org/officeDocument/2006/relationships" xmlns:p="http://schemas.openxmlformats.org/presentationml/2006/main">
+  <p:cSld>
+    <p:bg>
+      <p:bgPr>
+        <a:solidFill>
+          <a:schemeClr val="accent5">
+            <a:lumMod val="60000"/>
+            <a:lumOff val="40000"/>
+          </a:schemeClr>
+        </a:solidFill>
+        <a:effectLst/>
+      </p:bgPr>
+    </p:bg>
+    <p:spTree>
+      <p:nvGrpSpPr>
+        <p:cNvPr id="1" name=""/>
+        <p:cNvGrpSpPr/>
+        <p:nvPr/>
+      </p:nvGrpSpPr>
+      <p:grpSpPr>
+        <a:xfrm>
+          <a:off x="0" y="0"/>
+          <a:ext cx="0" cy="0"/>
+          <a:chOff x="0" y="0"/>
+          <a:chExt cx="0" cy="0"/>
+        </a:xfrm>
+      </p:grpSpPr>
+      <p:sp>
+        <p:nvSpPr>
+          <p:cNvPr id="3" name="Rectangle 2"/>
+          <p:cNvSpPr/>
+          <p:nvPr/>
+        </p:nvSpPr>
+        <p:spPr>
+          <a:xfrm>
+            <a:off x="0" y="0"/>
+            <a:ext cx="9144000" cy="5863144"/>
+          </a:xfrm>
+          <a:prstGeom prst="rect">
+            <a:avLst/>
+          </a:prstGeom>
+        </p:spPr>
+        <p:txBody>
+          <a:bodyPr wrap="square">
+            <a:spAutoFit/>
+          </a:bodyPr>
+          <a:lstStyle/>
+          <a:p>
+            <a:pPr algn="ctr"/>
+            <a:endParaRPr lang="en-US" sz="4000" b="1" dirty="0"/>
+          </a:p>
+          <a:p>
+            <a:pPr lvl="1"/>
+            <a:r>
+              <a:rPr lang="en-NZ" sz="3500" b="1" dirty="0" smtClean="0"/>
+              <a:t>Change to the engine</a:t>
+            </a:r>
+            <a:endParaRPr lang="en-US" sz="3500" b="1" dirty="0" smtClean="0"/>
+          </a:p>
+          <a:p>
+            <a:pPr marL="1657350" lvl="2" indent="-742950">
+              <a:buFont typeface="Arial" panose="020B0604020202020204" pitchFamily="34" charset="0"/>
+              <a:buChar char="•"/>
+            </a:pPr>
+            <a:endParaRPr lang="en-US" sz="2500" dirty="0" smtClean="0"/>
+          </a:p>
+          <a:p>
+            <a:pPr marL="1657350" lvl="2" indent="-742950">
+              <a:buFont typeface="Arial" panose="020B0604020202020204" pitchFamily="34" charset="0"/>
+              <a:buChar char="•"/>
+            </a:pPr>
+            <a:r>
+              <a:rPr lang="en-NZ" sz="2500" dirty="0"/>
+              <a:t>Add a TileMap^ class data member to class Sprite, </a:t>
+            </a:r>
+            <a:r>
+              <a:rPr lang="en-NZ" sz="2500" dirty="0" smtClean="0"/>
+              <a:t>	(</a:t>
+            </a:r>
+            <a:r>
+              <a:rPr lang="en-NZ" sz="2500" dirty="0"/>
+              <a:t>passed into the constructor</a:t>
+            </a:r>
+            <a:r>
+              <a:rPr lang="en-NZ" sz="2500" dirty="0" smtClean="0"/>
+              <a:t>)</a:t>
+            </a:r>
+            <a:endParaRPr lang="en-NZ" sz="2500" dirty="0"/>
+          </a:p>
+          <a:p>
+            <a:pPr marL="1657350" lvl="2" indent="-742950">
+              <a:buFont typeface="Arial" panose="020B0604020202020204" pitchFamily="34" charset="0"/>
+              <a:buChar char="•"/>
+            </a:pPr>
+            <a:r>
+              <a:rPr lang="en-NZ" sz="2500" dirty="0"/>
+              <a:t>Add appropriate method(s) to the Sprite class to </a:t>
+            </a:r>
+            <a:r>
+              <a:rPr lang="en-NZ" sz="2500" dirty="0" smtClean="0"/>
+              <a:t>	compute </a:t>
+            </a:r>
+            <a:r>
+              <a:rPr lang="en-NZ" sz="2500" dirty="0"/>
+              <a:t>what tile column and row it is going to step </a:t>
+            </a:r>
+            <a:r>
+              <a:rPr lang="en-NZ" sz="2500" dirty="0" smtClean="0"/>
+              <a:t>	onto </a:t>
+            </a:r>
+            <a:r>
+              <a:rPr lang="en-NZ" sz="2500" dirty="0"/>
+              <a:t>if it </a:t>
+            </a:r>
+            <a:r>
+              <a:rPr lang="en-NZ" sz="2500" dirty="0" smtClean="0"/>
+              <a:t>moves</a:t>
+            </a:r>
+            <a:endParaRPr lang="en-NZ" sz="2500" dirty="0"/>
+          </a:p>
+          <a:p>
+            <a:pPr marL="1657350" lvl="2" indent="-742950">
+              <a:buFont typeface="Arial" panose="020B0604020202020204" pitchFamily="34" charset="0"/>
+              <a:buChar char="•"/>
+            </a:pPr>
+            <a:r>
+              <a:rPr lang="en-NZ" sz="2500" dirty="0"/>
+              <a:t>Add appropriate methods to Tile, TileList and TileMap </a:t>
+            </a:r>
+            <a:endParaRPr lang="en-NZ" sz="2500" dirty="0" smtClean="0"/>
+          </a:p>
+          <a:p>
+            <a:pPr lvl="2"/>
+            <a:r>
+              <a:rPr lang="en-NZ" sz="2500" dirty="0"/>
+              <a:t>	</a:t>
+            </a:r>
+            <a:r>
+              <a:rPr lang="en-NZ" sz="2500" dirty="0" smtClean="0"/>
+              <a:t>to </a:t>
+            </a:r>
+            <a:r>
+              <a:rPr lang="en-NZ" sz="2500" dirty="0"/>
+              <a:t>support step </a:t>
+            </a:r>
+            <a:r>
+              <a:rPr lang="en-NZ" sz="2500" dirty="0" smtClean="0"/>
+              <a:t>2</a:t>
+            </a:r>
+            <a:endParaRPr lang="en-NZ" sz="2500" dirty="0"/>
+          </a:p>
+          <a:p>
+            <a:pPr marL="1657350" lvl="2" indent="-742950">
+              <a:buFont typeface="Arial" panose="020B0604020202020204" pitchFamily="34" charset="0"/>
+              <a:buChar char="•"/>
+            </a:pPr>
+            <a:r>
+              <a:rPr lang="en-NZ" sz="2500" dirty="0"/>
+              <a:t>Adjust Sprite::Move so that xPos and yPos are only </a:t>
+            </a:r>
+            <a:r>
+              <a:rPr lang="en-NZ" sz="2500" dirty="0" smtClean="0"/>
+              <a:t>	changed </a:t>
+            </a:r>
+            <a:r>
+              <a:rPr lang="en-NZ" sz="2500" dirty="0"/>
+              <a:t>if the new Tile turns out to be </a:t>
+            </a:r>
+            <a:r>
+              <a:rPr lang="en-NZ" sz="2500" dirty="0" smtClean="0"/>
+              <a:t>walkable</a:t>
+            </a:r>
+            <a:endParaRPr lang="en-NZ" sz="2500" dirty="0"/>
+          </a:p>
+          <a:p>
+            <a:pPr marL="1657350" lvl="2" indent="-742950">
+              <a:buFont typeface="Arial" panose="020B0604020202020204" pitchFamily="34" charset="0"/>
+              <a:buChar char="•"/>
+            </a:pPr>
+            <a:endParaRPr lang="en-US" sz="2500" dirty="0" smtClean="0"/>
+          </a:p>
+          <a:p>
+            <a:pPr marL="1657350" lvl="2" indent="-742950">
+              <a:buFont typeface="Arial" panose="020B0604020202020204" pitchFamily="34" charset="0"/>
+              <a:buChar char="•"/>
+            </a:pPr>
+            <a:endParaRPr lang="en-US" sz="2500" dirty="0" smtClean="0"/>
+          </a:p>
+        </p:txBody>
+      </p:sp>
+    </p:spTree>
+    <p:extLst>
+      <p:ext uri="{BB962C8B-B14F-4D97-AF65-F5344CB8AC3E}">
+        <p14:creationId xmlns:p14="http://schemas.microsoft.com/office/powerpoint/2010/main" val="1776673738"/>
+      </p:ext>
+    </p:extLst>
+  </p:cSld>
+  <p:clrMapOvr>
+    <a:masterClrMapping/>
+  </p:clrMapOvr>
+  <p:timing>
+    <p:tnLst>
+      <p:par>
+        <p:cTn id="1" dur="indefinite" restart="never" nodeType="tmRoot"/>
+      </p:par>
+    </p:tnLst>
+  </p:timing>
 </p:sld>
 </file>
 
@@ -3524,4 +9167,265 @@
   <a:objectDefaults/>
   <a:extraClrSchemeLst/>
 </a:theme>
+</file>
+
+<file path=ppt/theme/theme2.xml><?xml version="1.0" encoding="utf-8"?>
+<a:theme xmlns:a="http://schemas.openxmlformats.org/drawingml/2006/main" name="Office Theme">
+  <a:themeElements>
+    <a:clrScheme name="Office">
+      <a:dk1>
+        <a:sysClr val="windowText" lastClr="000000"/>
+      </a:dk1>
+      <a:lt1>
+        <a:sysClr val="window" lastClr="FFFFFF"/>
+      </a:lt1>
+      <a:dk2>
+        <a:srgbClr val="44546A"/>
+      </a:dk2>
+      <a:lt2>
+        <a:srgbClr val="E7E6E6"/>
+      </a:lt2>
+      <a:accent1>
+        <a:srgbClr val="5B9BD5"/>
+      </a:accent1>
+      <a:accent2>
+        <a:srgbClr val="ED7D31"/>
+      </a:accent2>
+      <a:accent3>
+        <a:srgbClr val="A5A5A5"/>
+      </a:accent3>
+      <a:accent4>
+        <a:srgbClr val="FFC000"/>
+      </a:accent4>
+      <a:accent5>
+        <a:srgbClr val="4472C4"/>
+      </a:accent5>
+      <a:accent6>
+        <a:srgbClr val="70AD47"/>
+      </a:accent6>
+      <a:hlink>
+        <a:srgbClr val="0563C1"/>
+      </a:hlink>
+      <a:folHlink>
+        <a:srgbClr val="954F72"/>
+      </a:folHlink>
+    </a:clrScheme>
+    <a:fontScheme name="Office">
+      <a:majorFont>
+        <a:latin typeface="Calibri Light" panose="020F0302020204030204"/>
+        <a:ea typeface=""/>
+        <a:cs typeface=""/>
+        <a:font script="Jpan" typeface="游ゴシック Light"/>
+        <a:font script="Hang" typeface="맑은 고딕"/>
+        <a:font script="Hans" typeface="等线 Light"/>
+        <a:font script="Hant" typeface="新細明體"/>
+        <a:font script="Arab" typeface="Times New Roman"/>
+        <a:font script="Hebr" typeface="Times New Roman"/>
+        <a:font script="Thai" typeface="Angsana New"/>
+        <a:font script="Ethi" typeface="Nyala"/>
+        <a:font script="Beng" typeface="Vrinda"/>
+        <a:font script="Gujr" typeface="Shruti"/>
+        <a:font script="Khmr" typeface="MoolBoran"/>
+        <a:font script="Knda" typeface="Tunga"/>
+        <a:font script="Guru" typeface="Raavi"/>
+        <a:font script="Cans" typeface="Euphemia"/>
+        <a:font script="Cher" typeface="Plantagenet Cherokee"/>
+        <a:font script="Yiii" typeface="Microsoft Yi Baiti"/>
+        <a:font script="Tibt" typeface="Microsoft Himalaya"/>
+        <a:font script="Thaa" typeface="MV Boli"/>
+        <a:font script="Deva" typeface="Mangal"/>
+        <a:font script="Telu" typeface="Gautami"/>
+        <a:font script="Taml" typeface="Latha"/>
+        <a:font script="Syrc" typeface="Estrangelo Edessa"/>
+        <a:font script="Orya" typeface="Kalinga"/>
+        <a:font script="Mlym" typeface="Kartika"/>
+        <a:font script="Laoo" typeface="DokChampa"/>
+        <a:font script="Sinh" typeface="Iskoola Pota"/>
+        <a:font script="Mong" typeface="Mongolian Baiti"/>
+        <a:font script="Viet" typeface="Times New Roman"/>
+        <a:font script="Uigh" typeface="Microsoft Uighur"/>
+        <a:font script="Geor" typeface="Sylfaen"/>
+      </a:majorFont>
+      <a:minorFont>
+        <a:latin typeface="Calibri" panose="020F0502020204030204"/>
+        <a:ea typeface=""/>
+        <a:cs typeface=""/>
+        <a:font script="Jpan" typeface="游ゴシック"/>
+        <a:font script="Hang" typeface="맑은 고딕"/>
+        <a:font script="Hans" typeface="等线"/>
+        <a:font script="Hant" typeface="新細明體"/>
+        <a:font script="Arab" typeface="Arial"/>
+        <a:font script="Hebr" typeface="Arial"/>
+        <a:font script="Thai" typeface="Cordia New"/>
+        <a:font script="Ethi" typeface="Nyala"/>
+        <a:font script="Beng" typeface="Vrinda"/>
+        <a:font script="Gujr" typeface="Shruti"/>
+        <a:font script="Khmr" typeface="DaunPenh"/>
+        <a:font script="Knda" typeface="Tunga"/>
+        <a:font script="Guru" typeface="Raavi"/>
+        <a:font script="Cans" typeface="Euphemia"/>
+        <a:font script="Cher" typeface="Plantagenet Cherokee"/>
+        <a:font script="Yiii" typeface="Microsoft Yi Baiti"/>
+        <a:font script="Tibt" typeface="Microsoft Himalaya"/>
+        <a:font script="Thaa" typeface="MV Boli"/>
+        <a:font script="Deva" typeface="Mangal"/>
+        <a:font script="Telu" typeface="Gautami"/>
+        <a:font script="Taml" typeface="Latha"/>
+        <a:font script="Syrc" typeface="Estrangelo Edessa"/>
+        <a:font script="Orya" typeface="Kalinga"/>
+        <a:font script="Mlym" typeface="Kartika"/>
+        <a:font script="Laoo" typeface="DokChampa"/>
+        <a:font script="Sinh" typeface="Iskoola Pota"/>
+        <a:font script="Mong" typeface="Mongolian Baiti"/>
+        <a:font script="Viet" typeface="Arial"/>
+        <a:font script="Uigh" typeface="Microsoft Uighur"/>
+        <a:font script="Geor" typeface="Sylfaen"/>
+      </a:minorFont>
+    </a:fontScheme>
+    <a:fmtScheme name="Office">
+      <a:fillStyleLst>
+        <a:solidFill>
+          <a:schemeClr val="phClr"/>
+        </a:solidFill>
+        <a:gradFill rotWithShape="1">
+          <a:gsLst>
+            <a:gs pos="0">
+              <a:schemeClr val="phClr">
+                <a:lumMod val="110000"/>
+                <a:satMod val="105000"/>
+                <a:tint val="67000"/>
+              </a:schemeClr>
+            </a:gs>
+            <a:gs pos="50000">
+              <a:schemeClr val="phClr">
+                <a:lumMod val="105000"/>
+                <a:satMod val="103000"/>
+                <a:tint val="73000"/>
+              </a:schemeClr>
+            </a:gs>
+            <a:gs pos="100000">
+              <a:schemeClr val="phClr">
+                <a:lumMod val="105000"/>
+                <a:satMod val="109000"/>
+                <a:tint val="81000"/>
+              </a:schemeClr>
+            </a:gs>
+          </a:gsLst>
+          <a:lin ang="5400000" scaled="0"/>
+        </a:gradFill>
+        <a:gradFill rotWithShape="1">
+          <a:gsLst>
+            <a:gs pos="0">
+              <a:schemeClr val="phClr">
+                <a:satMod val="103000"/>
+                <a:lumMod val="102000"/>
+                <a:tint val="94000"/>
+              </a:schemeClr>
+            </a:gs>
+            <a:gs pos="50000">
+              <a:schemeClr val="phClr">
+                <a:satMod val="110000"/>
+                <a:lumMod val="100000"/>
+                <a:shade val="100000"/>
+              </a:schemeClr>
+            </a:gs>
+            <a:gs pos="100000">
+              <a:schemeClr val="phClr">
+                <a:lumMod val="99000"/>
+                <a:satMod val="120000"/>
+                <a:shade val="78000"/>
+              </a:schemeClr>
+            </a:gs>
+          </a:gsLst>
+          <a:lin ang="5400000" scaled="0"/>
+        </a:gradFill>
+      </a:fillStyleLst>
+      <a:lnStyleLst>
+        <a:ln w="6350" cap="flat" cmpd="sng" algn="ctr">
+          <a:solidFill>
+            <a:schemeClr val="phClr"/>
+          </a:solidFill>
+          <a:prstDash val="solid"/>
+          <a:miter lim="800000"/>
+        </a:ln>
+        <a:ln w="12700" cap="flat" cmpd="sng" algn="ctr">
+          <a:solidFill>
+            <a:schemeClr val="phClr"/>
+          </a:solidFill>
+          <a:prstDash val="solid"/>
+          <a:miter lim="800000"/>
+        </a:ln>
+        <a:ln w="19050" cap="flat" cmpd="sng" algn="ctr">
+          <a:solidFill>
+            <a:schemeClr val="phClr"/>
+          </a:solidFill>
+          <a:prstDash val="solid"/>
+          <a:miter lim="800000"/>
+        </a:ln>
+      </a:lnStyleLst>
+      <a:effectStyleLst>
+        <a:effectStyle>
+          <a:effectLst/>
+        </a:effectStyle>
+        <a:effectStyle>
+          <a:effectLst/>
+        </a:effectStyle>
+        <a:effectStyle>
+          <a:effectLst>
+            <a:outerShdw blurRad="57150" dist="19050" dir="5400000" algn="ctr" rotWithShape="0">
+              <a:srgbClr val="000000">
+                <a:alpha val="63000"/>
+              </a:srgbClr>
+            </a:outerShdw>
+          </a:effectLst>
+        </a:effectStyle>
+      </a:effectStyleLst>
+      <a:bgFillStyleLst>
+        <a:solidFill>
+          <a:schemeClr val="phClr"/>
+        </a:solidFill>
+        <a:solidFill>
+          <a:schemeClr val="phClr">
+            <a:tint val="95000"/>
+            <a:satMod val="170000"/>
+          </a:schemeClr>
+        </a:solidFill>
+        <a:gradFill rotWithShape="1">
+          <a:gsLst>
+            <a:gs pos="0">
+              <a:schemeClr val="phClr">
+                <a:tint val="93000"/>
+                <a:satMod val="150000"/>
+                <a:shade val="98000"/>
+                <a:lumMod val="102000"/>
+              </a:schemeClr>
+            </a:gs>
+            <a:gs pos="50000">
+              <a:schemeClr val="phClr">
+                <a:tint val="98000"/>
+                <a:satMod val="130000"/>
+                <a:shade val="90000"/>
+                <a:lumMod val="103000"/>
+              </a:schemeClr>
+            </a:gs>
+            <a:gs pos="100000">
+              <a:schemeClr val="phClr">
+                <a:shade val="63000"/>
+                <a:satMod val="120000"/>
+              </a:schemeClr>
+            </a:gs>
+          </a:gsLst>
+          <a:lin ang="5400000" scaled="0"/>
+        </a:gradFill>
+      </a:bgFillStyleLst>
+    </a:fmtScheme>
+  </a:themeElements>
+  <a:objectDefaults/>
+  <a:extraClrSchemeLst/>
+  <a:extLst>
+    <a:ext uri="{05A4C25C-085E-4340-85A3-A5531E510DB2}">
+      <thm15:themeFamily xmlns:thm15="http://schemas.microsoft.com/office/thememl/2012/main" name="Office Theme" id="{62F939B6-93AF-4DB8-9C6B-D6C7DFDC589F}" vid="{4A3C46E8-61CC-4603-A589-7422A47A8E4A}"/>
+    </a:ext>
+  </a:extLst>
+</a:theme>
 </file>
--- a/Programming 4/09.1 Terrain Collision/09.1 Terrain Collision.pptx
+++ b/Programming 4/09.1 Terrain Collision/09.1 Terrain Collision.pptx
@@ -218,7 +218,7 @@
           <a:p>
             <a:fld id="{2CE3422C-D433-4C84-A131-573DCFD5BE4D}" type="datetimeFigureOut">
               <a:rPr lang="en-NZ" smtClean="0"/>
-              <a:t>19/09/2019</a:t>
+              <a:t>20/09/2019</a:t>
             </a:fld>
             <a:endParaRPr lang="en-NZ"/>
           </a:p>
@@ -1048,8 +1048,29 @@
                 <a:ea typeface="+mn-ea"/>
                 <a:cs typeface="+mn-cs"/>
               </a:rPr>
-              <a:t>So we use a priori collision detection</a:t>
-            </a:r>
+              <a:t>So we use a priori collision </a:t>
+            </a:r>
+            <a:r>
+              <a:rPr lang="en-NZ" sz="1200" kern="1200" dirty="0" smtClean="0">
+                <a:solidFill>
+                  <a:schemeClr val="tx1"/>
+                </a:solidFill>
+                <a:effectLst/>
+                <a:latin typeface="+mn-lt"/>
+                <a:ea typeface="+mn-ea"/>
+                <a:cs typeface="+mn-cs"/>
+              </a:rPr>
+              <a:t>detection – computing before</a:t>
+            </a:r>
+            <a:endParaRPr lang="en-NZ" sz="1200" kern="1200" dirty="0" smtClean="0">
+              <a:solidFill>
+                <a:schemeClr val="tx1"/>
+              </a:solidFill>
+              <a:effectLst/>
+              <a:latin typeface="+mn-lt"/>
+              <a:ea typeface="+mn-ea"/>
+              <a:cs typeface="+mn-cs"/>
+            </a:endParaRPr>
           </a:p>
           <a:p>
             <a:pPr marL="171450" indent="-171450">
@@ -2754,7 +2775,7 @@
           <a:p>
             <a:fld id="{F8166F1F-CE9B-4651-A6AA-CD717754106B}" type="datetimeFigureOut">
               <a:rPr lang="en-US" smtClean="0"/>
-              <a:t>9/19/2019</a:t>
+              <a:t>9/20/2019</a:t>
             </a:fld>
             <a:endParaRPr lang="en-US"/>
           </a:p>
@@ -2919,7 +2940,7 @@
           <a:p>
             <a:fld id="{A76116CE-C4A3-4A05-B2D7-7C2E9A889C0F}" type="datetimeFigureOut">
               <a:rPr lang="en-US" smtClean="0"/>
-              <a:t>9/19/2019</a:t>
+              <a:t>9/20/2019</a:t>
             </a:fld>
             <a:endParaRPr lang="en-US"/>
           </a:p>
@@ -3094,7 +3115,7 @@
           <a:p>
             <a:fld id="{A76116CE-C4A3-4A05-B2D7-7C2E9A889C0F}" type="datetimeFigureOut">
               <a:rPr lang="en-US" smtClean="0"/>
-              <a:t>9/19/2019</a:t>
+              <a:t>9/20/2019</a:t>
             </a:fld>
             <a:endParaRPr lang="en-US"/>
           </a:p>
@@ -3261,7 +3282,7 @@
           <a:p>
             <a:fld id="{A76116CE-C4A3-4A05-B2D7-7C2E9A889C0F}" type="datetimeFigureOut">
               <a:rPr lang="en-US" smtClean="0"/>
-              <a:t>9/19/2019</a:t>
+              <a:t>9/20/2019</a:t>
             </a:fld>
             <a:endParaRPr lang="en-US"/>
           </a:p>
@@ -3502,7 +3523,7 @@
           <a:p>
             <a:fld id="{A76116CE-C4A3-4A05-B2D7-7C2E9A889C0F}" type="datetimeFigureOut">
               <a:rPr lang="en-US" smtClean="0"/>
-              <a:t>9/19/2019</a:t>
+              <a:t>9/20/2019</a:t>
             </a:fld>
             <a:endParaRPr lang="en-US"/>
           </a:p>
@@ -3785,7 +3806,7 @@
           <a:p>
             <a:fld id="{A76116CE-C4A3-4A05-B2D7-7C2E9A889C0F}" type="datetimeFigureOut">
               <a:rPr lang="en-US" smtClean="0"/>
-              <a:t>9/19/2019</a:t>
+              <a:t>9/20/2019</a:t>
             </a:fld>
             <a:endParaRPr lang="en-US"/>
           </a:p>
@@ -4202,7 +4223,7 @@
           <a:p>
             <a:fld id="{A76116CE-C4A3-4A05-B2D7-7C2E9A889C0F}" type="datetimeFigureOut">
               <a:rPr lang="en-US" smtClean="0"/>
-              <a:t>9/19/2019</a:t>
+              <a:t>9/20/2019</a:t>
             </a:fld>
             <a:endParaRPr lang="en-US"/>
           </a:p>
@@ -4315,7 +4336,7 @@
           <a:p>
             <a:fld id="{A76116CE-C4A3-4A05-B2D7-7C2E9A889C0F}" type="datetimeFigureOut">
               <a:rPr lang="en-US" smtClean="0"/>
-              <a:t>9/19/2019</a:t>
+              <a:t>9/20/2019</a:t>
             </a:fld>
             <a:endParaRPr lang="en-US"/>
           </a:p>
@@ -4405,7 +4426,7 @@
           <a:p>
             <a:fld id="{A76116CE-C4A3-4A05-B2D7-7C2E9A889C0F}" type="datetimeFigureOut">
               <a:rPr lang="en-US" smtClean="0"/>
-              <a:t>9/19/2019</a:t>
+              <a:t>9/20/2019</a:t>
             </a:fld>
             <a:endParaRPr lang="en-US"/>
           </a:p>
@@ -4677,7 +4698,7 @@
           <a:p>
             <a:fld id="{A76116CE-C4A3-4A05-B2D7-7C2E9A889C0F}" type="datetimeFigureOut">
               <a:rPr lang="en-US" smtClean="0"/>
-              <a:t>9/19/2019</a:t>
+              <a:t>9/20/2019</a:t>
             </a:fld>
             <a:endParaRPr lang="en-US"/>
           </a:p>
@@ -4925,7 +4946,7 @@
           <a:p>
             <a:fld id="{A76116CE-C4A3-4A05-B2D7-7C2E9A889C0F}" type="datetimeFigureOut">
               <a:rPr lang="en-US" smtClean="0"/>
-              <a:t>9/19/2019</a:t>
+              <a:t>9/20/2019</a:t>
             </a:fld>
             <a:endParaRPr lang="en-US"/>
           </a:p>
@@ -5133,7 +5154,7 @@
           <a:p>
             <a:fld id="{F8166F1F-CE9B-4651-A6AA-CD717754106B}" type="datetimeFigureOut">
               <a:rPr lang="en-US" smtClean="0"/>
-              <a:t>9/19/2019</a:t>
+              <a:t>9/20/2019</a:t>
             </a:fld>
             <a:endParaRPr lang="en-US"/>
           </a:p>
@@ -5551,11 +5572,7 @@
             <a:pPr algn="ctr"/>
             <a:r>
               <a:rPr lang="en-US" sz="4000" b="1" dirty="0" smtClean="0"/>
-              <a:t>09.1 Terrain </a:t>
-            </a:r>
-            <a:r>
-              <a:rPr lang="en-US" sz="4000" b="1" dirty="0" smtClean="0"/>
-              <a:t>Collision</a:t>
+              <a:t>09.1 Terrain Collision</a:t>
             </a:r>
           </a:p>
           <a:p>
@@ -5655,7 +5672,15 @@
             <a:pPr lvl="1"/>
             <a:r>
               <a:rPr lang="en-NZ" sz="3500" b="1" dirty="0" smtClean="0"/>
-              <a:t>Logic for a priori movement</a:t>
+              <a:t>Logic for </a:t>
+            </a:r>
+            <a:r>
+              <a:rPr lang="en-NZ" sz="3500" b="1" i="1" dirty="0" smtClean="0"/>
+              <a:t>a priori </a:t>
+            </a:r>
+            <a:r>
+              <a:rPr lang="en-NZ" sz="3500" b="1" dirty="0" smtClean="0"/>
+              <a:t>movement</a:t>
             </a:r>
             <a:endParaRPr lang="en-US" sz="3500" b="1" dirty="0" smtClean="0"/>
           </a:p>
@@ -7147,11 +7172,7 @@
             <a:pPr lvl="1"/>
             <a:r>
               <a:rPr lang="en-NZ" sz="3500" b="1" dirty="0" smtClean="0"/>
-              <a:t>Which</a:t>
-            </a:r>
-            <a:r>
-              <a:rPr lang="en-NZ" sz="3500" b="1" dirty="0" smtClean="0"/>
-              <a:t> tile?</a:t>
+              <a:t>Which tile?</a:t>
             </a:r>
             <a:endParaRPr lang="en-US" sz="2500" dirty="0" smtClean="0"/>
           </a:p>
